--- a/6101 Group Project New Version_Jichong_3.20.pptx
+++ b/6101 Group Project New Version_Jichong_3.20.pptx
@@ -7,28 +7,29 @@
   <p:sldIdLst>
     <p:sldId id="256" r:id="rId2"/>
     <p:sldId id="262" r:id="rId3"/>
-    <p:sldId id="265" r:id="rId4"/>
-    <p:sldId id="266" r:id="rId5"/>
-    <p:sldId id="258" r:id="rId6"/>
-    <p:sldId id="257" r:id="rId7"/>
-    <p:sldId id="260" r:id="rId8"/>
-    <p:sldId id="261" r:id="rId9"/>
-    <p:sldId id="259" r:id="rId10"/>
-    <p:sldId id="263" r:id="rId11"/>
-    <p:sldId id="269" r:id="rId12"/>
-    <p:sldId id="268" r:id="rId13"/>
-    <p:sldId id="264" r:id="rId14"/>
-    <p:sldId id="267" r:id="rId15"/>
-    <p:sldId id="270" r:id="rId16"/>
-    <p:sldId id="271" r:id="rId17"/>
-    <p:sldId id="276" r:id="rId18"/>
-    <p:sldId id="277" r:id="rId19"/>
-    <p:sldId id="278" r:id="rId20"/>
-    <p:sldId id="279" r:id="rId21"/>
-    <p:sldId id="281" r:id="rId22"/>
-    <p:sldId id="282" r:id="rId23"/>
-    <p:sldId id="280" r:id="rId24"/>
-    <p:sldId id="273" r:id="rId25"/>
+    <p:sldId id="283" r:id="rId4"/>
+    <p:sldId id="265" r:id="rId5"/>
+    <p:sldId id="266" r:id="rId6"/>
+    <p:sldId id="258" r:id="rId7"/>
+    <p:sldId id="257" r:id="rId8"/>
+    <p:sldId id="260" r:id="rId9"/>
+    <p:sldId id="261" r:id="rId10"/>
+    <p:sldId id="259" r:id="rId11"/>
+    <p:sldId id="263" r:id="rId12"/>
+    <p:sldId id="269" r:id="rId13"/>
+    <p:sldId id="268" r:id="rId14"/>
+    <p:sldId id="264" r:id="rId15"/>
+    <p:sldId id="267" r:id="rId16"/>
+    <p:sldId id="270" r:id="rId17"/>
+    <p:sldId id="271" r:id="rId18"/>
+    <p:sldId id="276" r:id="rId19"/>
+    <p:sldId id="277" r:id="rId20"/>
+    <p:sldId id="278" r:id="rId21"/>
+    <p:sldId id="279" r:id="rId22"/>
+    <p:sldId id="281" r:id="rId23"/>
+    <p:sldId id="282" r:id="rId24"/>
+    <p:sldId id="280" r:id="rId25"/>
+    <p:sldId id="273" r:id="rId26"/>
   </p:sldIdLst>
   <p:sldSz cx="12192000" cy="6858000"/>
   <p:notesSz cx="6858000" cy="9144000"/>
@@ -134,6 +135,7 @@
           <p14:sldIdLst>
             <p14:sldId id="256"/>
             <p14:sldId id="262"/>
+            <p14:sldId id="283"/>
             <p14:sldId id="265"/>
             <p14:sldId id="266"/>
             <p14:sldId id="258"/>
@@ -5933,8 +5935,8 @@
         </p:nvSpPr>
         <p:spPr>
           <a:xfrm>
-            <a:off x="597659" y="2286000"/>
-            <a:ext cx="10572000" cy="1143000"/>
+            <a:off x="597659" y="1771650"/>
+            <a:ext cx="10572000" cy="1657350"/>
           </a:xfrm>
         </p:spPr>
         <p:txBody>
@@ -6095,6 +6097,734 @@
 </file>
 
 <file path=ppt/slides/slide10.xml><?xml version="1.0" encoding="utf-8"?>
+<p:sld xmlns:a="http://schemas.openxmlformats.org/drawingml/2006/main" xmlns:r="http://schemas.openxmlformats.org/officeDocument/2006/relationships" xmlns:p="http://schemas.openxmlformats.org/presentationml/2006/main">
+  <p:cSld>
+    <p:spTree>
+      <p:nvGrpSpPr>
+        <p:cNvPr id="1" name=""/>
+        <p:cNvGrpSpPr/>
+        <p:nvPr/>
+      </p:nvGrpSpPr>
+      <p:grpSpPr>
+        <a:xfrm>
+          <a:off x="0" y="0"/>
+          <a:ext cx="0" cy="0"/>
+          <a:chOff x="0" y="0"/>
+          <a:chExt cx="0" cy="0"/>
+        </a:xfrm>
+      </p:grpSpPr>
+      <p:sp>
+        <p:nvSpPr>
+          <p:cNvPr id="3" name="Title 1">
+            <a:extLst>
+              <a:ext uri="{FF2B5EF4-FFF2-40B4-BE49-F238E27FC236}">
+                <a16:creationId xmlns:a16="http://schemas.microsoft.com/office/drawing/2014/main" id="{31D4EE0D-67BD-45D9-BCBE-0F562E39B48C}"/>
+              </a:ext>
+            </a:extLst>
+          </p:cNvPr>
+          <p:cNvSpPr>
+            <a:spLocks noGrp="1"/>
+          </p:cNvSpPr>
+          <p:nvPr>
+            <p:ph type="title"/>
+          </p:nvPr>
+        </p:nvSpPr>
+        <p:spPr>
+          <a:xfrm>
+            <a:off x="695995" y="609600"/>
+            <a:ext cx="8596668" cy="1320800"/>
+          </a:xfrm>
+        </p:spPr>
+        <p:txBody>
+          <a:bodyPr/>
+          <a:lstStyle/>
+          <a:p>
+            <a:r>
+              <a:rPr lang="en-US" dirty="0">
+                <a:latin typeface="Helvetica" panose="020B0604020202020204" pitchFamily="34" charset="0"/>
+                <a:cs typeface="Helvetica" panose="020B0604020202020204" pitchFamily="34" charset="0"/>
+              </a:rPr>
+              <a:t>Exploratory Data Analysis</a:t>
+            </a:r>
+          </a:p>
+        </p:txBody>
+      </p:sp>
+      <p:sp>
+        <p:nvSpPr>
+          <p:cNvPr id="4" name="Content Placeholder 3">
+            <a:extLst>
+              <a:ext uri="{FF2B5EF4-FFF2-40B4-BE49-F238E27FC236}">
+                <a16:creationId xmlns:a16="http://schemas.microsoft.com/office/drawing/2014/main" id="{A573C1C5-DF0B-4885-8143-FDA1F7CC223A}"/>
+              </a:ext>
+            </a:extLst>
+          </p:cNvPr>
+          <p:cNvSpPr>
+            <a:spLocks noGrp="1"/>
+          </p:cNvSpPr>
+          <p:nvPr>
+            <p:ph idx="1"/>
+          </p:nvPr>
+        </p:nvSpPr>
+        <p:spPr>
+          <a:xfrm>
+            <a:off x="695994" y="1488613"/>
+            <a:ext cx="9763621" cy="4856203"/>
+          </a:xfrm>
+        </p:spPr>
+        <p:txBody>
+          <a:bodyPr>
+            <a:normAutofit fontScale="92500" lnSpcReduction="10000"/>
+          </a:bodyPr>
+          <a:lstStyle/>
+          <a:p>
+            <a:r>
+              <a:rPr lang="en-US" sz="2100" dirty="0">
+                <a:latin typeface="Calibri" panose="020F0502020204030204" pitchFamily="34" charset="0"/>
+                <a:ea typeface="DengXian" panose="02010600030101010101" pitchFamily="2" charset="-122"/>
+                <a:cs typeface="Times New Roman" panose="02020603050405020304" pitchFamily="18" charset="0"/>
+              </a:rPr>
+              <a:t>Data aggregates overview</a:t>
+            </a:r>
+          </a:p>
+          <a:p>
+            <a:pPr lvl="1"/>
+            <a:r>
+              <a:rPr lang="en-US" sz="1800" dirty="0">
+                <a:effectLst/>
+                <a:latin typeface="Calibri" panose="020F0502020204030204" pitchFamily="34" charset="0"/>
+                <a:ea typeface="DengXian" panose="02010600030101010101" pitchFamily="2" charset="-122"/>
+                <a:cs typeface="Times New Roman" panose="02020603050405020304" pitchFamily="18" charset="0"/>
+              </a:rPr>
+              <a:t>Count total # of cities by region (</a:t>
+            </a:r>
+            <a:r>
+              <a:rPr lang="en-US" sz="1800" dirty="0">
+                <a:solidFill>
+                  <a:schemeClr val="bg1"/>
+                </a:solidFill>
+                <a:effectLst/>
+                <a:highlight>
+                  <a:srgbClr val="FFFF00"/>
+                </a:highlight>
+                <a:latin typeface="Calibri" panose="020F0502020204030204" pitchFamily="34" charset="0"/>
+                <a:ea typeface="DengXian" panose="02010600030101010101" pitchFamily="2" charset="-122"/>
+                <a:cs typeface="Times New Roman" panose="02020603050405020304" pitchFamily="18" charset="0"/>
+              </a:rPr>
+              <a:t>chart1</a:t>
+            </a:r>
+            <a:r>
+              <a:rPr lang="en-US" sz="1800" dirty="0">
+                <a:effectLst/>
+                <a:latin typeface="Calibri" panose="020F0502020204030204" pitchFamily="34" charset="0"/>
+                <a:ea typeface="DengXian" panose="02010600030101010101" pitchFamily="2" charset="-122"/>
+                <a:cs typeface="Times New Roman" panose="02020603050405020304" pitchFamily="18" charset="0"/>
+              </a:rPr>
+              <a:t>)</a:t>
+            </a:r>
+          </a:p>
+          <a:p>
+            <a:pPr lvl="1"/>
+            <a:r>
+              <a:rPr lang="en-US" sz="1800" dirty="0">
+                <a:latin typeface="Calibri" panose="020F0502020204030204" pitchFamily="34" charset="0"/>
+                <a:ea typeface="DengXian" panose="02010600030101010101" pitchFamily="2" charset="-122"/>
+                <a:cs typeface="Times New Roman" panose="02020603050405020304" pitchFamily="18" charset="0"/>
+              </a:rPr>
+              <a:t>Count </a:t>
+            </a:r>
+            <a:r>
+              <a:rPr lang="en-US" sz="1800" dirty="0">
+                <a:effectLst/>
+                <a:latin typeface="Calibri" panose="020F0502020204030204" pitchFamily="34" charset="0"/>
+                <a:ea typeface="DengXian" panose="02010600030101010101" pitchFamily="2" charset="-122"/>
+                <a:cs typeface="Times New Roman" panose="02020603050405020304" pitchFamily="18" charset="0"/>
+              </a:rPr>
+              <a:t>total # of solar panels with direction breakdowns by region (</a:t>
+            </a:r>
+            <a:r>
+              <a:rPr lang="en-US" sz="1800" dirty="0">
+                <a:solidFill>
+                  <a:schemeClr val="bg1"/>
+                </a:solidFill>
+                <a:effectLst/>
+                <a:highlight>
+                  <a:srgbClr val="FFFF00"/>
+                </a:highlight>
+                <a:latin typeface="Calibri" panose="020F0502020204030204" pitchFamily="34" charset="0"/>
+                <a:ea typeface="DengXian" panose="02010600030101010101" pitchFamily="2" charset="-122"/>
+                <a:cs typeface="Times New Roman" panose="02020603050405020304" pitchFamily="18" charset="0"/>
+              </a:rPr>
+              <a:t>chart2</a:t>
+            </a:r>
+            <a:r>
+              <a:rPr lang="en-US" sz="1800" dirty="0">
+                <a:effectLst/>
+                <a:latin typeface="Calibri" panose="020F0502020204030204" pitchFamily="34" charset="0"/>
+                <a:ea typeface="DengXian" panose="02010600030101010101" pitchFamily="2" charset="-122"/>
+                <a:cs typeface="Times New Roman" panose="02020603050405020304" pitchFamily="18" charset="0"/>
+              </a:rPr>
+              <a:t>)</a:t>
+            </a:r>
+          </a:p>
+          <a:p>
+            <a:pPr lvl="1"/>
+            <a:r>
+              <a:rPr lang="en-US" sz="1800" dirty="0">
+                <a:latin typeface="Calibri" panose="020F0502020204030204" pitchFamily="34" charset="0"/>
+                <a:ea typeface="DengXian" panose="02010600030101010101" pitchFamily="2" charset="-122"/>
+                <a:cs typeface="Times New Roman" panose="02020603050405020304" pitchFamily="18" charset="0"/>
+              </a:rPr>
+              <a:t>Count total </a:t>
+            </a:r>
+            <a:r>
+              <a:rPr lang="en-US" sz="1800" dirty="0">
+                <a:effectLst/>
+                <a:latin typeface="Calibri" panose="020F0502020204030204" pitchFamily="34" charset="0"/>
+                <a:ea typeface="DengXian" panose="02010600030101010101" pitchFamily="2" charset="-122"/>
+                <a:cs typeface="Times New Roman" panose="02020603050405020304" pitchFamily="18" charset="0"/>
+              </a:rPr>
+              <a:t>solar energy production potential by region (</a:t>
+            </a:r>
+            <a:r>
+              <a:rPr lang="en-US" sz="1800" dirty="0">
+                <a:solidFill>
+                  <a:schemeClr val="bg1"/>
+                </a:solidFill>
+                <a:effectLst/>
+                <a:highlight>
+                  <a:srgbClr val="FFFF00"/>
+                </a:highlight>
+                <a:latin typeface="Calibri" panose="020F0502020204030204" pitchFamily="34" charset="0"/>
+                <a:ea typeface="DengXian" panose="02010600030101010101" pitchFamily="2" charset="-122"/>
+                <a:cs typeface="Times New Roman" panose="02020603050405020304" pitchFamily="18" charset="0"/>
+              </a:rPr>
+              <a:t>chart3</a:t>
+            </a:r>
+            <a:r>
+              <a:rPr lang="en-US" sz="1800" dirty="0">
+                <a:effectLst/>
+                <a:latin typeface="Calibri" panose="020F0502020204030204" pitchFamily="34" charset="0"/>
+                <a:ea typeface="DengXian" panose="02010600030101010101" pitchFamily="2" charset="-122"/>
+                <a:cs typeface="Times New Roman" panose="02020603050405020304" pitchFamily="18" charset="0"/>
+              </a:rPr>
+              <a:t>)</a:t>
+            </a:r>
+          </a:p>
+          <a:p>
+            <a:r>
+              <a:rPr lang="en-US" sz="2000" dirty="0">
+                <a:latin typeface="Calibri" panose="020F0502020204030204" pitchFamily="34" charset="0"/>
+                <a:ea typeface="DengXian" panose="02010600030101010101" pitchFamily="2" charset="-122"/>
+                <a:cs typeface="Times New Roman" panose="02020603050405020304" pitchFamily="18" charset="0"/>
+              </a:rPr>
+              <a:t>Get additional independent variables</a:t>
+            </a:r>
+          </a:p>
+          <a:p>
+            <a:pPr lvl="1"/>
+            <a:r>
+              <a:rPr lang="en-US" sz="1800" dirty="0">
+                <a:latin typeface="Calibri" panose="020F0502020204030204" pitchFamily="34" charset="0"/>
+                <a:ea typeface="DengXian" panose="02010600030101010101" pitchFamily="2" charset="-122"/>
+                <a:cs typeface="Times New Roman" panose="02020603050405020304" pitchFamily="18" charset="0"/>
+              </a:rPr>
+              <a:t>Calculate the average solar energy potential generated by each panel by region (</a:t>
+            </a:r>
+            <a:r>
+              <a:rPr lang="en-US" sz="1800" dirty="0">
+                <a:solidFill>
+                  <a:schemeClr val="bg1"/>
+                </a:solidFill>
+                <a:highlight>
+                  <a:srgbClr val="FFFF00"/>
+                </a:highlight>
+                <a:latin typeface="Calibri" panose="020F0502020204030204" pitchFamily="34" charset="0"/>
+                <a:ea typeface="DengXian" panose="02010600030101010101" pitchFamily="2" charset="-122"/>
+                <a:cs typeface="Times New Roman" panose="02020603050405020304" pitchFamily="18" charset="0"/>
+              </a:rPr>
+              <a:t>charts 4-8, table1</a:t>
+            </a:r>
+            <a:r>
+              <a:rPr lang="en-US" sz="1800" dirty="0">
+                <a:latin typeface="Calibri" panose="020F0502020204030204" pitchFamily="34" charset="0"/>
+                <a:ea typeface="DengXian" panose="02010600030101010101" pitchFamily="2" charset="-122"/>
+                <a:cs typeface="Times New Roman" panose="02020603050405020304" pitchFamily="18" charset="0"/>
+              </a:rPr>
+              <a:t>)</a:t>
+            </a:r>
+          </a:p>
+          <a:p>
+            <a:pPr lvl="1"/>
+            <a:r>
+              <a:rPr lang="en-US" sz="1800" dirty="0">
+                <a:latin typeface="Calibri" panose="020F0502020204030204" pitchFamily="34" charset="0"/>
+                <a:ea typeface="DengXian" panose="02010600030101010101" pitchFamily="2" charset="-122"/>
+                <a:cs typeface="Times New Roman" panose="02020603050405020304" pitchFamily="18" charset="0"/>
+              </a:rPr>
+              <a:t>Find sunlight energy potential per panel per direction for each city</a:t>
+            </a:r>
+          </a:p>
+          <a:p>
+            <a:pPr lvl="2"/>
+            <a:r>
+              <a:rPr lang="en-US" sz="1600" dirty="0">
+                <a:effectLst/>
+                <a:latin typeface="Calibri" panose="020F0502020204030204" pitchFamily="34" charset="0"/>
+                <a:ea typeface="DengXian" panose="02010600030101010101" pitchFamily="2" charset="-122"/>
+                <a:cs typeface="Times New Roman" panose="02020603050405020304" pitchFamily="18" charset="0"/>
+              </a:rPr>
+              <a:t>i.e. </a:t>
+            </a:r>
+            <a:r>
+              <a:rPr lang="en-US" sz="1600" dirty="0" err="1">
+                <a:effectLst/>
+                <a:latin typeface="Calibri" panose="020F0502020204030204" pitchFamily="34" charset="0"/>
+                <a:ea typeface="DengXian" panose="02010600030101010101" pitchFamily="2" charset="-122"/>
+                <a:cs typeface="Times New Roman" panose="02020603050405020304" pitchFamily="18" charset="0"/>
+              </a:rPr>
+              <a:t>sunlight_north</a:t>
+            </a:r>
+            <a:r>
+              <a:rPr lang="en-US" sz="1600" dirty="0">
+                <a:effectLst/>
+                <a:latin typeface="Calibri" panose="020F0502020204030204" pitchFamily="34" charset="0"/>
+                <a:ea typeface="DengXian" panose="02010600030101010101" pitchFamily="2" charset="-122"/>
+                <a:cs typeface="Times New Roman" panose="02020603050405020304" pitchFamily="18" charset="0"/>
+              </a:rPr>
+              <a:t> / </a:t>
+            </a:r>
+            <a:r>
+              <a:rPr lang="en-US" sz="1600" dirty="0" err="1">
+                <a:effectLst/>
+                <a:latin typeface="Calibri" panose="020F0502020204030204" pitchFamily="34" charset="0"/>
+                <a:ea typeface="DengXian" panose="02010600030101010101" pitchFamily="2" charset="-122"/>
+                <a:cs typeface="Times New Roman" panose="02020603050405020304" pitchFamily="18" charset="0"/>
+              </a:rPr>
+              <a:t>panels_north</a:t>
+            </a:r>
+            <a:r>
+              <a:rPr lang="en-US" sz="1600" dirty="0">
+                <a:effectLst/>
+                <a:latin typeface="Calibri" panose="020F0502020204030204" pitchFamily="34" charset="0"/>
+                <a:ea typeface="DengXian" panose="02010600030101010101" pitchFamily="2" charset="-122"/>
+                <a:cs typeface="Times New Roman" panose="02020603050405020304" pitchFamily="18" charset="0"/>
+              </a:rPr>
+              <a:t> = estimated total solar energy generation potential per panel in city x</a:t>
+            </a:r>
+          </a:p>
+          <a:p>
+            <a:r>
+              <a:rPr lang="en-US" sz="2000" dirty="0">
+                <a:latin typeface="Calibri" panose="020F0502020204030204" pitchFamily="34" charset="0"/>
+                <a:ea typeface="DengXian" panose="02010600030101010101" pitchFamily="2" charset="-122"/>
+                <a:cs typeface="Times New Roman" panose="02020603050405020304" pitchFamily="18" charset="0"/>
+              </a:rPr>
+              <a:t>Relationship check for model building (</a:t>
+            </a:r>
+            <a:r>
+              <a:rPr lang="en-US" sz="2000" b="1" i="1" dirty="0">
+                <a:latin typeface="Calibri" panose="020F0502020204030204" pitchFamily="34" charset="0"/>
+                <a:ea typeface="DengXian" panose="02010600030101010101" pitchFamily="2" charset="-122"/>
+                <a:cs typeface="Times New Roman" panose="02020603050405020304" pitchFamily="18" charset="0"/>
+              </a:rPr>
+              <a:t>below 4 + above 2</a:t>
+            </a:r>
+            <a:r>
+              <a:rPr lang="en-US" sz="2000" dirty="0">
+                <a:latin typeface="Calibri" panose="020F0502020204030204" pitchFamily="34" charset="0"/>
+                <a:ea typeface="DengXian" panose="02010600030101010101" pitchFamily="2" charset="-122"/>
+                <a:cs typeface="Times New Roman" panose="02020603050405020304" pitchFamily="18" charset="0"/>
+              </a:rPr>
+              <a:t>)</a:t>
+            </a:r>
+          </a:p>
+          <a:p>
+            <a:pPr lvl="1"/>
+            <a:r>
+              <a:rPr lang="en-US" sz="1800" dirty="0">
+                <a:latin typeface="Calibri" panose="020F0502020204030204" pitchFamily="34" charset="0"/>
+                <a:ea typeface="DengXian" panose="02010600030101010101" pitchFamily="2" charset="-122"/>
+                <a:cs typeface="Times New Roman" panose="02020603050405020304" pitchFamily="18" charset="0"/>
+              </a:rPr>
+              <a:t>Any relationship between carbon offset and solar panels? (</a:t>
+            </a:r>
+            <a:r>
+              <a:rPr lang="en-US" sz="1800" dirty="0" err="1">
+                <a:solidFill>
+                  <a:schemeClr val="bg1"/>
+                </a:solidFill>
+                <a:highlight>
+                  <a:srgbClr val="FFFF00"/>
+                </a:highlight>
+                <a:latin typeface="Calibri" panose="020F0502020204030204" pitchFamily="34" charset="0"/>
+                <a:ea typeface="DengXian" panose="02010600030101010101" pitchFamily="2" charset="-122"/>
+                <a:cs typeface="Times New Roman" panose="02020603050405020304" pitchFamily="18" charset="0"/>
+              </a:rPr>
+              <a:t>qq</a:t>
+            </a:r>
+            <a:r>
+              <a:rPr lang="en-US" sz="1800" dirty="0">
+                <a:solidFill>
+                  <a:schemeClr val="bg1"/>
+                </a:solidFill>
+                <a:highlight>
+                  <a:srgbClr val="FFFF00"/>
+                </a:highlight>
+                <a:latin typeface="Calibri" panose="020F0502020204030204" pitchFamily="34" charset="0"/>
+                <a:ea typeface="DengXian" panose="02010600030101010101" pitchFamily="2" charset="-122"/>
+                <a:cs typeface="Times New Roman" panose="02020603050405020304" pitchFamily="18" charset="0"/>
+              </a:rPr>
+              <a:t>-plot + </a:t>
+            </a:r>
+            <a:r>
+              <a:rPr lang="en-US" sz="1800" dirty="0" err="1">
+                <a:solidFill>
+                  <a:schemeClr val="bg1"/>
+                </a:solidFill>
+                <a:highlight>
+                  <a:srgbClr val="FFFF00"/>
+                </a:highlight>
+                <a:latin typeface="Calibri" panose="020F0502020204030204" pitchFamily="34" charset="0"/>
+                <a:ea typeface="DengXian" panose="02010600030101010101" pitchFamily="2" charset="-122"/>
+                <a:cs typeface="Times New Roman" panose="02020603050405020304" pitchFamily="18" charset="0"/>
+              </a:rPr>
+              <a:t>cor</a:t>
+            </a:r>
+            <a:r>
+              <a:rPr lang="en-US" sz="1800" dirty="0">
+                <a:solidFill>
+                  <a:schemeClr val="bg1"/>
+                </a:solidFill>
+                <a:highlight>
+                  <a:srgbClr val="FFFF00"/>
+                </a:highlight>
+                <a:latin typeface="Calibri" panose="020F0502020204030204" pitchFamily="34" charset="0"/>
+                <a:ea typeface="DengXian" panose="02010600030101010101" pitchFamily="2" charset="-122"/>
+                <a:cs typeface="Times New Roman" panose="02020603050405020304" pitchFamily="18" charset="0"/>
+              </a:rPr>
+              <a:t> test</a:t>
+            </a:r>
+            <a:r>
+              <a:rPr lang="en-US" sz="1800" dirty="0">
+                <a:latin typeface="Calibri" panose="020F0502020204030204" pitchFamily="34" charset="0"/>
+                <a:ea typeface="DengXian" panose="02010600030101010101" pitchFamily="2" charset="-122"/>
+                <a:cs typeface="Times New Roman" panose="02020603050405020304" pitchFamily="18" charset="0"/>
+              </a:rPr>
+              <a:t>)</a:t>
+            </a:r>
+          </a:p>
+          <a:p>
+            <a:pPr lvl="1"/>
+            <a:r>
+              <a:rPr lang="en-US" sz="1800" dirty="0">
+                <a:latin typeface="Calibri" panose="020F0502020204030204" pitchFamily="34" charset="0"/>
+                <a:ea typeface="DengXian" panose="02010600030101010101" pitchFamily="2" charset="-122"/>
+                <a:cs typeface="Times New Roman" panose="02020603050405020304" pitchFamily="18" charset="0"/>
+              </a:rPr>
+              <a:t>Any relationship between carbon offset and solar potential? (</a:t>
+            </a:r>
+            <a:r>
+              <a:rPr lang="en-US" sz="1800" dirty="0" err="1">
+                <a:solidFill>
+                  <a:schemeClr val="bg1"/>
+                </a:solidFill>
+                <a:highlight>
+                  <a:srgbClr val="FFFF00"/>
+                </a:highlight>
+                <a:latin typeface="Calibri" panose="020F0502020204030204" pitchFamily="34" charset="0"/>
+                <a:ea typeface="DengXian" panose="02010600030101010101" pitchFamily="2" charset="-122"/>
+                <a:cs typeface="Times New Roman" panose="02020603050405020304" pitchFamily="18" charset="0"/>
+              </a:rPr>
+              <a:t>qq</a:t>
+            </a:r>
+            <a:r>
+              <a:rPr lang="en-US" sz="1800" dirty="0">
+                <a:solidFill>
+                  <a:schemeClr val="bg1"/>
+                </a:solidFill>
+                <a:highlight>
+                  <a:srgbClr val="FFFF00"/>
+                </a:highlight>
+                <a:latin typeface="Calibri" panose="020F0502020204030204" pitchFamily="34" charset="0"/>
+                <a:ea typeface="DengXian" panose="02010600030101010101" pitchFamily="2" charset="-122"/>
+                <a:cs typeface="Times New Roman" panose="02020603050405020304" pitchFamily="18" charset="0"/>
+              </a:rPr>
+              <a:t>-plot + </a:t>
+            </a:r>
+            <a:r>
+              <a:rPr lang="en-US" sz="1800" dirty="0" err="1">
+                <a:solidFill>
+                  <a:schemeClr val="bg1"/>
+                </a:solidFill>
+                <a:highlight>
+                  <a:srgbClr val="FFFF00"/>
+                </a:highlight>
+                <a:latin typeface="Calibri" panose="020F0502020204030204" pitchFamily="34" charset="0"/>
+                <a:ea typeface="DengXian" panose="02010600030101010101" pitchFamily="2" charset="-122"/>
+                <a:cs typeface="Times New Roman" panose="02020603050405020304" pitchFamily="18" charset="0"/>
+              </a:rPr>
+              <a:t>cor</a:t>
+            </a:r>
+            <a:r>
+              <a:rPr lang="en-US" sz="1800" dirty="0">
+                <a:solidFill>
+                  <a:schemeClr val="bg1"/>
+                </a:solidFill>
+                <a:highlight>
+                  <a:srgbClr val="FFFF00"/>
+                </a:highlight>
+                <a:latin typeface="Calibri" panose="020F0502020204030204" pitchFamily="34" charset="0"/>
+                <a:ea typeface="DengXian" panose="02010600030101010101" pitchFamily="2" charset="-122"/>
+                <a:cs typeface="Times New Roman" panose="02020603050405020304" pitchFamily="18" charset="0"/>
+              </a:rPr>
+              <a:t> test</a:t>
+            </a:r>
+            <a:r>
+              <a:rPr lang="en-US" sz="1800" dirty="0">
+                <a:latin typeface="Calibri" panose="020F0502020204030204" pitchFamily="34" charset="0"/>
+                <a:ea typeface="DengXian" panose="02010600030101010101" pitchFamily="2" charset="-122"/>
+                <a:cs typeface="Times New Roman" panose="02020603050405020304" pitchFamily="18" charset="0"/>
+              </a:rPr>
+              <a:t>)</a:t>
+            </a:r>
+          </a:p>
+          <a:p>
+            <a:pPr lvl="1"/>
+            <a:r>
+              <a:rPr lang="en-US" sz="1800" dirty="0">
+                <a:latin typeface="Calibri" panose="020F0502020204030204" pitchFamily="34" charset="0"/>
+                <a:ea typeface="DengXian" panose="02010600030101010101" pitchFamily="2" charset="-122"/>
+                <a:cs typeface="Times New Roman" panose="02020603050405020304" pitchFamily="18" charset="0"/>
+              </a:rPr>
+              <a:t>Any relationship between carbon offset and solar panel direction? (</a:t>
+            </a:r>
+            <a:r>
+              <a:rPr lang="en-US" sz="1800" dirty="0" err="1">
+                <a:solidFill>
+                  <a:schemeClr val="bg1"/>
+                </a:solidFill>
+                <a:highlight>
+                  <a:srgbClr val="FFFF00"/>
+                </a:highlight>
+                <a:latin typeface="Calibri" panose="020F0502020204030204" pitchFamily="34" charset="0"/>
+                <a:ea typeface="DengXian" panose="02010600030101010101" pitchFamily="2" charset="-122"/>
+                <a:cs typeface="Times New Roman" panose="02020603050405020304" pitchFamily="18" charset="0"/>
+              </a:rPr>
+              <a:t>qq</a:t>
+            </a:r>
+            <a:r>
+              <a:rPr lang="en-US" sz="1800" dirty="0">
+                <a:solidFill>
+                  <a:schemeClr val="bg1"/>
+                </a:solidFill>
+                <a:highlight>
+                  <a:srgbClr val="FFFF00"/>
+                </a:highlight>
+                <a:latin typeface="Calibri" panose="020F0502020204030204" pitchFamily="34" charset="0"/>
+                <a:ea typeface="DengXian" panose="02010600030101010101" pitchFamily="2" charset="-122"/>
+                <a:cs typeface="Times New Roman" panose="02020603050405020304" pitchFamily="18" charset="0"/>
+              </a:rPr>
+              <a:t>-plot + </a:t>
+            </a:r>
+            <a:r>
+              <a:rPr lang="en-US" sz="1800" dirty="0" err="1">
+                <a:solidFill>
+                  <a:schemeClr val="bg1"/>
+                </a:solidFill>
+                <a:highlight>
+                  <a:srgbClr val="FFFF00"/>
+                </a:highlight>
+                <a:latin typeface="Calibri" panose="020F0502020204030204" pitchFamily="34" charset="0"/>
+                <a:ea typeface="DengXian" panose="02010600030101010101" pitchFamily="2" charset="-122"/>
+                <a:cs typeface="Times New Roman" panose="02020603050405020304" pitchFamily="18" charset="0"/>
+              </a:rPr>
+              <a:t>cor</a:t>
+            </a:r>
+            <a:r>
+              <a:rPr lang="en-US" sz="1800" dirty="0">
+                <a:solidFill>
+                  <a:schemeClr val="bg1"/>
+                </a:solidFill>
+                <a:highlight>
+                  <a:srgbClr val="FFFF00"/>
+                </a:highlight>
+                <a:latin typeface="Calibri" panose="020F0502020204030204" pitchFamily="34" charset="0"/>
+                <a:ea typeface="DengXian" panose="02010600030101010101" pitchFamily="2" charset="-122"/>
+                <a:cs typeface="Times New Roman" panose="02020603050405020304" pitchFamily="18" charset="0"/>
+              </a:rPr>
+              <a:t> test</a:t>
+            </a:r>
+            <a:r>
+              <a:rPr lang="en-US" sz="1800" dirty="0">
+                <a:latin typeface="Calibri" panose="020F0502020204030204" pitchFamily="34" charset="0"/>
+                <a:ea typeface="DengXian" panose="02010600030101010101" pitchFamily="2" charset="-122"/>
+                <a:cs typeface="Times New Roman" panose="02020603050405020304" pitchFamily="18" charset="0"/>
+              </a:rPr>
+              <a:t>)</a:t>
+            </a:r>
+          </a:p>
+          <a:p>
+            <a:pPr lvl="1"/>
+            <a:r>
+              <a:rPr lang="en-US" sz="1800" dirty="0">
+                <a:latin typeface="Calibri" panose="020F0502020204030204" pitchFamily="34" charset="0"/>
+                <a:ea typeface="DengXian" panose="02010600030101010101" pitchFamily="2" charset="-122"/>
+                <a:cs typeface="Times New Roman" panose="02020603050405020304" pitchFamily="18" charset="0"/>
+              </a:rPr>
+              <a:t>Any relationship between carbon offset and solar location (use </a:t>
+            </a:r>
+            <a:r>
+              <a:rPr lang="en-US" sz="1800" dirty="0" err="1">
+                <a:latin typeface="Calibri" panose="020F0502020204030204" pitchFamily="34" charset="0"/>
+                <a:ea typeface="DengXian" panose="02010600030101010101" pitchFamily="2" charset="-122"/>
+                <a:cs typeface="Times New Roman" panose="02020603050405020304" pitchFamily="18" charset="0"/>
+              </a:rPr>
+              <a:t>lat</a:t>
+            </a:r>
+            <a:r>
+              <a:rPr lang="en-US" sz="1800" dirty="0">
+                <a:latin typeface="Calibri" panose="020F0502020204030204" pitchFamily="34" charset="0"/>
+                <a:ea typeface="DengXian" panose="02010600030101010101" pitchFamily="2" charset="-122"/>
+                <a:cs typeface="Times New Roman" panose="02020603050405020304" pitchFamily="18" charset="0"/>
+              </a:rPr>
+              <a:t>, long data)? (</a:t>
+            </a:r>
+            <a:r>
+              <a:rPr lang="en-US" sz="1800" dirty="0" err="1">
+                <a:solidFill>
+                  <a:schemeClr val="bg1"/>
+                </a:solidFill>
+                <a:highlight>
+                  <a:srgbClr val="FFFF00"/>
+                </a:highlight>
+                <a:latin typeface="Calibri" panose="020F0502020204030204" pitchFamily="34" charset="0"/>
+                <a:ea typeface="DengXian" panose="02010600030101010101" pitchFamily="2" charset="-122"/>
+                <a:cs typeface="Times New Roman" panose="02020603050405020304" pitchFamily="18" charset="0"/>
+              </a:rPr>
+              <a:t>qq</a:t>
+            </a:r>
+            <a:r>
+              <a:rPr lang="en-US" sz="1800" dirty="0">
+                <a:solidFill>
+                  <a:schemeClr val="bg1"/>
+                </a:solidFill>
+                <a:highlight>
+                  <a:srgbClr val="FFFF00"/>
+                </a:highlight>
+                <a:latin typeface="Calibri" panose="020F0502020204030204" pitchFamily="34" charset="0"/>
+                <a:ea typeface="DengXian" panose="02010600030101010101" pitchFamily="2" charset="-122"/>
+                <a:cs typeface="Times New Roman" panose="02020603050405020304" pitchFamily="18" charset="0"/>
+              </a:rPr>
+              <a:t>-plot + </a:t>
+            </a:r>
+            <a:r>
+              <a:rPr lang="en-US" sz="1800" dirty="0" err="1">
+                <a:solidFill>
+                  <a:schemeClr val="bg1"/>
+                </a:solidFill>
+                <a:highlight>
+                  <a:srgbClr val="FFFF00"/>
+                </a:highlight>
+                <a:latin typeface="Calibri" panose="020F0502020204030204" pitchFamily="34" charset="0"/>
+                <a:ea typeface="DengXian" panose="02010600030101010101" pitchFamily="2" charset="-122"/>
+                <a:cs typeface="Times New Roman" panose="02020603050405020304" pitchFamily="18" charset="0"/>
+              </a:rPr>
+              <a:t>cor</a:t>
+            </a:r>
+            <a:r>
+              <a:rPr lang="en-US" sz="1800" dirty="0">
+                <a:solidFill>
+                  <a:schemeClr val="bg1"/>
+                </a:solidFill>
+                <a:highlight>
+                  <a:srgbClr val="FFFF00"/>
+                </a:highlight>
+                <a:latin typeface="Calibri" panose="020F0502020204030204" pitchFamily="34" charset="0"/>
+                <a:ea typeface="DengXian" panose="02010600030101010101" pitchFamily="2" charset="-122"/>
+                <a:cs typeface="Times New Roman" panose="02020603050405020304" pitchFamily="18" charset="0"/>
+              </a:rPr>
+              <a:t> test</a:t>
+            </a:r>
+            <a:r>
+              <a:rPr lang="en-US" sz="1800" dirty="0">
+                <a:latin typeface="Calibri" panose="020F0502020204030204" pitchFamily="34" charset="0"/>
+                <a:ea typeface="DengXian" panose="02010600030101010101" pitchFamily="2" charset="-122"/>
+                <a:cs typeface="Times New Roman" panose="02020603050405020304" pitchFamily="18" charset="0"/>
+              </a:rPr>
+              <a:t>)</a:t>
+            </a:r>
+          </a:p>
+          <a:p>
+            <a:pPr marL="457200" lvl="1" indent="0">
+              <a:buNone/>
+            </a:pPr>
+            <a:endParaRPr lang="en-US" sz="1800" dirty="0">
+              <a:latin typeface="Calibri" panose="020F0502020204030204" pitchFamily="34" charset="0"/>
+              <a:ea typeface="DengXian" panose="02010600030101010101" pitchFamily="2" charset="-122"/>
+              <a:cs typeface="Times New Roman" panose="02020603050405020304" pitchFamily="18" charset="0"/>
+            </a:endParaRPr>
+          </a:p>
+          <a:p>
+            <a:pPr lvl="1"/>
+            <a:endParaRPr lang="en-US" sz="1800" dirty="0">
+              <a:latin typeface="Calibri" panose="020F0502020204030204" pitchFamily="34" charset="0"/>
+              <a:ea typeface="DengXian" panose="02010600030101010101" pitchFamily="2" charset="-122"/>
+              <a:cs typeface="Times New Roman" panose="02020603050405020304" pitchFamily="18" charset="0"/>
+            </a:endParaRPr>
+          </a:p>
+          <a:p>
+            <a:pPr lvl="1"/>
+            <a:endParaRPr lang="en-US" sz="1800" dirty="0">
+              <a:effectLst/>
+              <a:latin typeface="Calibri" panose="020F0502020204030204" pitchFamily="34" charset="0"/>
+              <a:ea typeface="DengXian" panose="02010600030101010101" pitchFamily="2" charset="-122"/>
+              <a:cs typeface="Times New Roman" panose="02020603050405020304" pitchFamily="18" charset="0"/>
+            </a:endParaRPr>
+          </a:p>
+          <a:p>
+            <a:pPr lvl="1"/>
+            <a:endParaRPr lang="en-US" sz="1800" dirty="0">
+              <a:latin typeface="Calibri" panose="020F0502020204030204" pitchFamily="34" charset="0"/>
+              <a:ea typeface="DengXian" panose="02010600030101010101" pitchFamily="2" charset="-122"/>
+              <a:cs typeface="Times New Roman" panose="02020603050405020304" pitchFamily="18" charset="0"/>
+            </a:endParaRPr>
+          </a:p>
+          <a:p>
+            <a:endParaRPr lang="en-US" sz="2000" dirty="0">
+              <a:effectLst/>
+              <a:latin typeface="Calibri" panose="020F0502020204030204" pitchFamily="34" charset="0"/>
+              <a:ea typeface="DengXian" panose="02010600030101010101" pitchFamily="2" charset="-122"/>
+              <a:cs typeface="Times New Roman" panose="02020603050405020304" pitchFamily="18" charset="0"/>
+            </a:endParaRPr>
+          </a:p>
+          <a:p>
+            <a:pPr lvl="1"/>
+            <a:endParaRPr lang="en-US" dirty="0">
+              <a:effectLst/>
+              <a:latin typeface="Calibri" panose="020F0502020204030204" pitchFamily="34" charset="0"/>
+              <a:ea typeface="DengXian" panose="02010600030101010101" pitchFamily="2" charset="-122"/>
+              <a:cs typeface="Times New Roman" panose="02020603050405020304" pitchFamily="18" charset="0"/>
+            </a:endParaRPr>
+          </a:p>
+          <a:p>
+            <a:endParaRPr lang="en-US" dirty="0"/>
+          </a:p>
+        </p:txBody>
+      </p:sp>
+    </p:spTree>
+    <p:extLst>
+      <p:ext uri="{BB962C8B-B14F-4D97-AF65-F5344CB8AC3E}">
+        <p14:creationId xmlns:p14="http://schemas.microsoft.com/office/powerpoint/2010/main" val="2447973969"/>
+      </p:ext>
+    </p:extLst>
+  </p:cSld>
+  <p:clrMapOvr>
+    <a:masterClrMapping/>
+  </p:clrMapOvr>
+</p:sld>
+</file>
+
+<file path=ppt/slides/slide11.xml><?xml version="1.0" encoding="utf-8"?>
 <p:sld xmlns:a="http://schemas.openxmlformats.org/drawingml/2006/main" xmlns:r="http://schemas.openxmlformats.org/officeDocument/2006/relationships" xmlns:p="http://schemas.openxmlformats.org/presentationml/2006/main">
   <p:cSld>
     <p:spTree>
@@ -6223,89 +6953,6 @@
 </p:sld>
 </file>
 
-<file path=ppt/slides/slide11.xml><?xml version="1.0" encoding="utf-8"?>
-<p:sld xmlns:a="http://schemas.openxmlformats.org/drawingml/2006/main" xmlns:r="http://schemas.openxmlformats.org/officeDocument/2006/relationships" xmlns:p="http://schemas.openxmlformats.org/presentationml/2006/main">
-  <p:cSld>
-    <p:spTree>
-      <p:nvGrpSpPr>
-        <p:cNvPr id="1" name=""/>
-        <p:cNvGrpSpPr/>
-        <p:nvPr/>
-      </p:nvGrpSpPr>
-      <p:grpSpPr>
-        <a:xfrm>
-          <a:off x="0" y="0"/>
-          <a:ext cx="0" cy="0"/>
-          <a:chOff x="0" y="0"/>
-          <a:chExt cx="0" cy="0"/>
-        </a:xfrm>
-      </p:grpSpPr>
-      <p:sp>
-        <p:nvSpPr>
-          <p:cNvPr id="2" name="Title 1">
-            <a:extLst>
-              <a:ext uri="{FF2B5EF4-FFF2-40B4-BE49-F238E27FC236}">
-                <a16:creationId xmlns:a16="http://schemas.microsoft.com/office/drawing/2014/main" id="{3D449283-D1CC-49AF-BB4F-F9FC864A23A0}"/>
-              </a:ext>
-            </a:extLst>
-          </p:cNvPr>
-          <p:cNvSpPr>
-            <a:spLocks noGrp="1"/>
-          </p:cNvSpPr>
-          <p:nvPr>
-            <p:ph type="title"/>
-          </p:nvPr>
-        </p:nvSpPr>
-        <p:spPr/>
-        <p:txBody>
-          <a:bodyPr/>
-          <a:lstStyle/>
-          <a:p>
-            <a:r>
-              <a:rPr lang="en-US" dirty="0"/>
-              <a:t>Chart 2 missing (don’t have to)</a:t>
-            </a:r>
-          </a:p>
-        </p:txBody>
-      </p:sp>
-      <p:sp>
-        <p:nvSpPr>
-          <p:cNvPr id="3" name="Content Placeholder 2">
-            <a:extLst>
-              <a:ext uri="{FF2B5EF4-FFF2-40B4-BE49-F238E27FC236}">
-                <a16:creationId xmlns:a16="http://schemas.microsoft.com/office/drawing/2014/main" id="{C357BF5E-4376-4528-853F-42CE0D3B4826}"/>
-              </a:ext>
-            </a:extLst>
-          </p:cNvPr>
-          <p:cNvSpPr>
-            <a:spLocks noGrp="1"/>
-          </p:cNvSpPr>
-          <p:nvPr>
-            <p:ph idx="1"/>
-          </p:nvPr>
-        </p:nvSpPr>
-        <p:spPr/>
-        <p:txBody>
-          <a:bodyPr/>
-          <a:lstStyle/>
-          <a:p>
-            <a:endParaRPr lang="en-US"/>
-          </a:p>
-        </p:txBody>
-      </p:sp>
-    </p:spTree>
-    <p:extLst>
-      <p:ext uri="{BB962C8B-B14F-4D97-AF65-F5344CB8AC3E}">
-        <p14:creationId xmlns:p14="http://schemas.microsoft.com/office/powerpoint/2010/main" val="3317791480"/>
-      </p:ext>
-    </p:extLst>
-  </p:cSld>
-  <p:clrMapOvr>
-    <a:masterClrMapping/>
-  </p:clrMapOvr>
-</p:sld>
-</file>
-
 <file path=ppt/slides/slide12.xml><?xml version="1.0" encoding="utf-8"?>
 <p:sld xmlns:a="http://schemas.openxmlformats.org/drawingml/2006/main" xmlns:r="http://schemas.openxmlformats.org/officeDocument/2006/relationships" xmlns:p="http://schemas.openxmlformats.org/presentationml/2006/main">
   <p:cSld>
@@ -6328,6 +6975,93 @@
           <p:cNvPr id="2" name="Title 1">
             <a:extLst>
               <a:ext uri="{FF2B5EF4-FFF2-40B4-BE49-F238E27FC236}">
+                <a16:creationId xmlns:a16="http://schemas.microsoft.com/office/drawing/2014/main" id="{3D449283-D1CC-49AF-BB4F-F9FC864A23A0}"/>
+              </a:ext>
+            </a:extLst>
+          </p:cNvPr>
+          <p:cNvSpPr>
+            <a:spLocks noGrp="1"/>
+          </p:cNvSpPr>
+          <p:nvPr>
+            <p:ph type="title"/>
+          </p:nvPr>
+        </p:nvSpPr>
+        <p:spPr/>
+        <p:txBody>
+          <a:bodyPr/>
+          <a:lstStyle/>
+          <a:p>
+            <a:r>
+              <a:rPr lang="en-US" dirty="0"/>
+              <a:t>Chart 2 Total number of solar panels with direction breakdowns by region </a:t>
+            </a:r>
+          </a:p>
+        </p:txBody>
+      </p:sp>
+      <p:pic>
+        <p:nvPicPr>
+          <p:cNvPr id="5" name="Content Placeholder 4">
+            <a:extLst>
+              <a:ext uri="{FF2B5EF4-FFF2-40B4-BE49-F238E27FC236}">
+                <a16:creationId xmlns:a16="http://schemas.microsoft.com/office/drawing/2014/main" id="{988679DF-7C22-4D0B-86F8-6FA4455CEE36}"/>
+              </a:ext>
+            </a:extLst>
+          </p:cNvPr>
+          <p:cNvPicPr>
+            <a:picLocks noGrp="1" noChangeAspect="1"/>
+          </p:cNvPicPr>
+          <p:nvPr>
+            <p:ph idx="1"/>
+          </p:nvPr>
+        </p:nvPicPr>
+        <p:blipFill>
+          <a:blip r:embed="rId2"/>
+          <a:stretch>
+            <a:fillRect/>
+          </a:stretch>
+        </p:blipFill>
+        <p:spPr>
+          <a:xfrm>
+            <a:off x="524935" y="1930400"/>
+            <a:ext cx="9743016" cy="4791569"/>
+          </a:xfrm>
+        </p:spPr>
+      </p:pic>
+    </p:spTree>
+    <p:extLst>
+      <p:ext uri="{BB962C8B-B14F-4D97-AF65-F5344CB8AC3E}">
+        <p14:creationId xmlns:p14="http://schemas.microsoft.com/office/powerpoint/2010/main" val="3317791480"/>
+      </p:ext>
+    </p:extLst>
+  </p:cSld>
+  <p:clrMapOvr>
+    <a:masterClrMapping/>
+  </p:clrMapOvr>
+</p:sld>
+</file>
+
+<file path=ppt/slides/slide13.xml><?xml version="1.0" encoding="utf-8"?>
+<p:sld xmlns:a="http://schemas.openxmlformats.org/drawingml/2006/main" xmlns:r="http://schemas.openxmlformats.org/officeDocument/2006/relationships" xmlns:p="http://schemas.openxmlformats.org/presentationml/2006/main">
+  <p:cSld>
+    <p:spTree>
+      <p:nvGrpSpPr>
+        <p:cNvPr id="1" name=""/>
+        <p:cNvGrpSpPr/>
+        <p:nvPr/>
+      </p:nvGrpSpPr>
+      <p:grpSpPr>
+        <a:xfrm>
+          <a:off x="0" y="0"/>
+          <a:ext cx="0" cy="0"/>
+          <a:chOff x="0" y="0"/>
+          <a:chExt cx="0" cy="0"/>
+        </a:xfrm>
+      </p:grpSpPr>
+      <p:sp>
+        <p:nvSpPr>
+          <p:cNvPr id="2" name="Title 1">
+            <a:extLst>
+              <a:ext uri="{FF2B5EF4-FFF2-40B4-BE49-F238E27FC236}">
                 <a16:creationId xmlns:a16="http://schemas.microsoft.com/office/drawing/2014/main" id="{AAA023A3-C580-49F7-8ED6-A426CD016C0F}"/>
               </a:ext>
             </a:extLst>
@@ -6364,55 +7098,51 @@
                 <a:ea typeface="DengXian" panose="02010600030101010101" pitchFamily="2" charset="-122"/>
                 <a:cs typeface="Times New Roman" panose="02020603050405020304" pitchFamily="18" charset="0"/>
               </a:rPr>
-              <a:t>solar energy production potential by region – chart3 (pick one from these 3?)</a:t>
-            </a:r>
-            <a:endParaRPr lang="en-US" dirty="0"/>
-          </a:p>
-        </p:txBody>
-      </p:sp>
-      <p:pic>
-        <p:nvPicPr>
-          <p:cNvPr id="4" name="Content Placeholder 3">
-            <a:extLst>
-              <a:ext uri="{FF2B5EF4-FFF2-40B4-BE49-F238E27FC236}">
-                <a16:creationId xmlns:a16="http://schemas.microsoft.com/office/drawing/2014/main" id="{7D43A668-3EE6-46BD-A11F-C38C3034B8CF}"/>
-              </a:ext>
-            </a:extLst>
-          </p:cNvPr>
-          <p:cNvPicPr>
-            <a:picLocks noGrp="1"/>
-          </p:cNvPicPr>
-          <p:nvPr>
-            <p:ph idx="1"/>
-          </p:nvPr>
-        </p:nvPicPr>
-        <p:blipFill>
-          <a:blip r:embed="rId2">
-            <a:extLst>
-              <a:ext uri="{28A0092B-C50C-407E-A947-70E740481C1C}">
-                <a14:useLocalDpi xmlns:a14="http://schemas.microsoft.com/office/drawing/2010/main" val="0"/>
-              </a:ext>
-            </a:extLst>
-          </a:blip>
-          <a:srcRect/>
-          <a:stretch>
-            <a:fillRect/>
-          </a:stretch>
-        </p:blipFill>
-        <p:spPr bwMode="auto">
-          <a:xfrm>
-            <a:off x="528043" y="1697135"/>
-            <a:ext cx="4706430" cy="2562773"/>
-          </a:xfrm>
-          <a:prstGeom prst="rect">
-            <a:avLst/>
-          </a:prstGeom>
-          <a:noFill/>
-          <a:ln>
-            <a:noFill/>
-          </a:ln>
-        </p:spPr>
-      </p:pic>
+              <a:t>solar energy production potential by region – chart3 </a:t>
+            </a:r>
+            <a:r>
+              <a:rPr lang="en-US" dirty="0">
+                <a:solidFill>
+                  <a:srgbClr val="FFFF00"/>
+                </a:solidFill>
+                <a:effectLst/>
+                <a:latin typeface="Calibri" panose="020F0502020204030204" pitchFamily="34" charset="0"/>
+                <a:ea typeface="DengXian" panose="02010600030101010101" pitchFamily="2" charset="-122"/>
+                <a:cs typeface="Times New Roman" panose="02020603050405020304" pitchFamily="18" charset="0"/>
+              </a:rPr>
+              <a:t>(</a:t>
+            </a:r>
+            <a:r>
+              <a:rPr lang="en-US" dirty="0">
+                <a:solidFill>
+                  <a:srgbClr val="FFFF00"/>
+                </a:solidFill>
+                <a:latin typeface="Calibri" panose="020F0502020204030204" pitchFamily="34" charset="0"/>
+                <a:ea typeface="DengXian" panose="02010600030101010101" pitchFamily="2" charset="-122"/>
+                <a:cs typeface="Times New Roman" panose="02020603050405020304" pitchFamily="18" charset="0"/>
+              </a:rPr>
+              <a:t>Both of these two needed</a:t>
+            </a:r>
+            <a:r>
+              <a:rPr lang="en-US" dirty="0">
+                <a:solidFill>
+                  <a:srgbClr val="FFFF00"/>
+                </a:solidFill>
+                <a:effectLst/>
+                <a:latin typeface="Calibri" panose="020F0502020204030204" pitchFamily="34" charset="0"/>
+                <a:ea typeface="DengXian" panose="02010600030101010101" pitchFamily="2" charset="-122"/>
+                <a:cs typeface="Times New Roman" panose="02020603050405020304" pitchFamily="18" charset="0"/>
+              </a:rPr>
+              <a:t>)</a:t>
+            </a:r>
+            <a:endParaRPr lang="en-US" dirty="0">
+              <a:solidFill>
+                <a:srgbClr val="FFFF00"/>
+              </a:solidFill>
+            </a:endParaRPr>
+          </a:p>
+        </p:txBody>
+      </p:sp>
       <p:pic>
         <p:nvPicPr>
           <p:cNvPr id="6" name="Picture 5">
@@ -6428,15 +7158,15 @@
           <p:nvPr/>
         </p:nvPicPr>
         <p:blipFill>
-          <a:blip r:embed="rId3"/>
+          <a:blip r:embed="rId2"/>
           <a:stretch>
             <a:fillRect/>
           </a:stretch>
         </p:blipFill>
         <p:spPr>
           <a:xfrm>
-            <a:off x="6096000" y="1697135"/>
-            <a:ext cx="4053859" cy="2533073"/>
+            <a:off x="6095999" y="1939104"/>
+            <a:ext cx="5555043" cy="3471095"/>
           </a:xfrm>
           <a:prstGeom prst="rect">
             <a:avLst/>
@@ -6458,21 +7188,51 @@
           <p:nvPr/>
         </p:nvPicPr>
         <p:blipFill>
-          <a:blip r:embed="rId4"/>
+          <a:blip r:embed="rId3"/>
           <a:stretch>
             <a:fillRect/>
           </a:stretch>
         </p:blipFill>
         <p:spPr>
           <a:xfrm>
-            <a:off x="3610266" y="4295243"/>
-            <a:ext cx="4053860" cy="2511530"/>
+            <a:off x="313668" y="1939104"/>
+            <a:ext cx="5602694" cy="3471095"/>
           </a:xfrm>
           <a:prstGeom prst="rect">
             <a:avLst/>
           </a:prstGeom>
         </p:spPr>
       </p:pic>
+      <p:sp>
+        <p:nvSpPr>
+          <p:cNvPr id="5" name="Content Placeholder 4">
+            <a:extLst>
+              <a:ext uri="{FF2B5EF4-FFF2-40B4-BE49-F238E27FC236}">
+                <a16:creationId xmlns:a16="http://schemas.microsoft.com/office/drawing/2014/main" id="{B20BCF63-08D7-4EF8-893D-BE7D2255880D}"/>
+              </a:ext>
+            </a:extLst>
+          </p:cNvPr>
+          <p:cNvSpPr>
+            <a:spLocks noGrp="1"/>
+          </p:cNvSpPr>
+          <p:nvPr>
+            <p:ph idx="1"/>
+          </p:nvPr>
+        </p:nvSpPr>
+        <p:spPr>
+          <a:xfrm>
+            <a:off x="762768" y="5324084"/>
+            <a:ext cx="4072141" cy="1157581"/>
+          </a:xfrm>
+        </p:spPr>
+        <p:txBody>
+          <a:bodyPr/>
+          <a:lstStyle/>
+          <a:p>
+            <a:endParaRPr lang="zh-CN" altLang="en-US" dirty="0"/>
+          </a:p>
+        </p:txBody>
+      </p:sp>
     </p:spTree>
     <p:extLst>
       <p:ext uri="{BB962C8B-B14F-4D97-AF65-F5344CB8AC3E}">
@@ -6486,7 +7246,7 @@
 </p:sld>
 </file>
 
-<file path=ppt/slides/slide13.xml><?xml version="1.0" encoding="utf-8"?>
+<file path=ppt/slides/slide14.xml><?xml version="1.0" encoding="utf-8"?>
 <p:sld xmlns:a="http://schemas.openxmlformats.org/drawingml/2006/main" xmlns:r="http://schemas.openxmlformats.org/officeDocument/2006/relationships" xmlns:p="http://schemas.openxmlformats.org/presentationml/2006/main">
   <p:cSld>
     <p:spTree>
@@ -6744,7 +7504,7 @@
 </p:sld>
 </file>
 
-<file path=ppt/slides/slide14.xml><?xml version="1.0" encoding="utf-8"?>
+<file path=ppt/slides/slide15.xml><?xml version="1.0" encoding="utf-8"?>
 <p:sld xmlns:a="http://schemas.openxmlformats.org/drawingml/2006/main" xmlns:r="http://schemas.openxmlformats.org/officeDocument/2006/relationships" xmlns:p="http://schemas.openxmlformats.org/presentationml/2006/main">
   <p:cSld>
     <p:spTree>
@@ -7190,7 +7950,7 @@
 </p:sld>
 </file>
 
-<file path=ppt/slides/slide15.xml><?xml version="1.0" encoding="utf-8"?>
+<file path=ppt/slides/slide16.xml><?xml version="1.0" encoding="utf-8"?>
 <p:sld xmlns:a="http://schemas.openxmlformats.org/drawingml/2006/main" xmlns:r="http://schemas.openxmlformats.org/officeDocument/2006/relationships" xmlns:p="http://schemas.openxmlformats.org/presentationml/2006/main">
   <p:cSld>
     <p:spTree>
@@ -7324,78 +8084,6 @@
 </p:sld>
 </file>
 
-<file path=ppt/slides/slide16.xml><?xml version="1.0" encoding="utf-8"?>
-<p:sld xmlns:a="http://schemas.openxmlformats.org/drawingml/2006/main" xmlns:r="http://schemas.openxmlformats.org/officeDocument/2006/relationships" xmlns:p="http://schemas.openxmlformats.org/presentationml/2006/main">
-  <p:cSld>
-    <p:spTree>
-      <p:nvGrpSpPr>
-        <p:cNvPr id="1" name=""/>
-        <p:cNvGrpSpPr/>
-        <p:nvPr/>
-      </p:nvGrpSpPr>
-      <p:grpSpPr>
-        <a:xfrm>
-          <a:off x="0" y="0"/>
-          <a:ext cx="0" cy="0"/>
-          <a:chOff x="0" y="0"/>
-          <a:chExt cx="0" cy="0"/>
-        </a:xfrm>
-      </p:grpSpPr>
-      <p:sp>
-        <p:nvSpPr>
-          <p:cNvPr id="2" name="TextBox 1">
-            <a:extLst>
-              <a:ext uri="{FF2B5EF4-FFF2-40B4-BE49-F238E27FC236}">
-                <a16:creationId xmlns:a16="http://schemas.microsoft.com/office/drawing/2014/main" id="{C49F9677-4EAF-48D9-8D8D-588E0D3A88C6}"/>
-              </a:ext>
-            </a:extLst>
-          </p:cNvPr>
-          <p:cNvSpPr txBox="1"/>
-          <p:nvPr/>
-        </p:nvSpPr>
-        <p:spPr>
-          <a:xfrm>
-            <a:off x="744828" y="2505670"/>
-            <a:ext cx="8718997" cy="923330"/>
-          </a:xfrm>
-          <a:prstGeom prst="rect">
-            <a:avLst/>
-          </a:prstGeom>
-          <a:noFill/>
-        </p:spPr>
-        <p:txBody>
-          <a:bodyPr wrap="square" rtlCol="0">
-            <a:spAutoFit/>
-          </a:bodyPr>
-          <a:lstStyle/>
-          <a:p>
-            <a:r>
-              <a:rPr lang="en-US" sz="5400" b="1" dirty="0">
-                <a:solidFill>
-                  <a:srgbClr val="FEFEFE"/>
-                </a:solidFill>
-                <a:latin typeface="Helvetica" panose="020B0604020202020204" pitchFamily="34" charset="0"/>
-                <a:ea typeface="+mj-ea"/>
-                <a:cs typeface="Helvetica" panose="020B0604020202020204" pitchFamily="34" charset="0"/>
-              </a:rPr>
-              <a:t>Model Building</a:t>
-            </a:r>
-          </a:p>
-        </p:txBody>
-      </p:sp>
-    </p:spTree>
-    <p:extLst>
-      <p:ext uri="{BB962C8B-B14F-4D97-AF65-F5344CB8AC3E}">
-        <p14:creationId xmlns:p14="http://schemas.microsoft.com/office/powerpoint/2010/main" val="1518137963"/>
-      </p:ext>
-    </p:extLst>
-  </p:cSld>
-  <p:clrMapOvr>
-    <a:masterClrMapping/>
-  </p:clrMapOvr>
-</p:sld>
-</file>
-
 <file path=ppt/slides/slide17.xml><?xml version="1.0" encoding="utf-8"?>
 <p:sld xmlns:a="http://schemas.openxmlformats.org/drawingml/2006/main" xmlns:r="http://schemas.openxmlformats.org/officeDocument/2006/relationships" xmlns:p="http://schemas.openxmlformats.org/presentationml/2006/main">
   <p:cSld>
@@ -7415,129 +8103,42 @@
       </p:grpSpPr>
       <p:sp>
         <p:nvSpPr>
-          <p:cNvPr id="2" name="Title 1">
+          <p:cNvPr id="2" name="TextBox 1">
             <a:extLst>
               <a:ext uri="{FF2B5EF4-FFF2-40B4-BE49-F238E27FC236}">
-                <a16:creationId xmlns:a16="http://schemas.microsoft.com/office/drawing/2014/main" id="{757C6CF1-9FEC-4B61-8664-9E66B5FD090A}"/>
+                <a16:creationId xmlns:a16="http://schemas.microsoft.com/office/drawing/2014/main" id="{C49F9677-4EAF-48D9-8D8D-588E0D3A88C6}"/>
               </a:ext>
             </a:extLst>
           </p:cNvPr>
-          <p:cNvSpPr>
-            <a:spLocks noGrp="1"/>
-          </p:cNvSpPr>
-          <p:nvPr>
-            <p:ph type="title"/>
-          </p:nvPr>
-        </p:nvSpPr>
-        <p:spPr/>
-        <p:txBody>
-          <a:bodyPr>
-            <a:normAutofit fontScale="90000"/>
-          </a:bodyPr>
-          <a:lstStyle/>
-          <a:p>
-            <a:r>
-              <a:rPr lang="en-US" dirty="0"/>
-              <a:t>ANOVA: do the mean values of </a:t>
-            </a:r>
-            <a:r>
-              <a:rPr lang="en-US" sz="3600" dirty="0">
-                <a:latin typeface="Calibri" panose="020F0502020204030204" pitchFamily="34" charset="0"/>
-                <a:ea typeface="DengXian" panose="02010600030101010101" pitchFamily="2" charset="-122"/>
-                <a:cs typeface="Times New Roman" panose="02020603050405020304" pitchFamily="18" charset="0"/>
-              </a:rPr>
-              <a:t>solar energy potential generated by each panel </a:t>
-            </a:r>
-            <a:r>
-              <a:rPr lang="en-US" dirty="0">
-                <a:latin typeface="Calibri" panose="020F0502020204030204" pitchFamily="34" charset="0"/>
-                <a:ea typeface="DengXian" panose="02010600030101010101" pitchFamily="2" charset="-122"/>
-                <a:cs typeface="Times New Roman" panose="02020603050405020304" pitchFamily="18" charset="0"/>
-              </a:rPr>
-              <a:t>differ</a:t>
-            </a:r>
-            <a:r>
-              <a:rPr lang="en-US" dirty="0"/>
-              <a:t> </a:t>
-            </a:r>
-            <a:r>
-              <a:rPr lang="en-US" dirty="0">
-                <a:latin typeface="Calibri" panose="020F0502020204030204" pitchFamily="34" charset="0"/>
-                <a:ea typeface="DengXian" panose="02010600030101010101" pitchFamily="2" charset="-122"/>
-                <a:cs typeface="Times New Roman" panose="02020603050405020304" pitchFamily="18" charset="0"/>
-              </a:rPr>
-              <a:t>by </a:t>
-            </a:r>
-            <a:r>
-              <a:rPr lang="en-US" dirty="0"/>
-              <a:t>region?</a:t>
-            </a:r>
-          </a:p>
-        </p:txBody>
-      </p:sp>
-      <p:sp>
-        <p:nvSpPr>
-          <p:cNvPr id="3" name="Content Placeholder 2">
-            <a:extLst>
-              <a:ext uri="{FF2B5EF4-FFF2-40B4-BE49-F238E27FC236}">
-                <a16:creationId xmlns:a16="http://schemas.microsoft.com/office/drawing/2014/main" id="{B3185D56-2FDD-403E-98AF-516E0D9A75C1}"/>
-              </a:ext>
-            </a:extLst>
-          </p:cNvPr>
-          <p:cNvSpPr>
-            <a:spLocks noGrp="1"/>
-          </p:cNvSpPr>
-          <p:nvPr>
-            <p:ph idx="1"/>
-          </p:nvPr>
+          <p:cNvSpPr txBox="1"/>
+          <p:nvPr/>
         </p:nvSpPr>
         <p:spPr>
           <a:xfrm>
-            <a:off x="677334" y="2487161"/>
-            <a:ext cx="8596668" cy="3880773"/>
+            <a:off x="744828" y="2505670"/>
+            <a:ext cx="8718997" cy="923330"/>
           </a:xfrm>
+          <a:prstGeom prst="rect">
+            <a:avLst/>
+          </a:prstGeom>
+          <a:noFill/>
         </p:spPr>
         <p:txBody>
-          <a:bodyPr>
-            <a:normAutofit/>
+          <a:bodyPr wrap="square" rtlCol="0">
+            <a:spAutoFit/>
           </a:bodyPr>
           <a:lstStyle/>
           <a:p>
             <a:r>
-              <a:rPr lang="en-US" sz="3200" dirty="0">
-                <a:latin typeface="Calibri" panose="020F0502020204030204" pitchFamily="34" charset="0"/>
-                <a:ea typeface="DengXian" panose="02010600030101010101" pitchFamily="2" charset="-122"/>
-                <a:cs typeface="Times New Roman" panose="02020603050405020304" pitchFamily="18" charset="0"/>
-              </a:rPr>
-              <a:t>From previous slides: calculate the average solar energy potential generated by each panel by region (</a:t>
-            </a:r>
-            <a:r>
-              <a:rPr lang="en-US" sz="3200" dirty="0">
-                <a:solidFill>
-                  <a:schemeClr val="bg1"/>
-                </a:solidFill>
-                <a:highlight>
-                  <a:srgbClr val="FFFF00"/>
-                </a:highlight>
-                <a:latin typeface="Calibri" panose="020F0502020204030204" pitchFamily="34" charset="0"/>
-                <a:ea typeface="DengXian" panose="02010600030101010101" pitchFamily="2" charset="-122"/>
-                <a:cs typeface="Times New Roman" panose="02020603050405020304" pitchFamily="18" charset="0"/>
-              </a:rPr>
-              <a:t>charts 4-8, table1</a:t>
-            </a:r>
-            <a:r>
-              <a:rPr lang="en-US" sz="3200" dirty="0">
-                <a:latin typeface="Calibri" panose="020F0502020204030204" pitchFamily="34" charset="0"/>
-                <a:ea typeface="DengXian" panose="02010600030101010101" pitchFamily="2" charset="-122"/>
-                <a:cs typeface="Times New Roman" panose="02020603050405020304" pitchFamily="18" charset="0"/>
-              </a:rPr>
-              <a:t>)</a:t>
-            </a:r>
-          </a:p>
-          <a:p>
-            <a:r>
-              <a:rPr lang="en-US" sz="3200" dirty="0"/>
-              <a:t>A snapshot picture – ANOVA result summary </a:t>
+              <a:rPr lang="en-US" sz="5400" b="1" dirty="0">
+                <a:solidFill>
+                  <a:srgbClr val="FEFEFE"/>
+                </a:solidFill>
+                <a:latin typeface="Helvetica" panose="020B0604020202020204" pitchFamily="34" charset="0"/>
+                <a:ea typeface="+mj-ea"/>
+                <a:cs typeface="Helvetica" panose="020B0604020202020204" pitchFamily="34" charset="0"/>
+              </a:rPr>
+              <a:t>Model Building</a:t>
             </a:r>
           </a:p>
         </p:txBody>
@@ -7545,7 +8146,7 @@
     </p:spTree>
     <p:extLst>
       <p:ext uri="{BB962C8B-B14F-4D97-AF65-F5344CB8AC3E}">
-        <p14:creationId xmlns:p14="http://schemas.microsoft.com/office/powerpoint/2010/main" val="2239328636"/>
+        <p14:creationId xmlns:p14="http://schemas.microsoft.com/office/powerpoint/2010/main" val="1518137963"/>
       </p:ext>
     </p:extLst>
   </p:cSld>
@@ -7591,13 +8192,45 @@
         <p:spPr/>
         <p:txBody>
           <a:bodyPr>
-            <a:normAutofit/>
+            <a:normAutofit fontScale="90000"/>
           </a:bodyPr>
           <a:lstStyle/>
           <a:p>
             <a:r>
               <a:rPr lang="en-US" dirty="0"/>
-              <a:t>ANOVA: do the sunlight energy potential per panel per direction diff by region?</a:t>
+              <a:t>ANOVA: do the mean values of </a:t>
+            </a:r>
+            <a:r>
+              <a:rPr lang="en-US" sz="3600" dirty="0">
+                <a:latin typeface="Calibri" panose="020F0502020204030204" pitchFamily="34" charset="0"/>
+                <a:ea typeface="DengXian" panose="02010600030101010101" pitchFamily="2" charset="-122"/>
+                <a:cs typeface="Times New Roman" panose="02020603050405020304" pitchFamily="18" charset="0"/>
+              </a:rPr>
+              <a:t>solar energy potential generated by each panel </a:t>
+            </a:r>
+            <a:r>
+              <a:rPr lang="en-US" dirty="0">
+                <a:latin typeface="Calibri" panose="020F0502020204030204" pitchFamily="34" charset="0"/>
+                <a:ea typeface="DengXian" panose="02010600030101010101" pitchFamily="2" charset="-122"/>
+                <a:cs typeface="Times New Roman" panose="02020603050405020304" pitchFamily="18" charset="0"/>
+              </a:rPr>
+              <a:t>differ</a:t>
+            </a:r>
+            <a:r>
+              <a:rPr lang="en-US" dirty="0"/>
+              <a:t> </a:t>
+            </a:r>
+            <a:r>
+              <a:rPr lang="en-US" dirty="0">
+                <a:latin typeface="Calibri" panose="020F0502020204030204" pitchFamily="34" charset="0"/>
+                <a:ea typeface="DengXian" panose="02010600030101010101" pitchFamily="2" charset="-122"/>
+                <a:cs typeface="Times New Roman" panose="02020603050405020304" pitchFamily="18" charset="0"/>
+              </a:rPr>
+              <a:t>by </a:t>
+            </a:r>
+            <a:r>
+              <a:rPr lang="en-US" dirty="0"/>
+              <a:t>region?</a:t>
             </a:r>
           </a:p>
         </p:txBody>
@@ -7620,7 +8253,7 @@
         </p:nvSpPr>
         <p:spPr>
           <a:xfrm>
-            <a:off x="677334" y="2179250"/>
+            <a:off x="677334" y="2487161"/>
             <a:ext cx="8596668" cy="3880773"/>
           </a:xfrm>
         </p:spPr>
@@ -7636,50 +8269,29 @@
                 <a:ea typeface="DengXian" panose="02010600030101010101" pitchFamily="2" charset="-122"/>
                 <a:cs typeface="Times New Roman" panose="02020603050405020304" pitchFamily="18" charset="0"/>
               </a:rPr>
-              <a:t>Find sunlight energy potential per panel per direction for each city</a:t>
-            </a:r>
-          </a:p>
-          <a:p>
-            <a:pPr lvl="1"/>
-            <a:r>
-              <a:rPr lang="en-US" sz="3000" dirty="0">
-                <a:latin typeface="Calibri" panose="020F0502020204030204" pitchFamily="34" charset="0"/>
-                <a:ea typeface="DengXian" panose="02010600030101010101" pitchFamily="2" charset="-122"/>
-                <a:cs typeface="Times New Roman" panose="02020603050405020304" pitchFamily="18" charset="0"/>
-              </a:rPr>
-              <a:t>i.e. </a:t>
-            </a:r>
-            <a:r>
-              <a:rPr lang="en-US" sz="3000" dirty="0" err="1">
-                <a:latin typeface="Calibri" panose="020F0502020204030204" pitchFamily="34" charset="0"/>
-                <a:ea typeface="DengXian" panose="02010600030101010101" pitchFamily="2" charset="-122"/>
-                <a:cs typeface="Times New Roman" panose="02020603050405020304" pitchFamily="18" charset="0"/>
-              </a:rPr>
-              <a:t>sunlight_north</a:t>
-            </a:r>
-            <a:r>
-              <a:rPr lang="en-US" sz="3000" dirty="0">
-                <a:latin typeface="Calibri" panose="020F0502020204030204" pitchFamily="34" charset="0"/>
-                <a:ea typeface="DengXian" panose="02010600030101010101" pitchFamily="2" charset="-122"/>
-                <a:cs typeface="Times New Roman" panose="02020603050405020304" pitchFamily="18" charset="0"/>
-              </a:rPr>
-              <a:t> / </a:t>
-            </a:r>
-            <a:r>
-              <a:rPr lang="en-US" sz="3000" dirty="0" err="1">
-                <a:latin typeface="Calibri" panose="020F0502020204030204" pitchFamily="34" charset="0"/>
-                <a:ea typeface="DengXian" panose="02010600030101010101" pitchFamily="2" charset="-122"/>
-                <a:cs typeface="Times New Roman" panose="02020603050405020304" pitchFamily="18" charset="0"/>
-              </a:rPr>
-              <a:t>panels_north</a:t>
-            </a:r>
-            <a:r>
-              <a:rPr lang="en-US" sz="3000" dirty="0">
-                <a:latin typeface="Calibri" panose="020F0502020204030204" pitchFamily="34" charset="0"/>
-                <a:ea typeface="DengXian" panose="02010600030101010101" pitchFamily="2" charset="-122"/>
-                <a:cs typeface="Times New Roman" panose="02020603050405020304" pitchFamily="18" charset="0"/>
-              </a:rPr>
-              <a:t> = estimated total solar energy generation potential per panel in city x</a:t>
+              <a:t>From previous slides: calculate the average solar energy potential generated by each panel by region (</a:t>
+            </a:r>
+            <a:r>
+              <a:rPr lang="en-US" sz="3200" dirty="0">
+                <a:solidFill>
+                  <a:schemeClr val="bg1"/>
+                </a:solidFill>
+                <a:highlight>
+                  <a:srgbClr val="FFFF00"/>
+                </a:highlight>
+                <a:latin typeface="Calibri" panose="020F0502020204030204" pitchFamily="34" charset="0"/>
+                <a:ea typeface="DengXian" panose="02010600030101010101" pitchFamily="2" charset="-122"/>
+                <a:cs typeface="Times New Roman" panose="02020603050405020304" pitchFamily="18" charset="0"/>
+              </a:rPr>
+              <a:t>charts 4-8, table1</a:t>
+            </a:r>
+            <a:r>
+              <a:rPr lang="en-US" sz="3200" dirty="0">
+                <a:latin typeface="Calibri" panose="020F0502020204030204" pitchFamily="34" charset="0"/>
+                <a:ea typeface="DengXian" panose="02010600030101010101" pitchFamily="2" charset="-122"/>
+                <a:cs typeface="Times New Roman" panose="02020603050405020304" pitchFamily="18" charset="0"/>
+              </a:rPr>
+              <a:t>)</a:t>
             </a:r>
           </a:p>
           <a:p>
@@ -7693,7 +8305,7 @@
     </p:spTree>
     <p:extLst>
       <p:ext uri="{BB962C8B-B14F-4D97-AF65-F5344CB8AC3E}">
-        <p14:creationId xmlns:p14="http://schemas.microsoft.com/office/powerpoint/2010/main" val="2025065564"/>
+        <p14:creationId xmlns:p14="http://schemas.microsoft.com/office/powerpoint/2010/main" val="2239328636"/>
       </p:ext>
     </p:extLst>
   </p:cSld>
@@ -7725,7 +8337,7 @@
           <p:cNvPr id="2" name="Title 1">
             <a:extLst>
               <a:ext uri="{FF2B5EF4-FFF2-40B4-BE49-F238E27FC236}">
-                <a16:creationId xmlns:a16="http://schemas.microsoft.com/office/drawing/2014/main" id="{14EE761A-DB4E-4244-A2D7-C8D2CC8644C3}"/>
+                <a16:creationId xmlns:a16="http://schemas.microsoft.com/office/drawing/2014/main" id="{757C6CF1-9FEC-4B61-8664-9E66B5FD090A}"/>
               </a:ext>
             </a:extLst>
           </p:cNvPr>
@@ -7738,16 +8350,14 @@
         </p:nvSpPr>
         <p:spPr/>
         <p:txBody>
-          <a:bodyPr/>
-          <a:lstStyle/>
-          <a:p>
-            <a:r>
-              <a:rPr lang="en-US" dirty="0" err="1"/>
-              <a:t>Lm</a:t>
-            </a:r>
+          <a:bodyPr>
+            <a:normAutofit/>
+          </a:bodyPr>
+          <a:lstStyle/>
+          <a:p>
             <a:r>
               <a:rPr lang="en-US" dirty="0"/>
-              <a:t>(carbon offset ~ total solar energy potential)  </a:t>
+              <a:t>ANOVA: do the sunlight energy potential per panel per direction diff by region?</a:t>
             </a:r>
           </a:p>
         </p:txBody>
@@ -7757,7 +8367,7 @@
           <p:cNvPr id="3" name="Content Placeholder 2">
             <a:extLst>
               <a:ext uri="{FF2B5EF4-FFF2-40B4-BE49-F238E27FC236}">
-                <a16:creationId xmlns:a16="http://schemas.microsoft.com/office/drawing/2014/main" id="{6834A3A7-A383-4AD5-ADE9-C5C0249313DB}"/>
+                <a16:creationId xmlns:a16="http://schemas.microsoft.com/office/drawing/2014/main" id="{B3185D56-2FDD-403E-98AF-516E0D9A75C1}"/>
               </a:ext>
             </a:extLst>
           </p:cNvPr>
@@ -7768,30 +8378,82 @@
             <p:ph idx="1"/>
           </p:nvPr>
         </p:nvSpPr>
-        <p:spPr/>
+        <p:spPr>
+          <a:xfrm>
+            <a:off x="677334" y="2179250"/>
+            <a:ext cx="8596668" cy="3880773"/>
+          </a:xfrm>
+        </p:spPr>
         <p:txBody>
           <a:bodyPr>
             <a:normAutofit/>
           </a:bodyPr>
           <a:lstStyle/>
           <a:p>
+            <a:r>
+              <a:rPr lang="en-US" sz="3200" dirty="0">
+                <a:latin typeface="Calibri" panose="020F0502020204030204" pitchFamily="34" charset="0"/>
+                <a:ea typeface="DengXian" panose="02010600030101010101" pitchFamily="2" charset="-122"/>
+                <a:cs typeface="Times New Roman" panose="02020603050405020304" pitchFamily="18" charset="0"/>
+              </a:rPr>
+              <a:t>Find sunlight energy potential per panel per direction for each city</a:t>
+            </a:r>
+          </a:p>
+          <a:p>
             <a:pPr lvl="1"/>
             <a:r>
-              <a:rPr lang="en-US" sz="2800" dirty="0">
-                <a:latin typeface="Calibri" panose="020F0502020204030204" pitchFamily="34" charset="0"/>
-                <a:ea typeface="DengXian" panose="02010600030101010101" pitchFamily="2" charset="-122"/>
-                <a:cs typeface="Times New Roman" panose="02020603050405020304" pitchFamily="18" charset="0"/>
-              </a:rPr>
-              <a:t>A snapshot of a model summary results</a:t>
-            </a:r>
-            <a:endParaRPr lang="en-US" sz="2400" dirty="0"/>
+              <a:rPr lang="en-US" sz="3000" dirty="0">
+                <a:latin typeface="Calibri" panose="020F0502020204030204" pitchFamily="34" charset="0"/>
+                <a:ea typeface="DengXian" panose="02010600030101010101" pitchFamily="2" charset="-122"/>
+                <a:cs typeface="Times New Roman" panose="02020603050405020304" pitchFamily="18" charset="0"/>
+              </a:rPr>
+              <a:t>i.e. </a:t>
+            </a:r>
+            <a:r>
+              <a:rPr lang="en-US" sz="3000" dirty="0" err="1">
+                <a:latin typeface="Calibri" panose="020F0502020204030204" pitchFamily="34" charset="0"/>
+                <a:ea typeface="DengXian" panose="02010600030101010101" pitchFamily="2" charset="-122"/>
+                <a:cs typeface="Times New Roman" panose="02020603050405020304" pitchFamily="18" charset="0"/>
+              </a:rPr>
+              <a:t>sunlight_north</a:t>
+            </a:r>
+            <a:r>
+              <a:rPr lang="en-US" sz="3000" dirty="0">
+                <a:latin typeface="Calibri" panose="020F0502020204030204" pitchFamily="34" charset="0"/>
+                <a:ea typeface="DengXian" panose="02010600030101010101" pitchFamily="2" charset="-122"/>
+                <a:cs typeface="Times New Roman" panose="02020603050405020304" pitchFamily="18" charset="0"/>
+              </a:rPr>
+              <a:t> / </a:t>
+            </a:r>
+            <a:r>
+              <a:rPr lang="en-US" sz="3000" dirty="0" err="1">
+                <a:latin typeface="Calibri" panose="020F0502020204030204" pitchFamily="34" charset="0"/>
+                <a:ea typeface="DengXian" panose="02010600030101010101" pitchFamily="2" charset="-122"/>
+                <a:cs typeface="Times New Roman" panose="02020603050405020304" pitchFamily="18" charset="0"/>
+              </a:rPr>
+              <a:t>panels_north</a:t>
+            </a:r>
+            <a:r>
+              <a:rPr lang="en-US" sz="3000" dirty="0">
+                <a:latin typeface="Calibri" panose="020F0502020204030204" pitchFamily="34" charset="0"/>
+                <a:ea typeface="DengXian" panose="02010600030101010101" pitchFamily="2" charset="-122"/>
+                <a:cs typeface="Times New Roman" panose="02020603050405020304" pitchFamily="18" charset="0"/>
+              </a:rPr>
+              <a:t> = estimated total solar energy generation potential per panel in city x</a:t>
+            </a:r>
+          </a:p>
+          <a:p>
+            <a:r>
+              <a:rPr lang="en-US" sz="3200" dirty="0"/>
+              <a:t>A snapshot picture – ANOVA result summary </a:t>
+            </a:r>
           </a:p>
         </p:txBody>
       </p:sp>
     </p:spTree>
     <p:extLst>
       <p:ext uri="{BB962C8B-B14F-4D97-AF65-F5344CB8AC3E}">
-        <p14:creationId xmlns:p14="http://schemas.microsoft.com/office/powerpoint/2010/main" val="1244827640"/>
+        <p14:creationId xmlns:p14="http://schemas.microsoft.com/office/powerpoint/2010/main" val="2025065564"/>
       </p:ext>
     </p:extLst>
   </p:cSld>
@@ -7986,7 +8648,7 @@
             </a:r>
             <a:r>
               <a:rPr lang="en-US" dirty="0"/>
-              <a:t>(carbon offset ~ total solar energy potential + # of solar panels)  </a:t>
+              <a:t>(carbon offset ~ total solar energy potential)  </a:t>
             </a:r>
           </a:p>
         </p:txBody>
@@ -8016,21 +8678,21 @@
           <a:p>
             <a:pPr lvl="1"/>
             <a:r>
-              <a:rPr lang="en-US" sz="3600" dirty="0">
+              <a:rPr lang="en-US" sz="2800" dirty="0">
                 <a:latin typeface="Calibri" panose="020F0502020204030204" pitchFamily="34" charset="0"/>
                 <a:ea typeface="DengXian" panose="02010600030101010101" pitchFamily="2" charset="-122"/>
                 <a:cs typeface="Times New Roman" panose="02020603050405020304" pitchFamily="18" charset="0"/>
               </a:rPr>
               <a:t>A snapshot of a model summary results</a:t>
             </a:r>
-            <a:endParaRPr lang="en-US" sz="3200" dirty="0"/>
+            <a:endParaRPr lang="en-US" sz="2400" dirty="0"/>
           </a:p>
         </p:txBody>
       </p:sp>
     </p:spTree>
     <p:extLst>
       <p:ext uri="{BB962C8B-B14F-4D97-AF65-F5344CB8AC3E}">
-        <p14:creationId xmlns:p14="http://schemas.microsoft.com/office/powerpoint/2010/main" val="2008377473"/>
+        <p14:creationId xmlns:p14="http://schemas.microsoft.com/office/powerpoint/2010/main" val="1244827640"/>
       </p:ext>
     </p:extLst>
   </p:cSld>
@@ -8075,9 +8737,7 @@
         </p:nvSpPr>
         <p:spPr/>
         <p:txBody>
-          <a:bodyPr>
-            <a:normAutofit fontScale="90000"/>
-          </a:bodyPr>
+          <a:bodyPr/>
           <a:lstStyle/>
           <a:p>
             <a:r>
@@ -8086,19 +8746,7 @@
             </a:r>
             <a:r>
               <a:rPr lang="en-US" dirty="0"/>
-              <a:t>(carbon offset ~ total solar energy potential + # of solar panels + location (we can code 4 region by 4 </a:t>
-            </a:r>
-            <a:r>
-              <a:rPr lang="en-US" dirty="0">
-                <a:solidFill>
-                  <a:schemeClr val="accent5"/>
-                </a:solidFill>
-              </a:rPr>
-              <a:t>categorical</a:t>
-            </a:r>
-            <a:r>
-              <a:rPr lang="en-US" dirty="0"/>
-              <a:t> levels))  </a:t>
+              <a:t>(carbon offset ~ total solar energy potential + # of solar panels)  </a:t>
             </a:r>
           </a:p>
         </p:txBody>
@@ -8119,12 +8767,7 @@
             <p:ph idx="1"/>
           </p:nvPr>
         </p:nvSpPr>
-        <p:spPr>
-          <a:xfrm>
-            <a:off x="677334" y="2987214"/>
-            <a:ext cx="8596668" cy="3880773"/>
-          </a:xfrm>
-        </p:spPr>
+        <p:spPr/>
         <p:txBody>
           <a:bodyPr>
             <a:normAutofit/>
@@ -8147,7 +8790,7 @@
     </p:spTree>
     <p:extLst>
       <p:ext uri="{BB962C8B-B14F-4D97-AF65-F5344CB8AC3E}">
-        <p14:creationId xmlns:p14="http://schemas.microsoft.com/office/powerpoint/2010/main" val="244240605"/>
+        <p14:creationId xmlns:p14="http://schemas.microsoft.com/office/powerpoint/2010/main" val="2008377473"/>
       </p:ext>
     </p:extLst>
   </p:cSld>
@@ -8215,19 +8858,7 @@
             </a:r>
             <a:r>
               <a:rPr lang="en-US" dirty="0"/>
-              <a:t> levels) + panel direction (we can code directions into 4 </a:t>
-            </a:r>
-            <a:r>
-              <a:rPr lang="en-US" dirty="0">
-                <a:solidFill>
-                  <a:schemeClr val="accent5"/>
-                </a:solidFill>
-              </a:rPr>
-              <a:t>categorical</a:t>
-            </a:r>
-            <a:r>
-              <a:rPr lang="en-US" dirty="0"/>
-              <a:t> levels – NSEW?)  </a:t>
+              <a:t> levels))  </a:t>
             </a:r>
           </a:p>
         </p:txBody>
@@ -8250,7 +8881,7 @@
         </p:nvSpPr>
         <p:spPr>
           <a:xfrm>
-            <a:off x="751979" y="3873622"/>
+            <a:off x="677334" y="2987214"/>
             <a:ext cx="8596668" cy="3880773"/>
           </a:xfrm>
         </p:spPr>
@@ -8276,7 +8907,7 @@
     </p:spTree>
     <p:extLst>
       <p:ext uri="{BB962C8B-B14F-4D97-AF65-F5344CB8AC3E}">
-        <p14:creationId xmlns:p14="http://schemas.microsoft.com/office/powerpoint/2010/main" val="4203290926"/>
+        <p14:creationId xmlns:p14="http://schemas.microsoft.com/office/powerpoint/2010/main" val="244240605"/>
       </p:ext>
     </p:extLst>
   </p:cSld>
@@ -8308,6 +8939,135 @@
           <p:cNvPr id="2" name="Title 1">
             <a:extLst>
               <a:ext uri="{FF2B5EF4-FFF2-40B4-BE49-F238E27FC236}">
+                <a16:creationId xmlns:a16="http://schemas.microsoft.com/office/drawing/2014/main" id="{14EE761A-DB4E-4244-A2D7-C8D2CC8644C3}"/>
+              </a:ext>
+            </a:extLst>
+          </p:cNvPr>
+          <p:cNvSpPr>
+            <a:spLocks noGrp="1"/>
+          </p:cNvSpPr>
+          <p:nvPr>
+            <p:ph type="title"/>
+          </p:nvPr>
+        </p:nvSpPr>
+        <p:spPr/>
+        <p:txBody>
+          <a:bodyPr>
+            <a:normAutofit fontScale="90000"/>
+          </a:bodyPr>
+          <a:lstStyle/>
+          <a:p>
+            <a:r>
+              <a:rPr lang="en-US" dirty="0" err="1"/>
+              <a:t>Lm</a:t>
+            </a:r>
+            <a:r>
+              <a:rPr lang="en-US" dirty="0"/>
+              <a:t>(carbon offset ~ total solar energy potential + # of solar panels + location (we can code 4 region by 4 </a:t>
+            </a:r>
+            <a:r>
+              <a:rPr lang="en-US" dirty="0">
+                <a:solidFill>
+                  <a:schemeClr val="accent5"/>
+                </a:solidFill>
+              </a:rPr>
+              <a:t>categorical</a:t>
+            </a:r>
+            <a:r>
+              <a:rPr lang="en-US" dirty="0"/>
+              <a:t> levels) + panel direction (we can code directions into 4 </a:t>
+            </a:r>
+            <a:r>
+              <a:rPr lang="en-US" dirty="0">
+                <a:solidFill>
+                  <a:schemeClr val="accent5"/>
+                </a:solidFill>
+              </a:rPr>
+              <a:t>categorical</a:t>
+            </a:r>
+            <a:r>
+              <a:rPr lang="en-US" dirty="0"/>
+              <a:t> levels – NSEW?)  </a:t>
+            </a:r>
+          </a:p>
+        </p:txBody>
+      </p:sp>
+      <p:sp>
+        <p:nvSpPr>
+          <p:cNvPr id="3" name="Content Placeholder 2">
+            <a:extLst>
+              <a:ext uri="{FF2B5EF4-FFF2-40B4-BE49-F238E27FC236}">
+                <a16:creationId xmlns:a16="http://schemas.microsoft.com/office/drawing/2014/main" id="{6834A3A7-A383-4AD5-ADE9-C5C0249313DB}"/>
+              </a:ext>
+            </a:extLst>
+          </p:cNvPr>
+          <p:cNvSpPr>
+            <a:spLocks noGrp="1"/>
+          </p:cNvSpPr>
+          <p:nvPr>
+            <p:ph idx="1"/>
+          </p:nvPr>
+        </p:nvSpPr>
+        <p:spPr>
+          <a:xfrm>
+            <a:off x="751979" y="3873622"/>
+            <a:ext cx="8596668" cy="3880773"/>
+          </a:xfrm>
+        </p:spPr>
+        <p:txBody>
+          <a:bodyPr>
+            <a:normAutofit/>
+          </a:bodyPr>
+          <a:lstStyle/>
+          <a:p>
+            <a:pPr lvl="1"/>
+            <a:r>
+              <a:rPr lang="en-US" sz="3600" dirty="0">
+                <a:latin typeface="Calibri" panose="020F0502020204030204" pitchFamily="34" charset="0"/>
+                <a:ea typeface="DengXian" panose="02010600030101010101" pitchFamily="2" charset="-122"/>
+                <a:cs typeface="Times New Roman" panose="02020603050405020304" pitchFamily="18" charset="0"/>
+              </a:rPr>
+              <a:t>A snapshot of a model summary results</a:t>
+            </a:r>
+            <a:endParaRPr lang="en-US" sz="3200" dirty="0"/>
+          </a:p>
+        </p:txBody>
+      </p:sp>
+    </p:spTree>
+    <p:extLst>
+      <p:ext uri="{BB962C8B-B14F-4D97-AF65-F5344CB8AC3E}">
+        <p14:creationId xmlns:p14="http://schemas.microsoft.com/office/powerpoint/2010/main" val="4203290926"/>
+      </p:ext>
+    </p:extLst>
+  </p:cSld>
+  <p:clrMapOvr>
+    <a:masterClrMapping/>
+  </p:clrMapOvr>
+</p:sld>
+</file>
+
+<file path=ppt/slides/slide24.xml><?xml version="1.0" encoding="utf-8"?>
+<p:sld xmlns:a="http://schemas.openxmlformats.org/drawingml/2006/main" xmlns:r="http://schemas.openxmlformats.org/officeDocument/2006/relationships" xmlns:p="http://schemas.openxmlformats.org/presentationml/2006/main">
+  <p:cSld>
+    <p:spTree>
+      <p:nvGrpSpPr>
+        <p:cNvPr id="1" name=""/>
+        <p:cNvGrpSpPr/>
+        <p:nvPr/>
+      </p:nvGrpSpPr>
+      <p:grpSpPr>
+        <a:xfrm>
+          <a:off x="0" y="0"/>
+          <a:ext cx="0" cy="0"/>
+          <a:chOff x="0" y="0"/>
+          <a:chExt cx="0" cy="0"/>
+        </a:xfrm>
+      </p:grpSpPr>
+      <p:sp>
+        <p:nvSpPr>
+          <p:cNvPr id="2" name="Title 1">
+            <a:extLst>
+              <a:ext uri="{FF2B5EF4-FFF2-40B4-BE49-F238E27FC236}">
                 <a16:creationId xmlns:a16="http://schemas.microsoft.com/office/drawing/2014/main" id="{EE1A7885-042A-45A3-B452-090FCE0E1A12}"/>
               </a:ext>
             </a:extLst>
@@ -8369,7 +9129,7 @@
 </p:sld>
 </file>
 
-<file path=ppt/slides/slide24.xml><?xml version="1.0" encoding="utf-8"?>
+<file path=ppt/slides/slide25.xml><?xml version="1.0" encoding="utf-8"?>
 <p:sld xmlns:a="http://schemas.openxmlformats.org/drawingml/2006/main" xmlns:r="http://schemas.openxmlformats.org/officeDocument/2006/relationships" xmlns:p="http://schemas.openxmlformats.org/presentationml/2006/main">
   <p:cSld>
     <p:spTree>
@@ -8463,7 +9223,7 @@
           <p:cNvPr id="2" name="Title 1">
             <a:extLst>
               <a:ext uri="{FF2B5EF4-FFF2-40B4-BE49-F238E27FC236}">
-                <a16:creationId xmlns:a16="http://schemas.microsoft.com/office/drawing/2014/main" id="{946C68D4-4B21-479E-B144-9A787A2B4C9D}"/>
+                <a16:creationId xmlns:a16="http://schemas.microsoft.com/office/drawing/2014/main" id="{59AD975A-423E-4E04-9ACD-63829AA2D0F6}"/>
               </a:ext>
             </a:extLst>
           </p:cNvPr>
@@ -8474,15 +9234,31 @@
             <p:ph type="title"/>
           </p:nvPr>
         </p:nvSpPr>
-        <p:spPr/>
-        <p:txBody>
-          <a:bodyPr/>
-          <a:lstStyle/>
-          <a:p>
-            <a:r>
-              <a:rPr lang="en-US" dirty="0"/>
-              <a:t>Outline</a:t>
-            </a:r>
+        <p:spPr>
+          <a:xfrm>
+            <a:off x="677334" y="609600"/>
+            <a:ext cx="8596668" cy="904875"/>
+          </a:xfrm>
+        </p:spPr>
+        <p:txBody>
+          <a:bodyPr>
+            <a:noAutofit/>
+          </a:bodyPr>
+          <a:lstStyle/>
+          <a:p>
+            <a:r>
+              <a:rPr lang="en-US" altLang="zh-CN" sz="5400" dirty="0">
+                <a:solidFill>
+                  <a:srgbClr val="FFFF00"/>
+                </a:solidFill>
+              </a:rPr>
+              <a:t>Delete this(Baldur)</a:t>
+            </a:r>
+            <a:endParaRPr lang="zh-CN" altLang="en-US" sz="5400" dirty="0">
+              <a:solidFill>
+                <a:srgbClr val="FFFF00"/>
+              </a:solidFill>
+            </a:endParaRPr>
           </a:p>
         </p:txBody>
       </p:sp>
@@ -8491,7 +9267,7 @@
           <p:cNvPr id="3" name="Content Placeholder 2">
             <a:extLst>
               <a:ext uri="{FF2B5EF4-FFF2-40B4-BE49-F238E27FC236}">
-                <a16:creationId xmlns:a16="http://schemas.microsoft.com/office/drawing/2014/main" id="{FB0EC128-804D-456A-8AF8-AA5CEB8E262D}"/>
+                <a16:creationId xmlns:a16="http://schemas.microsoft.com/office/drawing/2014/main" id="{22A68295-9F56-4D23-8BA9-994F6C884086}"/>
               </a:ext>
             </a:extLst>
           </p:cNvPr>
@@ -8508,55 +9284,45 @@
           <a:lstStyle/>
           <a:p>
             <a:r>
-              <a:rPr lang="en-US" altLang="zh-CN" sz="3200" dirty="0">
-                <a:latin typeface="Helvetica" panose="020B0604020202020204" pitchFamily="34" charset="0"/>
-                <a:cs typeface="Helvetica" panose="020B0604020202020204" pitchFamily="34" charset="0"/>
-              </a:rPr>
-              <a:t>Data Set Overview</a:t>
-            </a:r>
-          </a:p>
-          <a:p>
-            <a:r>
-              <a:rPr lang="en-US" sz="3200" dirty="0">
-                <a:latin typeface="Helvetica" panose="020B0604020202020204" pitchFamily="34" charset="0"/>
-                <a:cs typeface="Helvetica" panose="020B0604020202020204" pitchFamily="34" charset="0"/>
-              </a:rPr>
-              <a:t>Exploratory Data Analysis</a:t>
-            </a:r>
-          </a:p>
-          <a:p>
-            <a:r>
-              <a:rPr lang="en-US" sz="3200" dirty="0">
-                <a:latin typeface="Helvetica" panose="020B0604020202020204" pitchFamily="34" charset="0"/>
-                <a:cs typeface="Helvetica" panose="020B0604020202020204" pitchFamily="34" charset="0"/>
-              </a:rPr>
-              <a:t>Model Building </a:t>
-            </a:r>
-          </a:p>
-          <a:p>
-            <a:r>
-              <a:rPr lang="en-US" sz="3200" dirty="0">
-                <a:latin typeface="Helvetica" panose="020B0604020202020204" pitchFamily="34" charset="0"/>
-                <a:cs typeface="Helvetica" panose="020B0604020202020204" pitchFamily="34" charset="0"/>
-              </a:rPr>
-              <a:t>Conclusions </a:t>
-            </a:r>
-          </a:p>
-          <a:p>
-            <a:endParaRPr lang="en-US" altLang="zh-CN" dirty="0">
-              <a:latin typeface="Helvetica" panose="020B0604020202020204" pitchFamily="34" charset="0"/>
-              <a:cs typeface="Helvetica" panose="020B0604020202020204" pitchFamily="34" charset="0"/>
-            </a:endParaRPr>
-          </a:p>
-          <a:p>
-            <a:endParaRPr lang="en-US" dirty="0"/>
+              <a:rPr lang="en-US" altLang="zh-CN" sz="2400" dirty="0"/>
+              <a:t>I added few things based on the latest ‘patch’ by </a:t>
+            </a:r>
+            <a:r>
+              <a:rPr lang="en-US" altLang="zh-CN" sz="2400" dirty="0" err="1"/>
+              <a:t>Jichong</a:t>
+            </a:r>
+            <a:r>
+              <a:rPr lang="en-US" altLang="zh-CN" sz="2400" dirty="0"/>
+              <a:t>.</a:t>
+            </a:r>
+          </a:p>
+          <a:p>
+            <a:r>
+              <a:rPr lang="en-US" altLang="zh-CN" sz="2400" dirty="0"/>
+              <a:t>Make sure we review the whole thing before submitting</a:t>
+            </a:r>
+            <a:r>
+              <a:rPr lang="en-US" altLang="zh-CN" dirty="0"/>
+              <a:t>.</a:t>
+            </a:r>
+          </a:p>
+          <a:p>
+            <a:r>
+              <a:rPr lang="en-US" altLang="zh-CN" sz="2400" dirty="0"/>
+              <a:t>There may be some inconsistence</a:t>
+            </a:r>
+            <a:r>
+              <a:rPr lang="en-US" altLang="zh-CN" sz="2400"/>
+              <a:t>.  </a:t>
+            </a:r>
+            <a:endParaRPr lang="zh-CN" altLang="en-US" sz="2400" dirty="0"/>
           </a:p>
         </p:txBody>
       </p:sp>
     </p:spTree>
     <p:extLst>
       <p:ext uri="{BB962C8B-B14F-4D97-AF65-F5344CB8AC3E}">
-        <p14:creationId xmlns:p14="http://schemas.microsoft.com/office/powerpoint/2010/main" val="1426790365"/>
+        <p14:creationId xmlns:p14="http://schemas.microsoft.com/office/powerpoint/2010/main" val="3209553415"/>
       </p:ext>
     </p:extLst>
   </p:cSld>
@@ -8585,6 +9351,145 @@
       </p:grpSpPr>
       <p:sp>
         <p:nvSpPr>
+          <p:cNvPr id="2" name="Title 1">
+            <a:extLst>
+              <a:ext uri="{FF2B5EF4-FFF2-40B4-BE49-F238E27FC236}">
+                <a16:creationId xmlns:a16="http://schemas.microsoft.com/office/drawing/2014/main" id="{946C68D4-4B21-479E-B144-9A787A2B4C9D}"/>
+              </a:ext>
+            </a:extLst>
+          </p:cNvPr>
+          <p:cNvSpPr>
+            <a:spLocks noGrp="1"/>
+          </p:cNvSpPr>
+          <p:nvPr>
+            <p:ph type="title"/>
+          </p:nvPr>
+        </p:nvSpPr>
+        <p:spPr/>
+        <p:txBody>
+          <a:bodyPr>
+            <a:normAutofit/>
+          </a:bodyPr>
+          <a:lstStyle/>
+          <a:p>
+            <a:r>
+              <a:rPr lang="en-US" sz="5400" dirty="0"/>
+              <a:t>Outline</a:t>
+            </a:r>
+          </a:p>
+        </p:txBody>
+      </p:sp>
+      <p:sp>
+        <p:nvSpPr>
+          <p:cNvPr id="3" name="Content Placeholder 2">
+            <a:extLst>
+              <a:ext uri="{FF2B5EF4-FFF2-40B4-BE49-F238E27FC236}">
+                <a16:creationId xmlns:a16="http://schemas.microsoft.com/office/drawing/2014/main" id="{FB0EC128-804D-456A-8AF8-AA5CEB8E262D}"/>
+              </a:ext>
+            </a:extLst>
+          </p:cNvPr>
+          <p:cNvSpPr>
+            <a:spLocks noGrp="1"/>
+          </p:cNvSpPr>
+          <p:nvPr>
+            <p:ph idx="1"/>
+          </p:nvPr>
+        </p:nvSpPr>
+        <p:spPr/>
+        <p:txBody>
+          <a:bodyPr/>
+          <a:lstStyle/>
+          <a:p>
+            <a:r>
+              <a:rPr lang="en-US" altLang="zh-CN" sz="3200" dirty="0">
+                <a:latin typeface="Helvetica" panose="020B0604020202020204" pitchFamily="34" charset="0"/>
+                <a:cs typeface="Helvetica" panose="020B0604020202020204" pitchFamily="34" charset="0"/>
+              </a:rPr>
+              <a:t>Data Set Overview</a:t>
+            </a:r>
+          </a:p>
+          <a:p>
+            <a:r>
+              <a:rPr lang="en-US" sz="3200" dirty="0">
+                <a:latin typeface="Helvetica" panose="020B0604020202020204" pitchFamily="34" charset="0"/>
+                <a:cs typeface="Helvetica" panose="020B0604020202020204" pitchFamily="34" charset="0"/>
+              </a:rPr>
+              <a:t>Exploratory Data Analysis</a:t>
+            </a:r>
+          </a:p>
+          <a:p>
+            <a:r>
+              <a:rPr lang="en-US" sz="3200" dirty="0">
+                <a:latin typeface="Helvetica" panose="020B0604020202020204" pitchFamily="34" charset="0"/>
+                <a:cs typeface="Helvetica" panose="020B0604020202020204" pitchFamily="34" charset="0"/>
+              </a:rPr>
+              <a:t>Model Building </a:t>
+            </a:r>
+          </a:p>
+          <a:p>
+            <a:r>
+              <a:rPr lang="en-US" sz="3200" dirty="0">
+                <a:latin typeface="Helvetica" panose="020B0604020202020204" pitchFamily="34" charset="0"/>
+                <a:cs typeface="Helvetica" panose="020B0604020202020204" pitchFamily="34" charset="0"/>
+              </a:rPr>
+              <a:t>Conclusions </a:t>
+            </a:r>
+          </a:p>
+          <a:p>
+            <a:r>
+              <a:rPr lang="en-US" sz="3200" dirty="0">
+                <a:solidFill>
+                  <a:srgbClr val="FFFF00"/>
+                </a:solidFill>
+                <a:latin typeface="Helvetica" panose="020B0604020202020204" pitchFamily="34" charset="0"/>
+                <a:cs typeface="Helvetica" panose="020B0604020202020204" pitchFamily="34" charset="0"/>
+              </a:rPr>
+              <a:t>Prediction (If time allows)</a:t>
+            </a:r>
+          </a:p>
+          <a:p>
+            <a:endParaRPr lang="en-US" altLang="zh-CN" dirty="0">
+              <a:latin typeface="Helvetica" panose="020B0604020202020204" pitchFamily="34" charset="0"/>
+              <a:cs typeface="Helvetica" panose="020B0604020202020204" pitchFamily="34" charset="0"/>
+            </a:endParaRPr>
+          </a:p>
+          <a:p>
+            <a:endParaRPr lang="en-US" dirty="0"/>
+          </a:p>
+        </p:txBody>
+      </p:sp>
+    </p:spTree>
+    <p:extLst>
+      <p:ext uri="{BB962C8B-B14F-4D97-AF65-F5344CB8AC3E}">
+        <p14:creationId xmlns:p14="http://schemas.microsoft.com/office/powerpoint/2010/main" val="1426790365"/>
+      </p:ext>
+    </p:extLst>
+  </p:cSld>
+  <p:clrMapOvr>
+    <a:masterClrMapping/>
+  </p:clrMapOvr>
+</p:sld>
+</file>
+
+<file path=ppt/slides/slide5.xml><?xml version="1.0" encoding="utf-8"?>
+<p:sld xmlns:a="http://schemas.openxmlformats.org/drawingml/2006/main" xmlns:r="http://schemas.openxmlformats.org/officeDocument/2006/relationships" xmlns:p="http://schemas.openxmlformats.org/presentationml/2006/main">
+  <p:cSld>
+    <p:spTree>
+      <p:nvGrpSpPr>
+        <p:cNvPr id="1" name=""/>
+        <p:cNvGrpSpPr/>
+        <p:nvPr/>
+      </p:nvGrpSpPr>
+      <p:grpSpPr>
+        <a:xfrm>
+          <a:off x="0" y="0"/>
+          <a:ext cx="0" cy="0"/>
+          <a:chOff x="0" y="0"/>
+          <a:chExt cx="0" cy="0"/>
+        </a:xfrm>
+      </p:grpSpPr>
+      <p:sp>
+        <p:nvSpPr>
           <p:cNvPr id="2" name="TextBox 1">
             <a:extLst>
               <a:ext uri="{FF2B5EF4-FFF2-40B4-BE49-F238E27FC236}">
@@ -8638,7 +9543,7 @@
 </p:sld>
 </file>
 
-<file path=ppt/slides/slide5.xml><?xml version="1.0" encoding="utf-8"?>
+<file path=ppt/slides/slide6.xml><?xml version="1.0" encoding="utf-8"?>
 <p:sld xmlns:a="http://schemas.openxmlformats.org/drawingml/2006/main" xmlns:r="http://schemas.openxmlformats.org/officeDocument/2006/relationships" xmlns:p="http://schemas.openxmlformats.org/presentationml/2006/main">
   <p:cSld>
     <p:spTree>
@@ -8889,180 +9794,6 @@
 </p:sld>
 </file>
 
-<file path=ppt/slides/slide6.xml><?xml version="1.0" encoding="utf-8"?>
-<p:sld xmlns:a="http://schemas.openxmlformats.org/drawingml/2006/main" xmlns:r="http://schemas.openxmlformats.org/officeDocument/2006/relationships" xmlns:p="http://schemas.openxmlformats.org/presentationml/2006/main">
-  <p:cSld>
-    <p:spTree>
-      <p:nvGrpSpPr>
-        <p:cNvPr id="1" name=""/>
-        <p:cNvGrpSpPr/>
-        <p:nvPr/>
-      </p:nvGrpSpPr>
-      <p:grpSpPr>
-        <a:xfrm>
-          <a:off x="0" y="0"/>
-          <a:ext cx="0" cy="0"/>
-          <a:chOff x="0" y="0"/>
-          <a:chExt cx="0" cy="0"/>
-        </a:xfrm>
-      </p:grpSpPr>
-      <p:sp>
-        <p:nvSpPr>
-          <p:cNvPr id="2" name="Title 1">
-            <a:extLst>
-              <a:ext uri="{FF2B5EF4-FFF2-40B4-BE49-F238E27FC236}">
-                <a16:creationId xmlns:a16="http://schemas.microsoft.com/office/drawing/2014/main" id="{5B12D278-8574-4389-AD80-E2F74165B6A6}"/>
-              </a:ext>
-            </a:extLst>
-          </p:cNvPr>
-          <p:cNvSpPr>
-            <a:spLocks noGrp="1"/>
-          </p:cNvSpPr>
-          <p:nvPr>
-            <p:ph type="title"/>
-          </p:nvPr>
-        </p:nvSpPr>
-        <p:spPr/>
-        <p:txBody>
-          <a:bodyPr/>
-          <a:lstStyle/>
-          <a:p>
-            <a:r>
-              <a:rPr lang="en-US" altLang="zh-CN" dirty="0">
-                <a:latin typeface="Helvetica" panose="020B0604020202020204" pitchFamily="34" charset="0"/>
-                <a:cs typeface="Helvetica" panose="020B0604020202020204" pitchFamily="34" charset="0"/>
-              </a:rPr>
-              <a:t>S.M.A.R.T Questions</a:t>
-            </a:r>
-            <a:endParaRPr lang="zh-CN" altLang="en-US" dirty="0">
-              <a:latin typeface="Helvetica" panose="020B0604020202020204" pitchFamily="34" charset="0"/>
-              <a:cs typeface="Helvetica" panose="020B0604020202020204" pitchFamily="34" charset="0"/>
-            </a:endParaRPr>
-          </a:p>
-        </p:txBody>
-      </p:sp>
-      <p:sp>
-        <p:nvSpPr>
-          <p:cNvPr id="3" name="Content Placeholder 2">
-            <a:extLst>
-              <a:ext uri="{FF2B5EF4-FFF2-40B4-BE49-F238E27FC236}">
-                <a16:creationId xmlns:a16="http://schemas.microsoft.com/office/drawing/2014/main" id="{A9456917-9AC3-442F-9196-7B4ED4C00CAF}"/>
-              </a:ext>
-            </a:extLst>
-          </p:cNvPr>
-          <p:cNvSpPr>
-            <a:spLocks noGrp="1"/>
-          </p:cNvSpPr>
-          <p:nvPr>
-            <p:ph idx="1"/>
-          </p:nvPr>
-        </p:nvSpPr>
-        <p:spPr>
-          <a:xfrm>
-            <a:off x="562632" y="1836984"/>
-            <a:ext cx="8826071" cy="4124812"/>
-          </a:xfrm>
-        </p:spPr>
-        <p:txBody>
-          <a:bodyPr/>
-          <a:lstStyle/>
-          <a:p>
-            <a:pPr algn="just">
-              <a:lnSpc>
-                <a:spcPct val="150000"/>
-              </a:lnSpc>
-            </a:pPr>
-            <a:r>
-              <a:rPr lang="en-US" altLang="zh-CN" sz="2000" b="0" i="0" u="none" strike="noStrike" baseline="0" dirty="0">
-                <a:solidFill>
-                  <a:schemeClr val="accent1">
-                    <a:lumMod val="40000"/>
-                    <a:lumOff val="60000"/>
-                  </a:schemeClr>
-                </a:solidFill>
-                <a:latin typeface="Helvetica" panose="020B0604020202020204" pitchFamily="34" charset="0"/>
-                <a:cs typeface="Helvetica" panose="020B0604020202020204" pitchFamily="34" charset="0"/>
-              </a:rPr>
-              <a:t>Analyze</a:t>
-            </a:r>
-            <a:r>
-              <a:rPr lang="en-US" altLang="zh-CN" sz="2000" b="0" i="0" u="none" strike="noStrike" baseline="0" dirty="0">
-                <a:latin typeface="Helvetica" panose="020B0604020202020204" pitchFamily="34" charset="0"/>
-                <a:cs typeface="Helvetica" panose="020B0604020202020204" pitchFamily="34" charset="0"/>
-              </a:rPr>
-              <a:t> the effects of estimated annual sunlight and number of potential panel types on the total solar energy generation potential per </a:t>
-            </a:r>
-            <a:r>
-              <a:rPr lang="en-US" altLang="zh-CN" sz="2000" dirty="0">
-                <a:latin typeface="Helvetica" panose="020B0604020202020204" pitchFamily="34" charset="0"/>
-                <a:cs typeface="Helvetica" panose="020B0604020202020204" pitchFamily="34" charset="0"/>
-              </a:rPr>
-              <a:t>US city and region.</a:t>
-            </a:r>
-            <a:endParaRPr lang="en-US" altLang="zh-CN" sz="2000" b="0" i="0" u="none" strike="noStrike" baseline="0" dirty="0">
-              <a:latin typeface="Helvetica" panose="020B0604020202020204" pitchFamily="34" charset="0"/>
-              <a:cs typeface="Helvetica" panose="020B0604020202020204" pitchFamily="34" charset="0"/>
-            </a:endParaRPr>
-          </a:p>
-          <a:p>
-            <a:pPr algn="just">
-              <a:lnSpc>
-                <a:spcPct val="150000"/>
-              </a:lnSpc>
-            </a:pPr>
-            <a:r>
-              <a:rPr lang="en-US" altLang="zh-CN" sz="2000" b="0" i="0" u="none" strike="noStrike" baseline="0" dirty="0">
-                <a:solidFill>
-                  <a:schemeClr val="accent1">
-                    <a:lumMod val="40000"/>
-                    <a:lumOff val="60000"/>
-                  </a:schemeClr>
-                </a:solidFill>
-                <a:latin typeface="Helvetica" panose="020B0604020202020204" pitchFamily="34" charset="0"/>
-                <a:cs typeface="Helvetica" panose="020B0604020202020204" pitchFamily="34" charset="0"/>
-              </a:rPr>
-              <a:t>Determine</a:t>
-            </a:r>
-            <a:r>
-              <a:rPr lang="en-US" altLang="zh-CN" sz="2000" b="0" i="0" u="none" strike="noStrike" baseline="0" dirty="0">
-                <a:latin typeface="Helvetica" panose="020B0604020202020204" pitchFamily="34" charset="0"/>
-                <a:cs typeface="Helvetica" panose="020B0604020202020204" pitchFamily="34" charset="0"/>
-              </a:rPr>
-              <a:t> the estimated potential carbon offset from solar energy use per region.</a:t>
-            </a:r>
-          </a:p>
-          <a:p>
-            <a:pPr marL="0" indent="0">
-              <a:buNone/>
-            </a:pPr>
-            <a:endParaRPr lang="en-US" altLang="zh-CN" sz="1800" b="0" i="0" u="none" strike="noStrike" baseline="0" dirty="0">
-              <a:solidFill>
-                <a:srgbClr val="000000"/>
-              </a:solidFill>
-              <a:latin typeface="Calibri" panose="020F0502020204030204" pitchFamily="34" charset="0"/>
-            </a:endParaRPr>
-          </a:p>
-          <a:p>
-            <a:pPr marL="0" indent="0">
-              <a:buNone/>
-            </a:pPr>
-            <a:endParaRPr lang="zh-CN" altLang="en-US" dirty="0"/>
-          </a:p>
-        </p:txBody>
-      </p:sp>
-    </p:spTree>
-    <p:extLst>
-      <p:ext uri="{BB962C8B-B14F-4D97-AF65-F5344CB8AC3E}">
-        <p14:creationId xmlns:p14="http://schemas.microsoft.com/office/powerpoint/2010/main" val="1241395330"/>
-      </p:ext>
-    </p:extLst>
-  </p:cSld>
-  <p:clrMapOvr>
-    <a:masterClrMapping/>
-  </p:clrMapOvr>
-</p:sld>
-</file>
-
 <file path=ppt/slides/slide7.xml><?xml version="1.0" encoding="utf-8"?>
 <p:sld xmlns:a="http://schemas.openxmlformats.org/drawingml/2006/main" xmlns:r="http://schemas.openxmlformats.org/officeDocument/2006/relationships" xmlns:p="http://schemas.openxmlformats.org/presentationml/2006/main">
   <p:cSld>
@@ -9082,6 +9813,180 @@
       </p:grpSpPr>
       <p:sp>
         <p:nvSpPr>
+          <p:cNvPr id="2" name="Title 1">
+            <a:extLst>
+              <a:ext uri="{FF2B5EF4-FFF2-40B4-BE49-F238E27FC236}">
+                <a16:creationId xmlns:a16="http://schemas.microsoft.com/office/drawing/2014/main" id="{5B12D278-8574-4389-AD80-E2F74165B6A6}"/>
+              </a:ext>
+            </a:extLst>
+          </p:cNvPr>
+          <p:cNvSpPr>
+            <a:spLocks noGrp="1"/>
+          </p:cNvSpPr>
+          <p:nvPr>
+            <p:ph type="title"/>
+          </p:nvPr>
+        </p:nvSpPr>
+        <p:spPr/>
+        <p:txBody>
+          <a:bodyPr/>
+          <a:lstStyle/>
+          <a:p>
+            <a:r>
+              <a:rPr lang="en-US" altLang="zh-CN" dirty="0">
+                <a:latin typeface="Helvetica" panose="020B0604020202020204" pitchFamily="34" charset="0"/>
+                <a:cs typeface="Helvetica" panose="020B0604020202020204" pitchFamily="34" charset="0"/>
+              </a:rPr>
+              <a:t>S.M.A.R.T Questions</a:t>
+            </a:r>
+            <a:endParaRPr lang="zh-CN" altLang="en-US" dirty="0">
+              <a:latin typeface="Helvetica" panose="020B0604020202020204" pitchFamily="34" charset="0"/>
+              <a:cs typeface="Helvetica" panose="020B0604020202020204" pitchFamily="34" charset="0"/>
+            </a:endParaRPr>
+          </a:p>
+        </p:txBody>
+      </p:sp>
+      <p:sp>
+        <p:nvSpPr>
+          <p:cNvPr id="3" name="Content Placeholder 2">
+            <a:extLst>
+              <a:ext uri="{FF2B5EF4-FFF2-40B4-BE49-F238E27FC236}">
+                <a16:creationId xmlns:a16="http://schemas.microsoft.com/office/drawing/2014/main" id="{A9456917-9AC3-442F-9196-7B4ED4C00CAF}"/>
+              </a:ext>
+            </a:extLst>
+          </p:cNvPr>
+          <p:cNvSpPr>
+            <a:spLocks noGrp="1"/>
+          </p:cNvSpPr>
+          <p:nvPr>
+            <p:ph idx="1"/>
+          </p:nvPr>
+        </p:nvSpPr>
+        <p:spPr>
+          <a:xfrm>
+            <a:off x="562632" y="1836984"/>
+            <a:ext cx="8826071" cy="4124812"/>
+          </a:xfrm>
+        </p:spPr>
+        <p:txBody>
+          <a:bodyPr/>
+          <a:lstStyle/>
+          <a:p>
+            <a:pPr algn="just">
+              <a:lnSpc>
+                <a:spcPct val="150000"/>
+              </a:lnSpc>
+            </a:pPr>
+            <a:r>
+              <a:rPr lang="en-US" altLang="zh-CN" sz="2000" b="0" i="0" u="none" strike="noStrike" baseline="0" dirty="0">
+                <a:solidFill>
+                  <a:schemeClr val="accent1">
+                    <a:lumMod val="40000"/>
+                    <a:lumOff val="60000"/>
+                  </a:schemeClr>
+                </a:solidFill>
+                <a:latin typeface="Helvetica" panose="020B0604020202020204" pitchFamily="34" charset="0"/>
+                <a:cs typeface="Helvetica" panose="020B0604020202020204" pitchFamily="34" charset="0"/>
+              </a:rPr>
+              <a:t>Analyze</a:t>
+            </a:r>
+            <a:r>
+              <a:rPr lang="en-US" altLang="zh-CN" sz="2000" b="0" i="0" u="none" strike="noStrike" baseline="0" dirty="0">
+                <a:latin typeface="Helvetica" panose="020B0604020202020204" pitchFamily="34" charset="0"/>
+                <a:cs typeface="Helvetica" panose="020B0604020202020204" pitchFamily="34" charset="0"/>
+              </a:rPr>
+              <a:t> the effects of estimated annual sunlight and number of potential panel types on the total solar energy generation potential per </a:t>
+            </a:r>
+            <a:r>
+              <a:rPr lang="en-US" altLang="zh-CN" sz="2000" dirty="0">
+                <a:latin typeface="Helvetica" panose="020B0604020202020204" pitchFamily="34" charset="0"/>
+                <a:cs typeface="Helvetica" panose="020B0604020202020204" pitchFamily="34" charset="0"/>
+              </a:rPr>
+              <a:t>US city and region.</a:t>
+            </a:r>
+            <a:endParaRPr lang="en-US" altLang="zh-CN" sz="2000" b="0" i="0" u="none" strike="noStrike" baseline="0" dirty="0">
+              <a:latin typeface="Helvetica" panose="020B0604020202020204" pitchFamily="34" charset="0"/>
+              <a:cs typeface="Helvetica" panose="020B0604020202020204" pitchFamily="34" charset="0"/>
+            </a:endParaRPr>
+          </a:p>
+          <a:p>
+            <a:pPr algn="just">
+              <a:lnSpc>
+                <a:spcPct val="150000"/>
+              </a:lnSpc>
+            </a:pPr>
+            <a:r>
+              <a:rPr lang="en-US" altLang="zh-CN" sz="2000" b="0" i="0" u="none" strike="noStrike" baseline="0" dirty="0">
+                <a:solidFill>
+                  <a:schemeClr val="accent1">
+                    <a:lumMod val="40000"/>
+                    <a:lumOff val="60000"/>
+                  </a:schemeClr>
+                </a:solidFill>
+                <a:latin typeface="Helvetica" panose="020B0604020202020204" pitchFamily="34" charset="0"/>
+                <a:cs typeface="Helvetica" panose="020B0604020202020204" pitchFamily="34" charset="0"/>
+              </a:rPr>
+              <a:t>Determine</a:t>
+            </a:r>
+            <a:r>
+              <a:rPr lang="en-US" altLang="zh-CN" sz="2000" b="0" i="0" u="none" strike="noStrike" baseline="0" dirty="0">
+                <a:latin typeface="Helvetica" panose="020B0604020202020204" pitchFamily="34" charset="0"/>
+                <a:cs typeface="Helvetica" panose="020B0604020202020204" pitchFamily="34" charset="0"/>
+              </a:rPr>
+              <a:t> the estimated potential carbon offset from solar energy use per region.</a:t>
+            </a:r>
+          </a:p>
+          <a:p>
+            <a:pPr marL="0" indent="0">
+              <a:buNone/>
+            </a:pPr>
+            <a:endParaRPr lang="en-US" altLang="zh-CN" sz="1800" b="0" i="0" u="none" strike="noStrike" baseline="0" dirty="0">
+              <a:solidFill>
+                <a:srgbClr val="000000"/>
+              </a:solidFill>
+              <a:latin typeface="Calibri" panose="020F0502020204030204" pitchFamily="34" charset="0"/>
+            </a:endParaRPr>
+          </a:p>
+          <a:p>
+            <a:pPr marL="0" indent="0">
+              <a:buNone/>
+            </a:pPr>
+            <a:endParaRPr lang="zh-CN" altLang="en-US" dirty="0"/>
+          </a:p>
+        </p:txBody>
+      </p:sp>
+    </p:spTree>
+    <p:extLst>
+      <p:ext uri="{BB962C8B-B14F-4D97-AF65-F5344CB8AC3E}">
+        <p14:creationId xmlns:p14="http://schemas.microsoft.com/office/powerpoint/2010/main" val="1241395330"/>
+      </p:ext>
+    </p:extLst>
+  </p:cSld>
+  <p:clrMapOvr>
+    <a:masterClrMapping/>
+  </p:clrMapOvr>
+</p:sld>
+</file>
+
+<file path=ppt/slides/slide8.xml><?xml version="1.0" encoding="utf-8"?>
+<p:sld xmlns:a="http://schemas.openxmlformats.org/drawingml/2006/main" xmlns:r="http://schemas.openxmlformats.org/officeDocument/2006/relationships" xmlns:p="http://schemas.openxmlformats.org/presentationml/2006/main">
+  <p:cSld>
+    <p:spTree>
+      <p:nvGrpSpPr>
+        <p:cNvPr id="1" name=""/>
+        <p:cNvGrpSpPr/>
+        <p:nvPr/>
+      </p:nvGrpSpPr>
+      <p:grpSpPr>
+        <a:xfrm>
+          <a:off x="0" y="0"/>
+          <a:ext cx="0" cy="0"/>
+          <a:chOff x="0" y="0"/>
+          <a:chExt cx="0" cy="0"/>
+        </a:xfrm>
+      </p:grpSpPr>
+      <p:sp>
+        <p:nvSpPr>
           <p:cNvPr id="2" name="TextBox 1">
             <a:extLst>
               <a:ext uri="{FF2B5EF4-FFF2-40B4-BE49-F238E27FC236}">
@@ -9135,7 +10040,7 @@
 </p:sld>
 </file>
 
-<file path=ppt/slides/slide8.xml><?xml version="1.0" encoding="utf-8"?>
+<file path=ppt/slides/slide9.xml><?xml version="1.0" encoding="utf-8"?>
 <p:sld xmlns:a="http://schemas.openxmlformats.org/drawingml/2006/main" xmlns:r="http://schemas.openxmlformats.org/officeDocument/2006/relationships" xmlns:p="http://schemas.openxmlformats.org/presentationml/2006/main">
   <p:cSld>
     <p:bg>
@@ -9362,8 +10267,8 @@
         </p:nvSpPr>
         <p:spPr>
           <a:xfrm>
-            <a:off x="673754" y="643467"/>
-            <a:ext cx="4203045" cy="1375608"/>
+            <a:off x="523876" y="571500"/>
+            <a:ext cx="4352924" cy="1447575"/>
           </a:xfrm>
         </p:spPr>
         <p:txBody>
@@ -9373,7 +10278,7 @@
           <a:lstStyle/>
           <a:p>
             <a:r>
-              <a:rPr lang="en-US">
+              <a:rPr lang="en-US" dirty="0">
                 <a:solidFill>
                   <a:schemeClr val="bg1"/>
                 </a:solidFill>
@@ -9403,8 +10308,8 @@
         </p:nvSpPr>
         <p:spPr>
           <a:xfrm>
-            <a:off x="673754" y="2160589"/>
-            <a:ext cx="3973943" cy="4221550"/>
+            <a:off x="436304" y="2019075"/>
+            <a:ext cx="4211393" cy="4363064"/>
           </a:xfrm>
         </p:spPr>
         <p:txBody>
@@ -9461,6 +10366,23 @@
                 <a:cs typeface="Helvetica" panose="020B0604020202020204" pitchFamily="34" charset="0"/>
               </a:rPr>
               <a:t>Changed data types for numerical columns from string to numeric.</a:t>
+            </a:r>
+          </a:p>
+          <a:p>
+            <a:pPr>
+              <a:lnSpc>
+                <a:spcPct val="90000"/>
+              </a:lnSpc>
+            </a:pPr>
+            <a:r>
+              <a:rPr lang="en-US" dirty="0">
+                <a:solidFill>
+                  <a:schemeClr val="bg1"/>
+                </a:solidFill>
+                <a:latin typeface="Helvetica" panose="020B0604020202020204" pitchFamily="34" charset="0"/>
+                <a:cs typeface="Helvetica" panose="020B0604020202020204" pitchFamily="34" charset="0"/>
+              </a:rPr>
+              <a:t>Excluded the NA values.</a:t>
             </a:r>
           </a:p>
           <a:p>
@@ -9647,734 +10569,6 @@
   </p:cSld>
   <p:clrMapOvr>
     <a:overrideClrMapping bg1="lt1" tx1="dk1" bg2="lt2" tx2="dk2" accent1="accent1" accent2="accent2" accent3="accent3" accent4="accent4" accent5="accent5" accent6="accent6" hlink="hlink" folHlink="folHlink"/>
-  </p:clrMapOvr>
-</p:sld>
-</file>
-
-<file path=ppt/slides/slide9.xml><?xml version="1.0" encoding="utf-8"?>
-<p:sld xmlns:a="http://schemas.openxmlformats.org/drawingml/2006/main" xmlns:r="http://schemas.openxmlformats.org/officeDocument/2006/relationships" xmlns:p="http://schemas.openxmlformats.org/presentationml/2006/main">
-  <p:cSld>
-    <p:spTree>
-      <p:nvGrpSpPr>
-        <p:cNvPr id="1" name=""/>
-        <p:cNvGrpSpPr/>
-        <p:nvPr/>
-      </p:nvGrpSpPr>
-      <p:grpSpPr>
-        <a:xfrm>
-          <a:off x="0" y="0"/>
-          <a:ext cx="0" cy="0"/>
-          <a:chOff x="0" y="0"/>
-          <a:chExt cx="0" cy="0"/>
-        </a:xfrm>
-      </p:grpSpPr>
-      <p:sp>
-        <p:nvSpPr>
-          <p:cNvPr id="3" name="Title 1">
-            <a:extLst>
-              <a:ext uri="{FF2B5EF4-FFF2-40B4-BE49-F238E27FC236}">
-                <a16:creationId xmlns:a16="http://schemas.microsoft.com/office/drawing/2014/main" id="{31D4EE0D-67BD-45D9-BCBE-0F562E39B48C}"/>
-              </a:ext>
-            </a:extLst>
-          </p:cNvPr>
-          <p:cNvSpPr>
-            <a:spLocks noGrp="1"/>
-          </p:cNvSpPr>
-          <p:nvPr>
-            <p:ph type="title"/>
-          </p:nvPr>
-        </p:nvSpPr>
-        <p:spPr>
-          <a:xfrm>
-            <a:off x="695995" y="609600"/>
-            <a:ext cx="8596668" cy="1320800"/>
-          </a:xfrm>
-        </p:spPr>
-        <p:txBody>
-          <a:bodyPr/>
-          <a:lstStyle/>
-          <a:p>
-            <a:r>
-              <a:rPr lang="en-US" dirty="0">
-                <a:latin typeface="Helvetica" panose="020B0604020202020204" pitchFamily="34" charset="0"/>
-                <a:cs typeface="Helvetica" panose="020B0604020202020204" pitchFamily="34" charset="0"/>
-              </a:rPr>
-              <a:t>Exploratory Data Analysis</a:t>
-            </a:r>
-          </a:p>
-        </p:txBody>
-      </p:sp>
-      <p:sp>
-        <p:nvSpPr>
-          <p:cNvPr id="4" name="Content Placeholder 3">
-            <a:extLst>
-              <a:ext uri="{FF2B5EF4-FFF2-40B4-BE49-F238E27FC236}">
-                <a16:creationId xmlns:a16="http://schemas.microsoft.com/office/drawing/2014/main" id="{A573C1C5-DF0B-4885-8143-FDA1F7CC223A}"/>
-              </a:ext>
-            </a:extLst>
-          </p:cNvPr>
-          <p:cNvSpPr>
-            <a:spLocks noGrp="1"/>
-          </p:cNvSpPr>
-          <p:nvPr>
-            <p:ph idx="1"/>
-          </p:nvPr>
-        </p:nvSpPr>
-        <p:spPr>
-          <a:xfrm>
-            <a:off x="695994" y="1488613"/>
-            <a:ext cx="9763621" cy="4856203"/>
-          </a:xfrm>
-        </p:spPr>
-        <p:txBody>
-          <a:bodyPr>
-            <a:normAutofit fontScale="92500" lnSpcReduction="10000"/>
-          </a:bodyPr>
-          <a:lstStyle/>
-          <a:p>
-            <a:r>
-              <a:rPr lang="en-US" sz="2100" dirty="0">
-                <a:latin typeface="Calibri" panose="020F0502020204030204" pitchFamily="34" charset="0"/>
-                <a:ea typeface="DengXian" panose="02010600030101010101" pitchFamily="2" charset="-122"/>
-                <a:cs typeface="Times New Roman" panose="02020603050405020304" pitchFamily="18" charset="0"/>
-              </a:rPr>
-              <a:t>Data aggregates overview</a:t>
-            </a:r>
-          </a:p>
-          <a:p>
-            <a:pPr lvl="1"/>
-            <a:r>
-              <a:rPr lang="en-US" sz="1800" dirty="0">
-                <a:effectLst/>
-                <a:latin typeface="Calibri" panose="020F0502020204030204" pitchFamily="34" charset="0"/>
-                <a:ea typeface="DengXian" panose="02010600030101010101" pitchFamily="2" charset="-122"/>
-                <a:cs typeface="Times New Roman" panose="02020603050405020304" pitchFamily="18" charset="0"/>
-              </a:rPr>
-              <a:t>Count total # of cities by region (</a:t>
-            </a:r>
-            <a:r>
-              <a:rPr lang="en-US" sz="1800" dirty="0">
-                <a:solidFill>
-                  <a:schemeClr val="bg1"/>
-                </a:solidFill>
-                <a:effectLst/>
-                <a:highlight>
-                  <a:srgbClr val="FFFF00"/>
-                </a:highlight>
-                <a:latin typeface="Calibri" panose="020F0502020204030204" pitchFamily="34" charset="0"/>
-                <a:ea typeface="DengXian" panose="02010600030101010101" pitchFamily="2" charset="-122"/>
-                <a:cs typeface="Times New Roman" panose="02020603050405020304" pitchFamily="18" charset="0"/>
-              </a:rPr>
-              <a:t>chart1</a:t>
-            </a:r>
-            <a:r>
-              <a:rPr lang="en-US" sz="1800" dirty="0">
-                <a:effectLst/>
-                <a:latin typeface="Calibri" panose="020F0502020204030204" pitchFamily="34" charset="0"/>
-                <a:ea typeface="DengXian" panose="02010600030101010101" pitchFamily="2" charset="-122"/>
-                <a:cs typeface="Times New Roman" panose="02020603050405020304" pitchFamily="18" charset="0"/>
-              </a:rPr>
-              <a:t>)</a:t>
-            </a:r>
-          </a:p>
-          <a:p>
-            <a:pPr lvl="1"/>
-            <a:r>
-              <a:rPr lang="en-US" sz="1800" dirty="0">
-                <a:latin typeface="Calibri" panose="020F0502020204030204" pitchFamily="34" charset="0"/>
-                <a:ea typeface="DengXian" panose="02010600030101010101" pitchFamily="2" charset="-122"/>
-                <a:cs typeface="Times New Roman" panose="02020603050405020304" pitchFamily="18" charset="0"/>
-              </a:rPr>
-              <a:t>Count </a:t>
-            </a:r>
-            <a:r>
-              <a:rPr lang="en-US" sz="1800" dirty="0">
-                <a:effectLst/>
-                <a:latin typeface="Calibri" panose="020F0502020204030204" pitchFamily="34" charset="0"/>
-                <a:ea typeface="DengXian" panose="02010600030101010101" pitchFamily="2" charset="-122"/>
-                <a:cs typeface="Times New Roman" panose="02020603050405020304" pitchFamily="18" charset="0"/>
-              </a:rPr>
-              <a:t>total # of solar panels with direction breakdowns by region (</a:t>
-            </a:r>
-            <a:r>
-              <a:rPr lang="en-US" sz="1800" dirty="0">
-                <a:solidFill>
-                  <a:schemeClr val="bg1"/>
-                </a:solidFill>
-                <a:effectLst/>
-                <a:highlight>
-                  <a:srgbClr val="FFFF00"/>
-                </a:highlight>
-                <a:latin typeface="Calibri" panose="020F0502020204030204" pitchFamily="34" charset="0"/>
-                <a:ea typeface="DengXian" panose="02010600030101010101" pitchFamily="2" charset="-122"/>
-                <a:cs typeface="Times New Roman" panose="02020603050405020304" pitchFamily="18" charset="0"/>
-              </a:rPr>
-              <a:t>chart2</a:t>
-            </a:r>
-            <a:r>
-              <a:rPr lang="en-US" sz="1800" dirty="0">
-                <a:effectLst/>
-                <a:latin typeface="Calibri" panose="020F0502020204030204" pitchFamily="34" charset="0"/>
-                <a:ea typeface="DengXian" panose="02010600030101010101" pitchFamily="2" charset="-122"/>
-                <a:cs typeface="Times New Roman" panose="02020603050405020304" pitchFamily="18" charset="0"/>
-              </a:rPr>
-              <a:t>)</a:t>
-            </a:r>
-          </a:p>
-          <a:p>
-            <a:pPr lvl="1"/>
-            <a:r>
-              <a:rPr lang="en-US" sz="1800" dirty="0">
-                <a:latin typeface="Calibri" panose="020F0502020204030204" pitchFamily="34" charset="0"/>
-                <a:ea typeface="DengXian" panose="02010600030101010101" pitchFamily="2" charset="-122"/>
-                <a:cs typeface="Times New Roman" panose="02020603050405020304" pitchFamily="18" charset="0"/>
-              </a:rPr>
-              <a:t>Count total </a:t>
-            </a:r>
-            <a:r>
-              <a:rPr lang="en-US" sz="1800" dirty="0">
-                <a:effectLst/>
-                <a:latin typeface="Calibri" panose="020F0502020204030204" pitchFamily="34" charset="0"/>
-                <a:ea typeface="DengXian" panose="02010600030101010101" pitchFamily="2" charset="-122"/>
-                <a:cs typeface="Times New Roman" panose="02020603050405020304" pitchFamily="18" charset="0"/>
-              </a:rPr>
-              <a:t>solar energy production potential by region (</a:t>
-            </a:r>
-            <a:r>
-              <a:rPr lang="en-US" sz="1800" dirty="0">
-                <a:solidFill>
-                  <a:schemeClr val="bg1"/>
-                </a:solidFill>
-                <a:effectLst/>
-                <a:highlight>
-                  <a:srgbClr val="FFFF00"/>
-                </a:highlight>
-                <a:latin typeface="Calibri" panose="020F0502020204030204" pitchFamily="34" charset="0"/>
-                <a:ea typeface="DengXian" panose="02010600030101010101" pitchFamily="2" charset="-122"/>
-                <a:cs typeface="Times New Roman" panose="02020603050405020304" pitchFamily="18" charset="0"/>
-              </a:rPr>
-              <a:t>chart3</a:t>
-            </a:r>
-            <a:r>
-              <a:rPr lang="en-US" sz="1800" dirty="0">
-                <a:effectLst/>
-                <a:latin typeface="Calibri" panose="020F0502020204030204" pitchFamily="34" charset="0"/>
-                <a:ea typeface="DengXian" panose="02010600030101010101" pitchFamily="2" charset="-122"/>
-                <a:cs typeface="Times New Roman" panose="02020603050405020304" pitchFamily="18" charset="0"/>
-              </a:rPr>
-              <a:t>)</a:t>
-            </a:r>
-          </a:p>
-          <a:p>
-            <a:r>
-              <a:rPr lang="en-US" sz="2000" dirty="0">
-                <a:latin typeface="Calibri" panose="020F0502020204030204" pitchFamily="34" charset="0"/>
-                <a:ea typeface="DengXian" panose="02010600030101010101" pitchFamily="2" charset="-122"/>
-                <a:cs typeface="Times New Roman" panose="02020603050405020304" pitchFamily="18" charset="0"/>
-              </a:rPr>
-              <a:t>Get additional independent variables</a:t>
-            </a:r>
-          </a:p>
-          <a:p>
-            <a:pPr lvl="1"/>
-            <a:r>
-              <a:rPr lang="en-US" sz="1800" dirty="0">
-                <a:latin typeface="Calibri" panose="020F0502020204030204" pitchFamily="34" charset="0"/>
-                <a:ea typeface="DengXian" panose="02010600030101010101" pitchFamily="2" charset="-122"/>
-                <a:cs typeface="Times New Roman" panose="02020603050405020304" pitchFamily="18" charset="0"/>
-              </a:rPr>
-              <a:t>Calculate the average solar energy potential generated by each panel by region (</a:t>
-            </a:r>
-            <a:r>
-              <a:rPr lang="en-US" sz="1800" dirty="0">
-                <a:solidFill>
-                  <a:schemeClr val="bg1"/>
-                </a:solidFill>
-                <a:highlight>
-                  <a:srgbClr val="FFFF00"/>
-                </a:highlight>
-                <a:latin typeface="Calibri" panose="020F0502020204030204" pitchFamily="34" charset="0"/>
-                <a:ea typeface="DengXian" panose="02010600030101010101" pitchFamily="2" charset="-122"/>
-                <a:cs typeface="Times New Roman" panose="02020603050405020304" pitchFamily="18" charset="0"/>
-              </a:rPr>
-              <a:t>charts 4-8, table1</a:t>
-            </a:r>
-            <a:r>
-              <a:rPr lang="en-US" sz="1800" dirty="0">
-                <a:latin typeface="Calibri" panose="020F0502020204030204" pitchFamily="34" charset="0"/>
-                <a:ea typeface="DengXian" panose="02010600030101010101" pitchFamily="2" charset="-122"/>
-                <a:cs typeface="Times New Roman" panose="02020603050405020304" pitchFamily="18" charset="0"/>
-              </a:rPr>
-              <a:t>)</a:t>
-            </a:r>
-          </a:p>
-          <a:p>
-            <a:pPr lvl="1"/>
-            <a:r>
-              <a:rPr lang="en-US" sz="1800" dirty="0">
-                <a:latin typeface="Calibri" panose="020F0502020204030204" pitchFamily="34" charset="0"/>
-                <a:ea typeface="DengXian" panose="02010600030101010101" pitchFamily="2" charset="-122"/>
-                <a:cs typeface="Times New Roman" panose="02020603050405020304" pitchFamily="18" charset="0"/>
-              </a:rPr>
-              <a:t>Find sunlight energy potential per panel per direction for each city</a:t>
-            </a:r>
-          </a:p>
-          <a:p>
-            <a:pPr lvl="2"/>
-            <a:r>
-              <a:rPr lang="en-US" sz="1600" dirty="0">
-                <a:effectLst/>
-                <a:latin typeface="Calibri" panose="020F0502020204030204" pitchFamily="34" charset="0"/>
-                <a:ea typeface="DengXian" panose="02010600030101010101" pitchFamily="2" charset="-122"/>
-                <a:cs typeface="Times New Roman" panose="02020603050405020304" pitchFamily="18" charset="0"/>
-              </a:rPr>
-              <a:t>i.e. </a:t>
-            </a:r>
-            <a:r>
-              <a:rPr lang="en-US" sz="1600" dirty="0" err="1">
-                <a:effectLst/>
-                <a:latin typeface="Calibri" panose="020F0502020204030204" pitchFamily="34" charset="0"/>
-                <a:ea typeface="DengXian" panose="02010600030101010101" pitchFamily="2" charset="-122"/>
-                <a:cs typeface="Times New Roman" panose="02020603050405020304" pitchFamily="18" charset="0"/>
-              </a:rPr>
-              <a:t>sunlight_north</a:t>
-            </a:r>
-            <a:r>
-              <a:rPr lang="en-US" sz="1600" dirty="0">
-                <a:effectLst/>
-                <a:latin typeface="Calibri" panose="020F0502020204030204" pitchFamily="34" charset="0"/>
-                <a:ea typeface="DengXian" panose="02010600030101010101" pitchFamily="2" charset="-122"/>
-                <a:cs typeface="Times New Roman" panose="02020603050405020304" pitchFamily="18" charset="0"/>
-              </a:rPr>
-              <a:t> / </a:t>
-            </a:r>
-            <a:r>
-              <a:rPr lang="en-US" sz="1600" dirty="0" err="1">
-                <a:effectLst/>
-                <a:latin typeface="Calibri" panose="020F0502020204030204" pitchFamily="34" charset="0"/>
-                <a:ea typeface="DengXian" panose="02010600030101010101" pitchFamily="2" charset="-122"/>
-                <a:cs typeface="Times New Roman" panose="02020603050405020304" pitchFamily="18" charset="0"/>
-              </a:rPr>
-              <a:t>panels_north</a:t>
-            </a:r>
-            <a:r>
-              <a:rPr lang="en-US" sz="1600" dirty="0">
-                <a:effectLst/>
-                <a:latin typeface="Calibri" panose="020F0502020204030204" pitchFamily="34" charset="0"/>
-                <a:ea typeface="DengXian" panose="02010600030101010101" pitchFamily="2" charset="-122"/>
-                <a:cs typeface="Times New Roman" panose="02020603050405020304" pitchFamily="18" charset="0"/>
-              </a:rPr>
-              <a:t> = estimated total solar energy generation potential per panel in city x</a:t>
-            </a:r>
-          </a:p>
-          <a:p>
-            <a:r>
-              <a:rPr lang="en-US" sz="2000" dirty="0">
-                <a:latin typeface="Calibri" panose="020F0502020204030204" pitchFamily="34" charset="0"/>
-                <a:ea typeface="DengXian" panose="02010600030101010101" pitchFamily="2" charset="-122"/>
-                <a:cs typeface="Times New Roman" panose="02020603050405020304" pitchFamily="18" charset="0"/>
-              </a:rPr>
-              <a:t>Relationship check for model building (</a:t>
-            </a:r>
-            <a:r>
-              <a:rPr lang="en-US" sz="2000" b="1" i="1" dirty="0">
-                <a:latin typeface="Calibri" panose="020F0502020204030204" pitchFamily="34" charset="0"/>
-                <a:ea typeface="DengXian" panose="02010600030101010101" pitchFamily="2" charset="-122"/>
-                <a:cs typeface="Times New Roman" panose="02020603050405020304" pitchFamily="18" charset="0"/>
-              </a:rPr>
-              <a:t>below 4 + above 2</a:t>
-            </a:r>
-            <a:r>
-              <a:rPr lang="en-US" sz="2000" dirty="0">
-                <a:latin typeface="Calibri" panose="020F0502020204030204" pitchFamily="34" charset="0"/>
-                <a:ea typeface="DengXian" panose="02010600030101010101" pitchFamily="2" charset="-122"/>
-                <a:cs typeface="Times New Roman" panose="02020603050405020304" pitchFamily="18" charset="0"/>
-              </a:rPr>
-              <a:t>)</a:t>
-            </a:r>
-          </a:p>
-          <a:p>
-            <a:pPr lvl="1"/>
-            <a:r>
-              <a:rPr lang="en-US" sz="1800" dirty="0">
-                <a:latin typeface="Calibri" panose="020F0502020204030204" pitchFamily="34" charset="0"/>
-                <a:ea typeface="DengXian" panose="02010600030101010101" pitchFamily="2" charset="-122"/>
-                <a:cs typeface="Times New Roman" panose="02020603050405020304" pitchFamily="18" charset="0"/>
-              </a:rPr>
-              <a:t>Any relationship between carbon offset and solar panels? (</a:t>
-            </a:r>
-            <a:r>
-              <a:rPr lang="en-US" sz="1800" dirty="0" err="1">
-                <a:solidFill>
-                  <a:schemeClr val="bg1"/>
-                </a:solidFill>
-                <a:highlight>
-                  <a:srgbClr val="FFFF00"/>
-                </a:highlight>
-                <a:latin typeface="Calibri" panose="020F0502020204030204" pitchFamily="34" charset="0"/>
-                <a:ea typeface="DengXian" panose="02010600030101010101" pitchFamily="2" charset="-122"/>
-                <a:cs typeface="Times New Roman" panose="02020603050405020304" pitchFamily="18" charset="0"/>
-              </a:rPr>
-              <a:t>qq</a:t>
-            </a:r>
-            <a:r>
-              <a:rPr lang="en-US" sz="1800" dirty="0">
-                <a:solidFill>
-                  <a:schemeClr val="bg1"/>
-                </a:solidFill>
-                <a:highlight>
-                  <a:srgbClr val="FFFF00"/>
-                </a:highlight>
-                <a:latin typeface="Calibri" panose="020F0502020204030204" pitchFamily="34" charset="0"/>
-                <a:ea typeface="DengXian" panose="02010600030101010101" pitchFamily="2" charset="-122"/>
-                <a:cs typeface="Times New Roman" panose="02020603050405020304" pitchFamily="18" charset="0"/>
-              </a:rPr>
-              <a:t>-plot + </a:t>
-            </a:r>
-            <a:r>
-              <a:rPr lang="en-US" sz="1800" dirty="0" err="1">
-                <a:solidFill>
-                  <a:schemeClr val="bg1"/>
-                </a:solidFill>
-                <a:highlight>
-                  <a:srgbClr val="FFFF00"/>
-                </a:highlight>
-                <a:latin typeface="Calibri" panose="020F0502020204030204" pitchFamily="34" charset="0"/>
-                <a:ea typeface="DengXian" panose="02010600030101010101" pitchFamily="2" charset="-122"/>
-                <a:cs typeface="Times New Roman" panose="02020603050405020304" pitchFamily="18" charset="0"/>
-              </a:rPr>
-              <a:t>cor</a:t>
-            </a:r>
-            <a:r>
-              <a:rPr lang="en-US" sz="1800" dirty="0">
-                <a:solidFill>
-                  <a:schemeClr val="bg1"/>
-                </a:solidFill>
-                <a:highlight>
-                  <a:srgbClr val="FFFF00"/>
-                </a:highlight>
-                <a:latin typeface="Calibri" panose="020F0502020204030204" pitchFamily="34" charset="0"/>
-                <a:ea typeface="DengXian" panose="02010600030101010101" pitchFamily="2" charset="-122"/>
-                <a:cs typeface="Times New Roman" panose="02020603050405020304" pitchFamily="18" charset="0"/>
-              </a:rPr>
-              <a:t> test</a:t>
-            </a:r>
-            <a:r>
-              <a:rPr lang="en-US" sz="1800" dirty="0">
-                <a:latin typeface="Calibri" panose="020F0502020204030204" pitchFamily="34" charset="0"/>
-                <a:ea typeface="DengXian" panose="02010600030101010101" pitchFamily="2" charset="-122"/>
-                <a:cs typeface="Times New Roman" panose="02020603050405020304" pitchFamily="18" charset="0"/>
-              </a:rPr>
-              <a:t>)</a:t>
-            </a:r>
-          </a:p>
-          <a:p>
-            <a:pPr lvl="1"/>
-            <a:r>
-              <a:rPr lang="en-US" sz="1800" dirty="0">
-                <a:latin typeface="Calibri" panose="020F0502020204030204" pitchFamily="34" charset="0"/>
-                <a:ea typeface="DengXian" panose="02010600030101010101" pitchFamily="2" charset="-122"/>
-                <a:cs typeface="Times New Roman" panose="02020603050405020304" pitchFamily="18" charset="0"/>
-              </a:rPr>
-              <a:t>Any relationship between carbon offset and solar potential? (</a:t>
-            </a:r>
-            <a:r>
-              <a:rPr lang="en-US" sz="1800" dirty="0" err="1">
-                <a:solidFill>
-                  <a:schemeClr val="bg1"/>
-                </a:solidFill>
-                <a:highlight>
-                  <a:srgbClr val="FFFF00"/>
-                </a:highlight>
-                <a:latin typeface="Calibri" panose="020F0502020204030204" pitchFamily="34" charset="0"/>
-                <a:ea typeface="DengXian" panose="02010600030101010101" pitchFamily="2" charset="-122"/>
-                <a:cs typeface="Times New Roman" panose="02020603050405020304" pitchFamily="18" charset="0"/>
-              </a:rPr>
-              <a:t>qq</a:t>
-            </a:r>
-            <a:r>
-              <a:rPr lang="en-US" sz="1800" dirty="0">
-                <a:solidFill>
-                  <a:schemeClr val="bg1"/>
-                </a:solidFill>
-                <a:highlight>
-                  <a:srgbClr val="FFFF00"/>
-                </a:highlight>
-                <a:latin typeface="Calibri" panose="020F0502020204030204" pitchFamily="34" charset="0"/>
-                <a:ea typeface="DengXian" panose="02010600030101010101" pitchFamily="2" charset="-122"/>
-                <a:cs typeface="Times New Roman" panose="02020603050405020304" pitchFamily="18" charset="0"/>
-              </a:rPr>
-              <a:t>-plot + </a:t>
-            </a:r>
-            <a:r>
-              <a:rPr lang="en-US" sz="1800" dirty="0" err="1">
-                <a:solidFill>
-                  <a:schemeClr val="bg1"/>
-                </a:solidFill>
-                <a:highlight>
-                  <a:srgbClr val="FFFF00"/>
-                </a:highlight>
-                <a:latin typeface="Calibri" panose="020F0502020204030204" pitchFamily="34" charset="0"/>
-                <a:ea typeface="DengXian" panose="02010600030101010101" pitchFamily="2" charset="-122"/>
-                <a:cs typeface="Times New Roman" panose="02020603050405020304" pitchFamily="18" charset="0"/>
-              </a:rPr>
-              <a:t>cor</a:t>
-            </a:r>
-            <a:r>
-              <a:rPr lang="en-US" sz="1800" dirty="0">
-                <a:solidFill>
-                  <a:schemeClr val="bg1"/>
-                </a:solidFill>
-                <a:highlight>
-                  <a:srgbClr val="FFFF00"/>
-                </a:highlight>
-                <a:latin typeface="Calibri" panose="020F0502020204030204" pitchFamily="34" charset="0"/>
-                <a:ea typeface="DengXian" panose="02010600030101010101" pitchFamily="2" charset="-122"/>
-                <a:cs typeface="Times New Roman" panose="02020603050405020304" pitchFamily="18" charset="0"/>
-              </a:rPr>
-              <a:t> test</a:t>
-            </a:r>
-            <a:r>
-              <a:rPr lang="en-US" sz="1800" dirty="0">
-                <a:latin typeface="Calibri" panose="020F0502020204030204" pitchFamily="34" charset="0"/>
-                <a:ea typeface="DengXian" panose="02010600030101010101" pitchFamily="2" charset="-122"/>
-                <a:cs typeface="Times New Roman" panose="02020603050405020304" pitchFamily="18" charset="0"/>
-              </a:rPr>
-              <a:t>)</a:t>
-            </a:r>
-          </a:p>
-          <a:p>
-            <a:pPr lvl="1"/>
-            <a:r>
-              <a:rPr lang="en-US" sz="1800" dirty="0">
-                <a:latin typeface="Calibri" panose="020F0502020204030204" pitchFamily="34" charset="0"/>
-                <a:ea typeface="DengXian" panose="02010600030101010101" pitchFamily="2" charset="-122"/>
-                <a:cs typeface="Times New Roman" panose="02020603050405020304" pitchFamily="18" charset="0"/>
-              </a:rPr>
-              <a:t>Any relationship between carbon offset and solar panel direction? (</a:t>
-            </a:r>
-            <a:r>
-              <a:rPr lang="en-US" sz="1800" dirty="0" err="1">
-                <a:solidFill>
-                  <a:schemeClr val="bg1"/>
-                </a:solidFill>
-                <a:highlight>
-                  <a:srgbClr val="FFFF00"/>
-                </a:highlight>
-                <a:latin typeface="Calibri" panose="020F0502020204030204" pitchFamily="34" charset="0"/>
-                <a:ea typeface="DengXian" panose="02010600030101010101" pitchFamily="2" charset="-122"/>
-                <a:cs typeface="Times New Roman" panose="02020603050405020304" pitchFamily="18" charset="0"/>
-              </a:rPr>
-              <a:t>qq</a:t>
-            </a:r>
-            <a:r>
-              <a:rPr lang="en-US" sz="1800" dirty="0">
-                <a:solidFill>
-                  <a:schemeClr val="bg1"/>
-                </a:solidFill>
-                <a:highlight>
-                  <a:srgbClr val="FFFF00"/>
-                </a:highlight>
-                <a:latin typeface="Calibri" panose="020F0502020204030204" pitchFamily="34" charset="0"/>
-                <a:ea typeface="DengXian" panose="02010600030101010101" pitchFamily="2" charset="-122"/>
-                <a:cs typeface="Times New Roman" panose="02020603050405020304" pitchFamily="18" charset="0"/>
-              </a:rPr>
-              <a:t>-plot + </a:t>
-            </a:r>
-            <a:r>
-              <a:rPr lang="en-US" sz="1800" dirty="0" err="1">
-                <a:solidFill>
-                  <a:schemeClr val="bg1"/>
-                </a:solidFill>
-                <a:highlight>
-                  <a:srgbClr val="FFFF00"/>
-                </a:highlight>
-                <a:latin typeface="Calibri" panose="020F0502020204030204" pitchFamily="34" charset="0"/>
-                <a:ea typeface="DengXian" panose="02010600030101010101" pitchFamily="2" charset="-122"/>
-                <a:cs typeface="Times New Roman" panose="02020603050405020304" pitchFamily="18" charset="0"/>
-              </a:rPr>
-              <a:t>cor</a:t>
-            </a:r>
-            <a:r>
-              <a:rPr lang="en-US" sz="1800" dirty="0">
-                <a:solidFill>
-                  <a:schemeClr val="bg1"/>
-                </a:solidFill>
-                <a:highlight>
-                  <a:srgbClr val="FFFF00"/>
-                </a:highlight>
-                <a:latin typeface="Calibri" panose="020F0502020204030204" pitchFamily="34" charset="0"/>
-                <a:ea typeface="DengXian" panose="02010600030101010101" pitchFamily="2" charset="-122"/>
-                <a:cs typeface="Times New Roman" panose="02020603050405020304" pitchFamily="18" charset="0"/>
-              </a:rPr>
-              <a:t> test</a:t>
-            </a:r>
-            <a:r>
-              <a:rPr lang="en-US" sz="1800" dirty="0">
-                <a:latin typeface="Calibri" panose="020F0502020204030204" pitchFamily="34" charset="0"/>
-                <a:ea typeface="DengXian" panose="02010600030101010101" pitchFamily="2" charset="-122"/>
-                <a:cs typeface="Times New Roman" panose="02020603050405020304" pitchFamily="18" charset="0"/>
-              </a:rPr>
-              <a:t>)</a:t>
-            </a:r>
-          </a:p>
-          <a:p>
-            <a:pPr lvl="1"/>
-            <a:r>
-              <a:rPr lang="en-US" sz="1800" dirty="0">
-                <a:latin typeface="Calibri" panose="020F0502020204030204" pitchFamily="34" charset="0"/>
-                <a:ea typeface="DengXian" panose="02010600030101010101" pitchFamily="2" charset="-122"/>
-                <a:cs typeface="Times New Roman" panose="02020603050405020304" pitchFamily="18" charset="0"/>
-              </a:rPr>
-              <a:t>Any relationship between carbon offset and solar location (use </a:t>
-            </a:r>
-            <a:r>
-              <a:rPr lang="en-US" sz="1800" dirty="0" err="1">
-                <a:latin typeface="Calibri" panose="020F0502020204030204" pitchFamily="34" charset="0"/>
-                <a:ea typeface="DengXian" panose="02010600030101010101" pitchFamily="2" charset="-122"/>
-                <a:cs typeface="Times New Roman" panose="02020603050405020304" pitchFamily="18" charset="0"/>
-              </a:rPr>
-              <a:t>lat</a:t>
-            </a:r>
-            <a:r>
-              <a:rPr lang="en-US" sz="1800" dirty="0">
-                <a:latin typeface="Calibri" panose="020F0502020204030204" pitchFamily="34" charset="0"/>
-                <a:ea typeface="DengXian" panose="02010600030101010101" pitchFamily="2" charset="-122"/>
-                <a:cs typeface="Times New Roman" panose="02020603050405020304" pitchFamily="18" charset="0"/>
-              </a:rPr>
-              <a:t>, long data)? (</a:t>
-            </a:r>
-            <a:r>
-              <a:rPr lang="en-US" sz="1800" dirty="0" err="1">
-                <a:solidFill>
-                  <a:schemeClr val="bg1"/>
-                </a:solidFill>
-                <a:highlight>
-                  <a:srgbClr val="FFFF00"/>
-                </a:highlight>
-                <a:latin typeface="Calibri" panose="020F0502020204030204" pitchFamily="34" charset="0"/>
-                <a:ea typeface="DengXian" panose="02010600030101010101" pitchFamily="2" charset="-122"/>
-                <a:cs typeface="Times New Roman" panose="02020603050405020304" pitchFamily="18" charset="0"/>
-              </a:rPr>
-              <a:t>qq</a:t>
-            </a:r>
-            <a:r>
-              <a:rPr lang="en-US" sz="1800" dirty="0">
-                <a:solidFill>
-                  <a:schemeClr val="bg1"/>
-                </a:solidFill>
-                <a:highlight>
-                  <a:srgbClr val="FFFF00"/>
-                </a:highlight>
-                <a:latin typeface="Calibri" panose="020F0502020204030204" pitchFamily="34" charset="0"/>
-                <a:ea typeface="DengXian" panose="02010600030101010101" pitchFamily="2" charset="-122"/>
-                <a:cs typeface="Times New Roman" panose="02020603050405020304" pitchFamily="18" charset="0"/>
-              </a:rPr>
-              <a:t>-plot + </a:t>
-            </a:r>
-            <a:r>
-              <a:rPr lang="en-US" sz="1800" dirty="0" err="1">
-                <a:solidFill>
-                  <a:schemeClr val="bg1"/>
-                </a:solidFill>
-                <a:highlight>
-                  <a:srgbClr val="FFFF00"/>
-                </a:highlight>
-                <a:latin typeface="Calibri" panose="020F0502020204030204" pitchFamily="34" charset="0"/>
-                <a:ea typeface="DengXian" panose="02010600030101010101" pitchFamily="2" charset="-122"/>
-                <a:cs typeface="Times New Roman" panose="02020603050405020304" pitchFamily="18" charset="0"/>
-              </a:rPr>
-              <a:t>cor</a:t>
-            </a:r>
-            <a:r>
-              <a:rPr lang="en-US" sz="1800" dirty="0">
-                <a:solidFill>
-                  <a:schemeClr val="bg1"/>
-                </a:solidFill>
-                <a:highlight>
-                  <a:srgbClr val="FFFF00"/>
-                </a:highlight>
-                <a:latin typeface="Calibri" panose="020F0502020204030204" pitchFamily="34" charset="0"/>
-                <a:ea typeface="DengXian" panose="02010600030101010101" pitchFamily="2" charset="-122"/>
-                <a:cs typeface="Times New Roman" panose="02020603050405020304" pitchFamily="18" charset="0"/>
-              </a:rPr>
-              <a:t> test</a:t>
-            </a:r>
-            <a:r>
-              <a:rPr lang="en-US" sz="1800" dirty="0">
-                <a:latin typeface="Calibri" panose="020F0502020204030204" pitchFamily="34" charset="0"/>
-                <a:ea typeface="DengXian" panose="02010600030101010101" pitchFamily="2" charset="-122"/>
-                <a:cs typeface="Times New Roman" panose="02020603050405020304" pitchFamily="18" charset="0"/>
-              </a:rPr>
-              <a:t>)</a:t>
-            </a:r>
-          </a:p>
-          <a:p>
-            <a:pPr marL="457200" lvl="1" indent="0">
-              <a:buNone/>
-            </a:pPr>
-            <a:endParaRPr lang="en-US" sz="1800" dirty="0">
-              <a:latin typeface="Calibri" panose="020F0502020204030204" pitchFamily="34" charset="0"/>
-              <a:ea typeface="DengXian" panose="02010600030101010101" pitchFamily="2" charset="-122"/>
-              <a:cs typeface="Times New Roman" panose="02020603050405020304" pitchFamily="18" charset="0"/>
-            </a:endParaRPr>
-          </a:p>
-          <a:p>
-            <a:pPr lvl="1"/>
-            <a:endParaRPr lang="en-US" sz="1800" dirty="0">
-              <a:latin typeface="Calibri" panose="020F0502020204030204" pitchFamily="34" charset="0"/>
-              <a:ea typeface="DengXian" panose="02010600030101010101" pitchFamily="2" charset="-122"/>
-              <a:cs typeface="Times New Roman" panose="02020603050405020304" pitchFamily="18" charset="0"/>
-            </a:endParaRPr>
-          </a:p>
-          <a:p>
-            <a:pPr lvl="1"/>
-            <a:endParaRPr lang="en-US" sz="1800" dirty="0">
-              <a:effectLst/>
-              <a:latin typeface="Calibri" panose="020F0502020204030204" pitchFamily="34" charset="0"/>
-              <a:ea typeface="DengXian" panose="02010600030101010101" pitchFamily="2" charset="-122"/>
-              <a:cs typeface="Times New Roman" panose="02020603050405020304" pitchFamily="18" charset="0"/>
-            </a:endParaRPr>
-          </a:p>
-          <a:p>
-            <a:pPr lvl="1"/>
-            <a:endParaRPr lang="en-US" sz="1800" dirty="0">
-              <a:latin typeface="Calibri" panose="020F0502020204030204" pitchFamily="34" charset="0"/>
-              <a:ea typeface="DengXian" panose="02010600030101010101" pitchFamily="2" charset="-122"/>
-              <a:cs typeface="Times New Roman" panose="02020603050405020304" pitchFamily="18" charset="0"/>
-            </a:endParaRPr>
-          </a:p>
-          <a:p>
-            <a:endParaRPr lang="en-US" sz="2000" dirty="0">
-              <a:effectLst/>
-              <a:latin typeface="Calibri" panose="020F0502020204030204" pitchFamily="34" charset="0"/>
-              <a:ea typeface="DengXian" panose="02010600030101010101" pitchFamily="2" charset="-122"/>
-              <a:cs typeface="Times New Roman" panose="02020603050405020304" pitchFamily="18" charset="0"/>
-            </a:endParaRPr>
-          </a:p>
-          <a:p>
-            <a:pPr lvl="1"/>
-            <a:endParaRPr lang="en-US" dirty="0">
-              <a:effectLst/>
-              <a:latin typeface="Calibri" panose="020F0502020204030204" pitchFamily="34" charset="0"/>
-              <a:ea typeface="DengXian" panose="02010600030101010101" pitchFamily="2" charset="-122"/>
-              <a:cs typeface="Times New Roman" panose="02020603050405020304" pitchFamily="18" charset="0"/>
-            </a:endParaRPr>
-          </a:p>
-          <a:p>
-            <a:endParaRPr lang="en-US" dirty="0"/>
-          </a:p>
-        </p:txBody>
-      </p:sp>
-    </p:spTree>
-    <p:extLst>
-      <p:ext uri="{BB962C8B-B14F-4D97-AF65-F5344CB8AC3E}">
-        <p14:creationId xmlns:p14="http://schemas.microsoft.com/office/powerpoint/2010/main" val="2447973969"/>
-      </p:ext>
-    </p:extLst>
-  </p:cSld>
-  <p:clrMapOvr>
-    <a:masterClrMapping/>
   </p:clrMapOvr>
 </p:sld>
 </file>

--- a/6101 Group Project New Version_Jichong_3.20.pptx
+++ b/6101 Group Project New Version_Jichong_3.20.pptx
@@ -17,8 +17,8 @@
     <p:sldId id="259" r:id="rId11"/>
     <p:sldId id="263" r:id="rId12"/>
     <p:sldId id="269" r:id="rId13"/>
-    <p:sldId id="268" r:id="rId14"/>
-    <p:sldId id="264" r:id="rId15"/>
+    <p:sldId id="264" r:id="rId14"/>
+    <p:sldId id="268" r:id="rId15"/>
     <p:sldId id="267" r:id="rId16"/>
     <p:sldId id="270" r:id="rId17"/>
     <p:sldId id="271" r:id="rId18"/>
@@ -145,8 +145,8 @@
             <p14:sldId id="259"/>
             <p14:sldId id="263"/>
             <p14:sldId id="269"/>
+            <p14:sldId id="264"/>
             <p14:sldId id="268"/>
-            <p14:sldId id="264"/>
             <p14:sldId id="267"/>
             <p14:sldId id="270"/>
             <p14:sldId id="271"/>
@@ -167,6 +167,387 @@
     </p:ext>
   </p:extLst>
 </p:presentation>
+</file>
+
+<file path=ppt/changesInfos/changesInfo1.xml><?xml version="1.0" encoding="utf-8"?>
+<pc:chgInfo xmlns:a="http://schemas.openxmlformats.org/drawingml/2006/main" xmlns:r="http://schemas.openxmlformats.org/officeDocument/2006/relationships" xmlns:ac="http://schemas.microsoft.com/office/drawing/2013/main/command" xmlns:pc="http://schemas.microsoft.com/office/powerpoint/2013/main/command">
+  <pc:docChgLst>
+    <pc:chgData name="Bradley Reardon" userId="a17d7f7e761d2a81" providerId="LiveId" clId="{5002F829-7E52-4D44-A838-F5EB72B24A15}"/>
+    <pc:docChg chg="undo custSel modSld sldOrd">
+      <pc:chgData name="Bradley Reardon" userId="a17d7f7e761d2a81" providerId="LiveId" clId="{5002F829-7E52-4D44-A838-F5EB72B24A15}" dt="2021-03-20T18:52:27.930" v="388" actId="1076"/>
+      <pc:docMkLst>
+        <pc:docMk/>
+      </pc:docMkLst>
+      <pc:sldChg chg="modSp mod">
+        <pc:chgData name="Bradley Reardon" userId="a17d7f7e761d2a81" providerId="LiveId" clId="{5002F829-7E52-4D44-A838-F5EB72B24A15}" dt="2021-03-20T17:51:40.141" v="200" actId="108"/>
+        <pc:sldMkLst>
+          <pc:docMk/>
+          <pc:sldMk cId="1241395330" sldId="257"/>
+        </pc:sldMkLst>
+        <pc:spChg chg="mod">
+          <ac:chgData name="Bradley Reardon" userId="a17d7f7e761d2a81" providerId="LiveId" clId="{5002F829-7E52-4D44-A838-F5EB72B24A15}" dt="2021-03-20T17:51:40.141" v="200" actId="108"/>
+          <ac:spMkLst>
+            <pc:docMk/>
+            <pc:sldMk cId="1241395330" sldId="257"/>
+            <ac:spMk id="3" creationId="{A9456917-9AC3-442F-9196-7B4ED4C00CAF}"/>
+          </ac:spMkLst>
+        </pc:spChg>
+      </pc:sldChg>
+      <pc:sldChg chg="modSp mod">
+        <pc:chgData name="Bradley Reardon" userId="a17d7f7e761d2a81" providerId="LiveId" clId="{5002F829-7E52-4D44-A838-F5EB72B24A15}" dt="2021-03-20T17:29:56.117" v="64" actId="20577"/>
+        <pc:sldMkLst>
+          <pc:docMk/>
+          <pc:sldMk cId="3045140544" sldId="258"/>
+        </pc:sldMkLst>
+        <pc:spChg chg="mod">
+          <ac:chgData name="Bradley Reardon" userId="a17d7f7e761d2a81" providerId="LiveId" clId="{5002F829-7E52-4D44-A838-F5EB72B24A15}" dt="2021-03-20T17:29:56.117" v="64" actId="20577"/>
+          <ac:spMkLst>
+            <pc:docMk/>
+            <pc:sldMk cId="3045140544" sldId="258"/>
+            <ac:spMk id="3" creationId="{FC16C673-17DA-40DF-BCAD-5A4D7BEB7351}"/>
+          </ac:spMkLst>
+        </pc:spChg>
+      </pc:sldChg>
+      <pc:sldChg chg="addSp delSp modSp mod">
+        <pc:chgData name="Bradley Reardon" userId="a17d7f7e761d2a81" providerId="LiveId" clId="{5002F829-7E52-4D44-A838-F5EB72B24A15}" dt="2021-03-20T17:49:16.088" v="117" actId="1076"/>
+        <pc:sldMkLst>
+          <pc:docMk/>
+          <pc:sldMk cId="2041492678" sldId="263"/>
+        </pc:sldMkLst>
+        <pc:spChg chg="add del mod">
+          <ac:chgData name="Bradley Reardon" userId="a17d7f7e761d2a81" providerId="LiveId" clId="{5002F829-7E52-4D44-A838-F5EB72B24A15}" dt="2021-03-20T17:32:55.271" v="70" actId="478"/>
+          <ac:spMkLst>
+            <pc:docMk/>
+            <pc:sldMk cId="2041492678" sldId="263"/>
+            <ac:spMk id="3" creationId="{086EBA36-FF68-46F9-A101-58F857F51EA9}"/>
+          </ac:spMkLst>
+        </pc:spChg>
+        <pc:picChg chg="mod">
+          <ac:chgData name="Bradley Reardon" userId="a17d7f7e761d2a81" providerId="LiveId" clId="{5002F829-7E52-4D44-A838-F5EB72B24A15}" dt="2021-03-20T17:49:16.088" v="117" actId="1076"/>
+          <ac:picMkLst>
+            <pc:docMk/>
+            <pc:sldMk cId="2041492678" sldId="263"/>
+            <ac:picMk id="4" creationId="{C1BF5DFF-CFD9-44B1-A2ED-53A9D205ED30}"/>
+          </ac:picMkLst>
+        </pc:picChg>
+      </pc:sldChg>
+      <pc:sldChg chg="addSp delSp modSp mod">
+        <pc:chgData name="Bradley Reardon" userId="a17d7f7e761d2a81" providerId="LiveId" clId="{5002F829-7E52-4D44-A838-F5EB72B24A15}" dt="2021-03-20T18:52:27.930" v="388" actId="1076"/>
+        <pc:sldMkLst>
+          <pc:docMk/>
+          <pc:sldMk cId="271426853" sldId="264"/>
+        </pc:sldMkLst>
+        <pc:spChg chg="mod">
+          <ac:chgData name="Bradley Reardon" userId="a17d7f7e761d2a81" providerId="LiveId" clId="{5002F829-7E52-4D44-A838-F5EB72B24A15}" dt="2021-03-20T18:24:21.721" v="274" actId="20577"/>
+          <ac:spMkLst>
+            <pc:docMk/>
+            <pc:sldMk cId="271426853" sldId="264"/>
+            <ac:spMk id="2" creationId="{5CA0080E-7511-4AC4-A8F0-C52C0455BA63}"/>
+          </ac:spMkLst>
+        </pc:spChg>
+        <pc:spChg chg="add del mod">
+          <ac:chgData name="Bradley Reardon" userId="a17d7f7e761d2a81" providerId="LiveId" clId="{5002F829-7E52-4D44-A838-F5EB72B24A15}" dt="2021-03-20T18:28:55.164" v="278" actId="478"/>
+          <ac:spMkLst>
+            <pc:docMk/>
+            <pc:sldMk cId="271426853" sldId="264"/>
+            <ac:spMk id="16" creationId="{2C092319-A691-4A25-AE4F-57310CE862AE}"/>
+          </ac:spMkLst>
+        </pc:spChg>
+        <pc:picChg chg="add del mod">
+          <ac:chgData name="Bradley Reardon" userId="a17d7f7e761d2a81" providerId="LiveId" clId="{5002F829-7E52-4D44-A838-F5EB72B24A15}" dt="2021-03-20T17:43:23.391" v="101" actId="22"/>
+          <ac:picMkLst>
+            <pc:docMk/>
+            <pc:sldMk cId="271426853" sldId="264"/>
+            <ac:picMk id="4" creationId="{4A232B36-A77B-4FEF-B8F0-55F9AABE5CC7}"/>
+          </ac:picMkLst>
+        </pc:picChg>
+        <pc:picChg chg="del">
+          <ac:chgData name="Bradley Reardon" userId="a17d7f7e761d2a81" providerId="LiveId" clId="{5002F829-7E52-4D44-A838-F5EB72B24A15}" dt="2021-03-20T18:28:52.051" v="275" actId="478"/>
+          <ac:picMkLst>
+            <pc:docMk/>
+            <pc:sldMk cId="271426853" sldId="264"/>
+            <ac:picMk id="5" creationId="{CFDCA03D-E2EA-48E9-B886-492475873189}"/>
+          </ac:picMkLst>
+        </pc:picChg>
+        <pc:picChg chg="del">
+          <ac:chgData name="Bradley Reardon" userId="a17d7f7e761d2a81" providerId="LiveId" clId="{5002F829-7E52-4D44-A838-F5EB72B24A15}" dt="2021-03-20T18:28:52.531" v="276" actId="478"/>
+          <ac:picMkLst>
+            <pc:docMk/>
+            <pc:sldMk cId="271426853" sldId="264"/>
+            <ac:picMk id="7" creationId="{39153F6A-22DD-421B-8678-9B88355ABE7C}"/>
+          </ac:picMkLst>
+        </pc:picChg>
+        <pc:picChg chg="add del mod">
+          <ac:chgData name="Bradley Reardon" userId="a17d7f7e761d2a81" providerId="LiveId" clId="{5002F829-7E52-4D44-A838-F5EB72B24A15}" dt="2021-03-20T17:46:44.435" v="106" actId="478"/>
+          <ac:picMkLst>
+            <pc:docMk/>
+            <pc:sldMk cId="271426853" sldId="264"/>
+            <ac:picMk id="8" creationId="{B99A1D77-149B-45EA-9D84-FF03B730468E}"/>
+          </ac:picMkLst>
+        </pc:picChg>
+        <pc:picChg chg="del">
+          <ac:chgData name="Bradley Reardon" userId="a17d7f7e761d2a81" providerId="LiveId" clId="{5002F829-7E52-4D44-A838-F5EB72B24A15}" dt="2021-03-20T18:28:52.973" v="277" actId="478"/>
+          <ac:picMkLst>
+            <pc:docMk/>
+            <pc:sldMk cId="271426853" sldId="264"/>
+            <ac:picMk id="9" creationId="{A260FDCF-1BE9-47F8-AAAA-E61A5251A1C0}"/>
+          </ac:picMkLst>
+        </pc:picChg>
+        <pc:picChg chg="del">
+          <ac:chgData name="Bradley Reardon" userId="a17d7f7e761d2a81" providerId="LiveId" clId="{5002F829-7E52-4D44-A838-F5EB72B24A15}" dt="2021-03-20T18:28:55.708" v="279" actId="478"/>
+          <ac:picMkLst>
+            <pc:docMk/>
+            <pc:sldMk cId="271426853" sldId="264"/>
+            <ac:picMk id="11" creationId="{A91E4C0F-5C35-40D6-98DA-2D1481C67622}"/>
+          </ac:picMkLst>
+        </pc:picChg>
+        <pc:picChg chg="add mod">
+          <ac:chgData name="Bradley Reardon" userId="a17d7f7e761d2a81" providerId="LiveId" clId="{5002F829-7E52-4D44-A838-F5EB72B24A15}" dt="2021-03-20T18:31:35.989" v="323" actId="1076"/>
+          <ac:picMkLst>
+            <pc:docMk/>
+            <pc:sldMk cId="271426853" sldId="264"/>
+            <ac:picMk id="12" creationId="{8D222DA7-075D-48E1-8639-A6FC29485211}"/>
+          </ac:picMkLst>
+        </pc:picChg>
+        <pc:picChg chg="del mod">
+          <ac:chgData name="Bradley Reardon" userId="a17d7f7e761d2a81" providerId="LiveId" clId="{5002F829-7E52-4D44-A838-F5EB72B24A15}" dt="2021-03-20T18:28:56.084" v="280" actId="478"/>
+          <ac:picMkLst>
+            <pc:docMk/>
+            <pc:sldMk cId="271426853" sldId="264"/>
+            <ac:picMk id="13" creationId="{9D19CABD-80F3-43A6-898F-15F088955EAC}"/>
+          </ac:picMkLst>
+        </pc:picChg>
+        <pc:picChg chg="del">
+          <ac:chgData name="Bradley Reardon" userId="a17d7f7e761d2a81" providerId="LiveId" clId="{5002F829-7E52-4D44-A838-F5EB72B24A15}" dt="2021-03-20T17:43:51.810" v="104" actId="478"/>
+          <ac:picMkLst>
+            <pc:docMk/>
+            <pc:sldMk cId="271426853" sldId="264"/>
+            <ac:picMk id="15" creationId="{FC95E5A5-50A6-440C-A5AF-D691F8AA91E1}"/>
+          </ac:picMkLst>
+        </pc:picChg>
+        <pc:picChg chg="add mod">
+          <ac:chgData name="Bradley Reardon" userId="a17d7f7e761d2a81" providerId="LiveId" clId="{5002F829-7E52-4D44-A838-F5EB72B24A15}" dt="2021-03-20T18:52:25.596" v="387" actId="1076"/>
+          <ac:picMkLst>
+            <pc:docMk/>
+            <pc:sldMk cId="271426853" sldId="264"/>
+            <ac:picMk id="18" creationId="{AE2A6F9E-3854-4DE1-A5F3-DD3CBEF7415E}"/>
+          </ac:picMkLst>
+        </pc:picChg>
+        <pc:picChg chg="add mod">
+          <ac:chgData name="Bradley Reardon" userId="a17d7f7e761d2a81" providerId="LiveId" clId="{5002F829-7E52-4D44-A838-F5EB72B24A15}" dt="2021-03-20T18:52:23.238" v="386" actId="1076"/>
+          <ac:picMkLst>
+            <pc:docMk/>
+            <pc:sldMk cId="271426853" sldId="264"/>
+            <ac:picMk id="20" creationId="{1614750A-1CD9-4EFB-B079-B7C3A55338D3}"/>
+          </ac:picMkLst>
+        </pc:picChg>
+        <pc:picChg chg="add mod">
+          <ac:chgData name="Bradley Reardon" userId="a17d7f7e761d2a81" providerId="LiveId" clId="{5002F829-7E52-4D44-A838-F5EB72B24A15}" dt="2021-03-20T18:52:27.930" v="388" actId="1076"/>
+          <ac:picMkLst>
+            <pc:docMk/>
+            <pc:sldMk cId="271426853" sldId="264"/>
+            <ac:picMk id="22" creationId="{F0B00652-3C67-443D-8BCF-B6CC71F1A360}"/>
+          </ac:picMkLst>
+        </pc:picChg>
+        <pc:picChg chg="add mod">
+          <ac:chgData name="Bradley Reardon" userId="a17d7f7e761d2a81" providerId="LiveId" clId="{5002F829-7E52-4D44-A838-F5EB72B24A15}" dt="2021-03-20T18:52:22.281" v="385" actId="1076"/>
+          <ac:picMkLst>
+            <pc:docMk/>
+            <pc:sldMk cId="271426853" sldId="264"/>
+            <ac:picMk id="24" creationId="{17D274B8-6DF1-46AD-9DD7-9E7632ED2F46}"/>
+          </ac:picMkLst>
+        </pc:picChg>
+        <pc:picChg chg="add mod">
+          <ac:chgData name="Bradley Reardon" userId="a17d7f7e761d2a81" providerId="LiveId" clId="{5002F829-7E52-4D44-A838-F5EB72B24A15}" dt="2021-03-20T18:31:20.845" v="317" actId="1076"/>
+          <ac:picMkLst>
+            <pc:docMk/>
+            <pc:sldMk cId="271426853" sldId="264"/>
+            <ac:picMk id="26" creationId="{72310D4E-DE77-4CD3-8E0A-162AA233CE80}"/>
+          </ac:picMkLst>
+        </pc:picChg>
+      </pc:sldChg>
+      <pc:sldChg chg="addSp delSp modSp mod ord">
+        <pc:chgData name="Bradley Reardon" userId="a17d7f7e761d2a81" providerId="LiveId" clId="{5002F829-7E52-4D44-A838-F5EB72B24A15}" dt="2021-03-20T18:37:24.193" v="361" actId="1076"/>
+        <pc:sldMkLst>
+          <pc:docMk/>
+          <pc:sldMk cId="1418613357" sldId="268"/>
+        </pc:sldMkLst>
+        <pc:spChg chg="del mod">
+          <ac:chgData name="Bradley Reardon" userId="a17d7f7e761d2a81" providerId="LiveId" clId="{5002F829-7E52-4D44-A838-F5EB72B24A15}" dt="2021-03-20T17:33:33.996" v="72" actId="478"/>
+          <ac:spMkLst>
+            <pc:docMk/>
+            <pc:sldMk cId="1418613357" sldId="268"/>
+            <ac:spMk id="5" creationId="{B20BCF63-08D7-4EF8-893D-BE7D2255880D}"/>
+          </ac:spMkLst>
+        </pc:spChg>
+        <pc:picChg chg="add del mod">
+          <ac:chgData name="Bradley Reardon" userId="a17d7f7e761d2a81" providerId="LiveId" clId="{5002F829-7E52-4D44-A838-F5EB72B24A15}" dt="2021-03-20T18:03:27.456" v="205" actId="478"/>
+          <ac:picMkLst>
+            <pc:docMk/>
+            <pc:sldMk cId="1418613357" sldId="268"/>
+            <ac:picMk id="4" creationId="{6A5105B3-B9C3-478D-A97F-4DB77A29DAE6}"/>
+          </ac:picMkLst>
+        </pc:picChg>
+        <pc:picChg chg="del">
+          <ac:chgData name="Bradley Reardon" userId="a17d7f7e761d2a81" providerId="LiveId" clId="{5002F829-7E52-4D44-A838-F5EB72B24A15}" dt="2021-03-20T18:05:03.954" v="209" actId="478"/>
+          <ac:picMkLst>
+            <pc:docMk/>
+            <pc:sldMk cId="1418613357" sldId="268"/>
+            <ac:picMk id="6" creationId="{96075AAB-4ED1-4941-BEE1-BB17FDC82CAC}"/>
+          </ac:picMkLst>
+        </pc:picChg>
+        <pc:picChg chg="del">
+          <ac:chgData name="Bradley Reardon" userId="a17d7f7e761d2a81" providerId="LiveId" clId="{5002F829-7E52-4D44-A838-F5EB72B24A15}" dt="2021-03-20T18:01:56.520" v="201" actId="478"/>
+          <ac:picMkLst>
+            <pc:docMk/>
+            <pc:sldMk cId="1418613357" sldId="268"/>
+            <ac:picMk id="8" creationId="{B373CCDB-9F17-419A-8EBE-EB333E168C3C}"/>
+          </ac:picMkLst>
+        </pc:picChg>
+        <pc:picChg chg="add del mod">
+          <ac:chgData name="Bradley Reardon" userId="a17d7f7e761d2a81" providerId="LiveId" clId="{5002F829-7E52-4D44-A838-F5EB72B24A15}" dt="2021-03-20T18:36:04.487" v="333" actId="478"/>
+          <ac:picMkLst>
+            <pc:docMk/>
+            <pc:sldMk cId="1418613357" sldId="268"/>
+            <ac:picMk id="9" creationId="{F286A056-A5C6-476E-BAFF-C29140DC4AF8}"/>
+          </ac:picMkLst>
+        </pc:picChg>
+        <pc:picChg chg="add del mod">
+          <ac:chgData name="Bradley Reardon" userId="a17d7f7e761d2a81" providerId="LiveId" clId="{5002F829-7E52-4D44-A838-F5EB72B24A15}" dt="2021-03-20T18:36:04.047" v="332" actId="478"/>
+          <ac:picMkLst>
+            <pc:docMk/>
+            <pc:sldMk cId="1418613357" sldId="268"/>
+            <ac:picMk id="11" creationId="{3C685CAC-D65D-45C1-92FD-6AAFDBA41586}"/>
+          </ac:picMkLst>
+        </pc:picChg>
+        <pc:picChg chg="add del">
+          <ac:chgData name="Bradley Reardon" userId="a17d7f7e761d2a81" providerId="LiveId" clId="{5002F829-7E52-4D44-A838-F5EB72B24A15}" dt="2021-03-20T18:36:36.298" v="337" actId="478"/>
+          <ac:picMkLst>
+            <pc:docMk/>
+            <pc:sldMk cId="1418613357" sldId="268"/>
+            <ac:picMk id="13" creationId="{0962D777-4C16-4EA0-AC71-19DBD9404E04}"/>
+          </ac:picMkLst>
+        </pc:picChg>
+        <pc:picChg chg="add mod">
+          <ac:chgData name="Bradley Reardon" userId="a17d7f7e761d2a81" providerId="LiveId" clId="{5002F829-7E52-4D44-A838-F5EB72B24A15}" dt="2021-03-20T18:37:23.028" v="360" actId="1076"/>
+          <ac:picMkLst>
+            <pc:docMk/>
+            <pc:sldMk cId="1418613357" sldId="268"/>
+            <ac:picMk id="15" creationId="{1E29D9E2-0608-499B-BFA7-BE12F36FCCA3}"/>
+          </ac:picMkLst>
+        </pc:picChg>
+        <pc:picChg chg="add mod">
+          <ac:chgData name="Bradley Reardon" userId="a17d7f7e761d2a81" providerId="LiveId" clId="{5002F829-7E52-4D44-A838-F5EB72B24A15}" dt="2021-03-20T18:37:24.193" v="361" actId="1076"/>
+          <ac:picMkLst>
+            <pc:docMk/>
+            <pc:sldMk cId="1418613357" sldId="268"/>
+            <ac:picMk id="17" creationId="{85239267-7266-4201-9FA5-3B409359A8A1}"/>
+          </ac:picMkLst>
+        </pc:picChg>
+      </pc:sldChg>
+      <pc:sldChg chg="addSp delSp modSp mod">
+        <pc:chgData name="Bradley Reardon" userId="a17d7f7e761d2a81" providerId="LiveId" clId="{5002F829-7E52-4D44-A838-F5EB72B24A15}" dt="2021-03-20T18:07:36.327" v="259" actId="1076"/>
+        <pc:sldMkLst>
+          <pc:docMk/>
+          <pc:sldMk cId="3317791480" sldId="269"/>
+        </pc:sldMkLst>
+        <pc:spChg chg="add del mod">
+          <ac:chgData name="Bradley Reardon" userId="a17d7f7e761d2a81" providerId="LiveId" clId="{5002F829-7E52-4D44-A838-F5EB72B24A15}" dt="2021-03-20T17:49:00.698" v="112" actId="478"/>
+          <ac:spMkLst>
+            <pc:docMk/>
+            <pc:sldMk cId="3317791480" sldId="269"/>
+            <ac:spMk id="4" creationId="{D0BF3BC4-F2E4-4A28-9957-DECD7B524D1D}"/>
+          </ac:spMkLst>
+        </pc:spChg>
+        <pc:picChg chg="del">
+          <ac:chgData name="Bradley Reardon" userId="a17d7f7e761d2a81" providerId="LiveId" clId="{5002F829-7E52-4D44-A838-F5EB72B24A15}" dt="2021-03-20T17:48:57.048" v="111" actId="478"/>
+          <ac:picMkLst>
+            <pc:docMk/>
+            <pc:sldMk cId="3317791480" sldId="269"/>
+            <ac:picMk id="5" creationId="{988679DF-7C22-4D0B-86F8-6FA4455CEE36}"/>
+          </ac:picMkLst>
+        </pc:picChg>
+        <pc:picChg chg="add mod">
+          <ac:chgData name="Bradley Reardon" userId="a17d7f7e761d2a81" providerId="LiveId" clId="{5002F829-7E52-4D44-A838-F5EB72B24A15}" dt="2021-03-20T18:07:36.327" v="259" actId="1076"/>
+          <ac:picMkLst>
+            <pc:docMk/>
+            <pc:sldMk cId="3317791480" sldId="269"/>
+            <ac:picMk id="7" creationId="{24445A92-3C0E-4BBF-927E-BC09DAA108E6}"/>
+          </ac:picMkLst>
+        </pc:picChg>
+      </pc:sldChg>
+      <pc:sldChg chg="addSp delSp modSp mod">
+        <pc:chgData name="Bradley Reardon" userId="a17d7f7e761d2a81" providerId="LiveId" clId="{5002F829-7E52-4D44-A838-F5EB72B24A15}" dt="2021-03-20T18:51:42.203" v="384" actId="14100"/>
+        <pc:sldMkLst>
+          <pc:docMk/>
+          <pc:sldMk cId="1227895248" sldId="270"/>
+        </pc:sldMkLst>
+        <pc:spChg chg="mod">
+          <ac:chgData name="Bradley Reardon" userId="a17d7f7e761d2a81" providerId="LiveId" clId="{5002F829-7E52-4D44-A838-F5EB72B24A15}" dt="2021-03-20T18:07:19.833" v="256" actId="20577"/>
+          <ac:spMkLst>
+            <pc:docMk/>
+            <pc:sldMk cId="1227895248" sldId="270"/>
+            <ac:spMk id="2" creationId="{24DD0466-E028-4D61-915F-A3B33B7ACE86}"/>
+          </ac:spMkLst>
+        </pc:spChg>
+        <pc:picChg chg="add del mod">
+          <ac:chgData name="Bradley Reardon" userId="a17d7f7e761d2a81" providerId="LiveId" clId="{5002F829-7E52-4D44-A838-F5EB72B24A15}" dt="2021-03-20T18:50:41.304" v="371" actId="478"/>
+          <ac:picMkLst>
+            <pc:docMk/>
+            <pc:sldMk cId="1227895248" sldId="270"/>
+            <ac:picMk id="5" creationId="{CC169A23-02DD-4075-994E-98BBDB963AEE}"/>
+          </ac:picMkLst>
+        </pc:picChg>
+        <pc:picChg chg="add del mod">
+          <ac:chgData name="Bradley Reardon" userId="a17d7f7e761d2a81" providerId="LiveId" clId="{5002F829-7E52-4D44-A838-F5EB72B24A15}" dt="2021-03-20T18:51:24.644" v="382" actId="478"/>
+          <ac:picMkLst>
+            <pc:docMk/>
+            <pc:sldMk cId="1227895248" sldId="270"/>
+            <ac:picMk id="6" creationId="{6AC56838-18F4-42BC-B009-004A6FA64DA0}"/>
+          </ac:picMkLst>
+        </pc:picChg>
+        <pc:picChg chg="add mod">
+          <ac:chgData name="Bradley Reardon" userId="a17d7f7e761d2a81" providerId="LiveId" clId="{5002F829-7E52-4D44-A838-F5EB72B24A15}" dt="2021-03-20T18:51:42.203" v="384" actId="14100"/>
+          <ac:picMkLst>
+            <pc:docMk/>
+            <pc:sldMk cId="1227895248" sldId="270"/>
+            <ac:picMk id="8" creationId="{12A1FF45-92DE-440E-9399-42C8B3A3DE1C}"/>
+          </ac:picMkLst>
+        </pc:picChg>
+      </pc:sldChg>
+      <pc:sldChg chg="modSp mod">
+        <pc:chgData name="Bradley Reardon" userId="a17d7f7e761d2a81" providerId="LiveId" clId="{5002F829-7E52-4D44-A838-F5EB72B24A15}" dt="2021-03-20T18:08:30.136" v="263" actId="20577"/>
+        <pc:sldMkLst>
+          <pc:docMk/>
+          <pc:sldMk cId="2239328636" sldId="276"/>
+        </pc:sldMkLst>
+        <pc:spChg chg="mod">
+          <ac:chgData name="Bradley Reardon" userId="a17d7f7e761d2a81" providerId="LiveId" clId="{5002F829-7E52-4D44-A838-F5EB72B24A15}" dt="2021-03-20T18:08:30.136" v="263" actId="20577"/>
+          <ac:spMkLst>
+            <pc:docMk/>
+            <pc:sldMk cId="2239328636" sldId="276"/>
+            <ac:spMk id="2" creationId="{757C6CF1-9FEC-4B61-8664-9E66B5FD090A}"/>
+          </ac:spMkLst>
+        </pc:spChg>
+      </pc:sldChg>
+      <pc:sldChg chg="modSp mod">
+        <pc:chgData name="Bradley Reardon" userId="a17d7f7e761d2a81" providerId="LiveId" clId="{5002F829-7E52-4D44-A838-F5EB72B24A15}" dt="2021-03-20T17:36:33.470" v="84" actId="20577"/>
+        <pc:sldMkLst>
+          <pc:docMk/>
+          <pc:sldMk cId="2025065564" sldId="277"/>
+        </pc:sldMkLst>
+        <pc:spChg chg="mod">
+          <ac:chgData name="Bradley Reardon" userId="a17d7f7e761d2a81" providerId="LiveId" clId="{5002F829-7E52-4D44-A838-F5EB72B24A15}" dt="2021-03-20T17:36:33.470" v="84" actId="20577"/>
+          <ac:spMkLst>
+            <pc:docMk/>
+            <pc:sldMk cId="2025065564" sldId="277"/>
+            <ac:spMk id="2" creationId="{757C6CF1-9FEC-4B61-8664-9E66B5FD090A}"/>
+          </ac:spMkLst>
+        </pc:spChg>
+      </pc:sldChg>
+    </pc:docChg>
+  </pc:docChgLst>
+</pc:chgInfo>
 </file>
 
 <file path=ppt/slideLayouts/slideLayout1.xml><?xml version="1.0" encoding="utf-8"?>
@@ -6876,31 +7257,6 @@
           </a:p>
         </p:txBody>
       </p:sp>
-      <p:sp>
-        <p:nvSpPr>
-          <p:cNvPr id="3" name="Content Placeholder 2">
-            <a:extLst>
-              <a:ext uri="{FF2B5EF4-FFF2-40B4-BE49-F238E27FC236}">
-                <a16:creationId xmlns:a16="http://schemas.microsoft.com/office/drawing/2014/main" id="{086EBA36-FF68-46F9-A101-58F857F51EA9}"/>
-              </a:ext>
-            </a:extLst>
-          </p:cNvPr>
-          <p:cNvSpPr>
-            <a:spLocks noGrp="1"/>
-          </p:cNvSpPr>
-          <p:nvPr>
-            <p:ph idx="1"/>
-          </p:nvPr>
-        </p:nvSpPr>
-        <p:spPr/>
-        <p:txBody>
-          <a:bodyPr/>
-          <a:lstStyle/>
-          <a:p>
-            <a:endParaRPr lang="en-US"/>
-          </a:p>
-        </p:txBody>
-      </p:sp>
       <p:pic>
         <p:nvPicPr>
           <p:cNvPr id="4" name="Picture 3">
@@ -6928,8 +7284,8 @@
         </p:blipFill>
         <p:spPr bwMode="auto">
           <a:xfrm>
-            <a:off x="677334" y="2146210"/>
-            <a:ext cx="8382690" cy="4102190"/>
+            <a:off x="1914312" y="2125014"/>
+            <a:ext cx="6122712" cy="4123386"/>
           </a:xfrm>
           <a:prstGeom prst="rect">
             <a:avLst/>
@@ -7000,19 +7356,17 @@
       </p:sp>
       <p:pic>
         <p:nvPicPr>
-          <p:cNvPr id="5" name="Content Placeholder 4">
+          <p:cNvPr id="7" name="Picture 6">
             <a:extLst>
               <a:ext uri="{FF2B5EF4-FFF2-40B4-BE49-F238E27FC236}">
-                <a16:creationId xmlns:a16="http://schemas.microsoft.com/office/drawing/2014/main" id="{988679DF-7C22-4D0B-86F8-6FA4455CEE36}"/>
+                <a16:creationId xmlns:a16="http://schemas.microsoft.com/office/drawing/2014/main" id="{24445A92-3C0E-4BBF-927E-BC09DAA108E6}"/>
               </a:ext>
             </a:extLst>
           </p:cNvPr>
           <p:cNvPicPr>
-            <a:picLocks noGrp="1" noChangeAspect="1"/>
+            <a:picLocks noChangeAspect="1"/>
           </p:cNvPicPr>
-          <p:nvPr>
-            <p:ph idx="1"/>
-          </p:nvPr>
+          <p:nvPr/>
         </p:nvPicPr>
         <p:blipFill>
           <a:blip r:embed="rId2"/>
@@ -7022,9 +7376,12 @@
         </p:blipFill>
         <p:spPr>
           <a:xfrm>
-            <a:off x="524935" y="1930400"/>
-            <a:ext cx="9743016" cy="4791569"/>
+            <a:off x="1632393" y="2071486"/>
+            <a:ext cx="6686550" cy="4286250"/>
           </a:xfrm>
+          <a:prstGeom prst="rect">
+            <a:avLst/>
+          </a:prstGeom>
         </p:spPr>
       </p:pic>
     </p:spTree>
@@ -7062,7 +7419,7 @@
           <p:cNvPr id="2" name="Title 1">
             <a:extLst>
               <a:ext uri="{FF2B5EF4-FFF2-40B4-BE49-F238E27FC236}">
-                <a16:creationId xmlns:a16="http://schemas.microsoft.com/office/drawing/2014/main" id="{AAA023A3-C580-49F7-8ED6-A426CD016C0F}"/>
+                <a16:creationId xmlns:a16="http://schemas.microsoft.com/office/drawing/2014/main" id="{5CA0080E-7511-4AC4-A8F0-C52C0455BA63}"/>
               </a:ext>
             </a:extLst>
           </p:cNvPr>
@@ -7075,8 +7432,8 @@
         </p:nvSpPr>
         <p:spPr>
           <a:xfrm>
-            <a:off x="677333" y="376335"/>
-            <a:ext cx="10071531" cy="1320800"/>
+            <a:off x="490722" y="150013"/>
+            <a:ext cx="8596668" cy="1320800"/>
           </a:xfrm>
         </p:spPr>
         <p:txBody>
@@ -7089,66 +7446,61 @@
                 <a:ea typeface="DengXian" panose="02010600030101010101" pitchFamily="2" charset="-122"/>
                 <a:cs typeface="Times New Roman" panose="02020603050405020304" pitchFamily="18" charset="0"/>
               </a:rPr>
-              <a:t>Total </a:t>
+              <a:t>Mean</a:t>
+            </a:r>
+            <a:r>
+              <a:rPr lang="en-US" sz="3600" dirty="0">
+                <a:latin typeface="Calibri" panose="020F0502020204030204" pitchFamily="34" charset="0"/>
+                <a:ea typeface="DengXian" panose="02010600030101010101" pitchFamily="2" charset="-122"/>
+                <a:cs typeface="Times New Roman" panose="02020603050405020304" pitchFamily="18" charset="0"/>
+              </a:rPr>
+              <a:t> </a:t>
             </a:r>
             <a:r>
               <a:rPr lang="en-US" dirty="0">
-                <a:effectLst/>
-                <a:latin typeface="Calibri" panose="020F0502020204030204" pitchFamily="34" charset="0"/>
-                <a:ea typeface="DengXian" panose="02010600030101010101" pitchFamily="2" charset="-122"/>
-                <a:cs typeface="Times New Roman" panose="02020603050405020304" pitchFamily="18" charset="0"/>
-              </a:rPr>
-              <a:t>solar energy production potential by region – chart3 </a:t>
+                <a:latin typeface="Calibri" panose="020F0502020204030204" pitchFamily="34" charset="0"/>
+                <a:ea typeface="DengXian" panose="02010600030101010101" pitchFamily="2" charset="-122"/>
+                <a:cs typeface="Times New Roman" panose="02020603050405020304" pitchFamily="18" charset="0"/>
+              </a:rPr>
+              <a:t>S</a:t>
+            </a:r>
+            <a:r>
+              <a:rPr lang="en-US" sz="3600" dirty="0">
+                <a:latin typeface="Calibri" panose="020F0502020204030204" pitchFamily="34" charset="0"/>
+                <a:ea typeface="DengXian" panose="02010600030101010101" pitchFamily="2" charset="-122"/>
+                <a:cs typeface="Times New Roman" panose="02020603050405020304" pitchFamily="18" charset="0"/>
+              </a:rPr>
+              <a:t>olar Energy Potential Generated Per </a:t>
             </a:r>
             <a:r>
               <a:rPr lang="en-US" dirty="0">
-                <a:solidFill>
-                  <a:srgbClr val="FFFF00"/>
-                </a:solidFill>
-                <a:effectLst/>
-                <a:latin typeface="Calibri" panose="020F0502020204030204" pitchFamily="34" charset="0"/>
-                <a:ea typeface="DengXian" panose="02010600030101010101" pitchFamily="2" charset="-122"/>
-                <a:cs typeface="Times New Roman" panose="02020603050405020304" pitchFamily="18" charset="0"/>
-              </a:rPr>
-              <a:t>(</a:t>
-            </a:r>
-            <a:r>
-              <a:rPr lang="en-US" dirty="0">
-                <a:solidFill>
-                  <a:srgbClr val="FFFF00"/>
-                </a:solidFill>
-                <a:latin typeface="Calibri" panose="020F0502020204030204" pitchFamily="34" charset="0"/>
-                <a:ea typeface="DengXian" panose="02010600030101010101" pitchFamily="2" charset="-122"/>
-                <a:cs typeface="Times New Roman" panose="02020603050405020304" pitchFamily="18" charset="0"/>
-              </a:rPr>
-              <a:t>Both of these two needed</a:t>
-            </a:r>
-            <a:r>
-              <a:rPr lang="en-US" dirty="0">
-                <a:solidFill>
-                  <a:srgbClr val="FFFF00"/>
-                </a:solidFill>
-                <a:effectLst/>
-                <a:latin typeface="Calibri" panose="020F0502020204030204" pitchFamily="34" charset="0"/>
-                <a:ea typeface="DengXian" panose="02010600030101010101" pitchFamily="2" charset="-122"/>
-                <a:cs typeface="Times New Roman" panose="02020603050405020304" pitchFamily="18" charset="0"/>
-              </a:rPr>
-              <a:t>)</a:t>
-            </a:r>
-            <a:endParaRPr lang="en-US" dirty="0">
-              <a:solidFill>
-                <a:srgbClr val="FFFF00"/>
-              </a:solidFill>
-            </a:endParaRPr>
+                <a:latin typeface="Calibri" panose="020F0502020204030204" pitchFamily="34" charset="0"/>
+                <a:ea typeface="DengXian" panose="02010600030101010101" pitchFamily="2" charset="-122"/>
+                <a:cs typeface="Times New Roman" panose="02020603050405020304" pitchFamily="18" charset="0"/>
+              </a:rPr>
+              <a:t>P</a:t>
+            </a:r>
+            <a:r>
+              <a:rPr lang="en-US" sz="3600" dirty="0">
+                <a:latin typeface="Calibri" panose="020F0502020204030204" pitchFamily="34" charset="0"/>
+                <a:ea typeface="DengXian" panose="02010600030101010101" pitchFamily="2" charset="-122"/>
+                <a:cs typeface="Times New Roman" panose="02020603050405020304" pitchFamily="18" charset="0"/>
+              </a:rPr>
+              <a:t>anel By Direction – </a:t>
+            </a:r>
+            <a:r>
+              <a:rPr lang="en-US" dirty="0"/>
+              <a:t>Chart 4-8</a:t>
+            </a:r>
           </a:p>
         </p:txBody>
       </p:sp>
       <p:pic>
         <p:nvPicPr>
-          <p:cNvPr id="6" name="Picture 5">
+          <p:cNvPr id="12" name="Picture 11">
             <a:extLst>
               <a:ext uri="{FF2B5EF4-FFF2-40B4-BE49-F238E27FC236}">
-                <a16:creationId xmlns:a16="http://schemas.microsoft.com/office/drawing/2014/main" id="{96075AAB-4ED1-4941-BEE1-BB17FDC82CAC}"/>
+                <a16:creationId xmlns:a16="http://schemas.microsoft.com/office/drawing/2014/main" id="{8D222DA7-075D-48E1-8639-A6FC29485211}"/>
               </a:ext>
             </a:extLst>
           </p:cNvPr>
@@ -7165,8 +7517,8 @@
         </p:blipFill>
         <p:spPr>
           <a:xfrm>
-            <a:off x="6095999" y="1939104"/>
-            <a:ext cx="5555043" cy="3471095"/>
+            <a:off x="7809107" y="4491442"/>
+            <a:ext cx="4165866" cy="1696350"/>
           </a:xfrm>
           <a:prstGeom prst="rect">
             <a:avLst/>
@@ -7175,10 +7527,10 @@
       </p:pic>
       <p:pic>
         <p:nvPicPr>
-          <p:cNvPr id="8" name="Picture 7">
+          <p:cNvPr id="18" name="Picture 17">
             <a:extLst>
               <a:ext uri="{FF2B5EF4-FFF2-40B4-BE49-F238E27FC236}">
-                <a16:creationId xmlns:a16="http://schemas.microsoft.com/office/drawing/2014/main" id="{B373CCDB-9F17-419A-8EBE-EB333E168C3C}"/>
+                <a16:creationId xmlns:a16="http://schemas.microsoft.com/office/drawing/2014/main" id="{AE2A6F9E-3854-4DE1-A5F3-DD3CBEF7415E}"/>
               </a:ext>
             </a:extLst>
           </p:cNvPr>
@@ -7195,48 +7547,138 @@
         </p:blipFill>
         <p:spPr>
           <a:xfrm>
-            <a:off x="313668" y="1939104"/>
-            <a:ext cx="5602694" cy="3471095"/>
+            <a:off x="100019" y="1518383"/>
+            <a:ext cx="3693554" cy="2257171"/>
           </a:xfrm>
           <a:prstGeom prst="rect">
             <a:avLst/>
           </a:prstGeom>
         </p:spPr>
       </p:pic>
-      <p:sp>
-        <p:nvSpPr>
-          <p:cNvPr id="5" name="Content Placeholder 4">
+      <p:pic>
+        <p:nvPicPr>
+          <p:cNvPr id="20" name="Picture 19">
             <a:extLst>
               <a:ext uri="{FF2B5EF4-FFF2-40B4-BE49-F238E27FC236}">
-                <a16:creationId xmlns:a16="http://schemas.microsoft.com/office/drawing/2014/main" id="{B20BCF63-08D7-4EF8-893D-BE7D2255880D}"/>
+                <a16:creationId xmlns:a16="http://schemas.microsoft.com/office/drawing/2014/main" id="{1614750A-1CD9-4EFB-B079-B7C3A55338D3}"/>
               </a:ext>
             </a:extLst>
           </p:cNvPr>
-          <p:cNvSpPr>
-            <a:spLocks noGrp="1"/>
-          </p:cNvSpPr>
-          <p:nvPr>
-            <p:ph idx="1"/>
-          </p:nvPr>
-        </p:nvSpPr>
+          <p:cNvPicPr>
+            <a:picLocks noChangeAspect="1"/>
+          </p:cNvPicPr>
+          <p:nvPr/>
+        </p:nvPicPr>
+        <p:blipFill>
+          <a:blip r:embed="rId4"/>
+          <a:stretch>
+            <a:fillRect/>
+          </a:stretch>
+        </p:blipFill>
         <p:spPr>
           <a:xfrm>
-            <a:off x="762768" y="5324084"/>
-            <a:ext cx="4072141" cy="1157581"/>
+            <a:off x="3935267" y="1518383"/>
+            <a:ext cx="3693554" cy="2240859"/>
           </a:xfrm>
+          <a:prstGeom prst="rect">
+            <a:avLst/>
+          </a:prstGeom>
         </p:spPr>
-        <p:txBody>
-          <a:bodyPr/>
-          <a:lstStyle/>
-          <a:p>
-            <a:endParaRPr lang="zh-CN" altLang="en-US" dirty="0"/>
-          </a:p>
-        </p:txBody>
-      </p:sp>
+      </p:pic>
+      <p:pic>
+        <p:nvPicPr>
+          <p:cNvPr id="22" name="Picture 21">
+            <a:extLst>
+              <a:ext uri="{FF2B5EF4-FFF2-40B4-BE49-F238E27FC236}">
+                <a16:creationId xmlns:a16="http://schemas.microsoft.com/office/drawing/2014/main" id="{F0B00652-3C67-443D-8BCF-B6CC71F1A360}"/>
+              </a:ext>
+            </a:extLst>
+          </p:cNvPr>
+          <p:cNvPicPr>
+            <a:picLocks noChangeAspect="1"/>
+          </p:cNvPicPr>
+          <p:nvPr/>
+        </p:nvPicPr>
+        <p:blipFill>
+          <a:blip r:embed="rId5"/>
+          <a:stretch>
+            <a:fillRect/>
+          </a:stretch>
+        </p:blipFill>
+        <p:spPr>
+          <a:xfrm>
+            <a:off x="3935267" y="4299290"/>
+            <a:ext cx="3654962" cy="2263088"/>
+          </a:xfrm>
+          <a:prstGeom prst="rect">
+            <a:avLst/>
+          </a:prstGeom>
+        </p:spPr>
+      </p:pic>
+      <p:pic>
+        <p:nvPicPr>
+          <p:cNvPr id="24" name="Picture 23">
+            <a:extLst>
+              <a:ext uri="{FF2B5EF4-FFF2-40B4-BE49-F238E27FC236}">
+                <a16:creationId xmlns:a16="http://schemas.microsoft.com/office/drawing/2014/main" id="{17D274B8-6DF1-46AD-9DD7-9E7632ED2F46}"/>
+              </a:ext>
+            </a:extLst>
+          </p:cNvPr>
+          <p:cNvPicPr>
+            <a:picLocks noChangeAspect="1"/>
+          </p:cNvPicPr>
+          <p:nvPr/>
+        </p:nvPicPr>
+        <p:blipFill>
+          <a:blip r:embed="rId6"/>
+          <a:stretch>
+            <a:fillRect/>
+          </a:stretch>
+        </p:blipFill>
+        <p:spPr>
+          <a:xfrm>
+            <a:off x="7809107" y="1518383"/>
+            <a:ext cx="3641396" cy="2240859"/>
+          </a:xfrm>
+          <a:prstGeom prst="rect">
+            <a:avLst/>
+          </a:prstGeom>
+        </p:spPr>
+      </p:pic>
+      <p:pic>
+        <p:nvPicPr>
+          <p:cNvPr id="26" name="Picture 25">
+            <a:extLst>
+              <a:ext uri="{FF2B5EF4-FFF2-40B4-BE49-F238E27FC236}">
+                <a16:creationId xmlns:a16="http://schemas.microsoft.com/office/drawing/2014/main" id="{72310D4E-DE77-4CD3-8E0A-162AA233CE80}"/>
+              </a:ext>
+            </a:extLst>
+          </p:cNvPr>
+          <p:cNvPicPr>
+            <a:picLocks noChangeAspect="1"/>
+          </p:cNvPicPr>
+          <p:nvPr/>
+        </p:nvPicPr>
+        <p:blipFill>
+          <a:blip r:embed="rId7"/>
+          <a:stretch>
+            <a:fillRect/>
+          </a:stretch>
+        </p:blipFill>
+        <p:spPr>
+          <a:xfrm>
+            <a:off x="100019" y="4305206"/>
+            <a:ext cx="3654962" cy="2257172"/>
+          </a:xfrm>
+          <a:prstGeom prst="rect">
+            <a:avLst/>
+          </a:prstGeom>
+        </p:spPr>
+      </p:pic>
     </p:spTree>
     <p:extLst>
       <p:ext uri="{BB962C8B-B14F-4D97-AF65-F5344CB8AC3E}">
-        <p14:creationId xmlns:p14="http://schemas.microsoft.com/office/powerpoint/2010/main" val="1418613357"/>
+        <p14:creationId xmlns:p14="http://schemas.microsoft.com/office/powerpoint/2010/main" val="271426853"/>
       </p:ext>
     </p:extLst>
   </p:cSld>
@@ -7268,7 +7710,7 @@
           <p:cNvPr id="2" name="Title 1">
             <a:extLst>
               <a:ext uri="{FF2B5EF4-FFF2-40B4-BE49-F238E27FC236}">
-                <a16:creationId xmlns:a16="http://schemas.microsoft.com/office/drawing/2014/main" id="{5CA0080E-7511-4AC4-A8F0-C52C0455BA63}"/>
+                <a16:creationId xmlns:a16="http://schemas.microsoft.com/office/drawing/2014/main" id="{AAA023A3-C580-49F7-8ED6-A426CD016C0F}"/>
               </a:ext>
             </a:extLst>
           </p:cNvPr>
@@ -7281,8 +7723,8 @@
         </p:nvSpPr>
         <p:spPr>
           <a:xfrm>
-            <a:off x="490722" y="150013"/>
-            <a:ext cx="8596668" cy="1320800"/>
+            <a:off x="677333" y="376335"/>
+            <a:ext cx="10071531" cy="1320800"/>
           </a:xfrm>
         </p:spPr>
         <p:txBody>
@@ -7295,38 +7737,73 @@
                 <a:ea typeface="DengXian" panose="02010600030101010101" pitchFamily="2" charset="-122"/>
                 <a:cs typeface="Times New Roman" panose="02020603050405020304" pitchFamily="18" charset="0"/>
               </a:rPr>
-              <a:t>A</a:t>
-            </a:r>
-            <a:r>
-              <a:rPr lang="en-US" sz="3600" dirty="0">
-                <a:latin typeface="Calibri" panose="020F0502020204030204" pitchFamily="34" charset="0"/>
-                <a:ea typeface="DengXian" panose="02010600030101010101" pitchFamily="2" charset="-122"/>
-                <a:cs typeface="Times New Roman" panose="02020603050405020304" pitchFamily="18" charset="0"/>
-              </a:rPr>
-              <a:t>verage solar energy potential generated per panel by region – </a:t>
-            </a:r>
-            <a:r>
-              <a:rPr lang="en-US" dirty="0"/>
-              <a:t>Chart 4-8</a:t>
-            </a:r>
+              <a:t>Total </a:t>
+            </a:r>
+            <a:r>
+              <a:rPr lang="en-US" dirty="0">
+                <a:effectLst/>
+                <a:latin typeface="Calibri" panose="020F0502020204030204" pitchFamily="34" charset="0"/>
+                <a:ea typeface="DengXian" panose="02010600030101010101" pitchFamily="2" charset="-122"/>
+                <a:cs typeface="Times New Roman" panose="02020603050405020304" pitchFamily="18" charset="0"/>
+              </a:rPr>
+              <a:t>solar energy production potential by region – chart3 </a:t>
+            </a:r>
+            <a:r>
+              <a:rPr lang="en-US" dirty="0">
+                <a:solidFill>
+                  <a:srgbClr val="FFFF00"/>
+                </a:solidFill>
+                <a:effectLst/>
+                <a:latin typeface="Calibri" panose="020F0502020204030204" pitchFamily="34" charset="0"/>
+                <a:ea typeface="DengXian" panose="02010600030101010101" pitchFamily="2" charset="-122"/>
+                <a:cs typeface="Times New Roman" panose="02020603050405020304" pitchFamily="18" charset="0"/>
+              </a:rPr>
+              <a:t>(</a:t>
+            </a:r>
+            <a:r>
+              <a:rPr lang="en-US" dirty="0">
+                <a:solidFill>
+                  <a:srgbClr val="FFFF00"/>
+                </a:solidFill>
+                <a:latin typeface="Calibri" panose="020F0502020204030204" pitchFamily="34" charset="0"/>
+                <a:ea typeface="DengXian" panose="02010600030101010101" pitchFamily="2" charset="-122"/>
+                <a:cs typeface="Times New Roman" panose="02020603050405020304" pitchFamily="18" charset="0"/>
+              </a:rPr>
+              <a:t>Both of these two needed</a:t>
+            </a:r>
+            <a:r>
+              <a:rPr lang="en-US" dirty="0">
+                <a:solidFill>
+                  <a:srgbClr val="FFFF00"/>
+                </a:solidFill>
+                <a:effectLst/>
+                <a:latin typeface="Calibri" panose="020F0502020204030204" pitchFamily="34" charset="0"/>
+                <a:ea typeface="DengXian" panose="02010600030101010101" pitchFamily="2" charset="-122"/>
+                <a:cs typeface="Times New Roman" panose="02020603050405020304" pitchFamily="18" charset="0"/>
+              </a:rPr>
+              <a:t>)</a:t>
+            </a:r>
+            <a:endParaRPr lang="en-US" dirty="0">
+              <a:solidFill>
+                <a:srgbClr val="FFFF00"/>
+              </a:solidFill>
+            </a:endParaRPr>
           </a:p>
         </p:txBody>
       </p:sp>
       <p:pic>
         <p:nvPicPr>
-          <p:cNvPr id="9" name="Content Placeholder 8">
+          <p:cNvPr id="15" name="Picture 14">
             <a:extLst>
               <a:ext uri="{FF2B5EF4-FFF2-40B4-BE49-F238E27FC236}">
-                <a16:creationId xmlns:a16="http://schemas.microsoft.com/office/drawing/2014/main" id="{A260FDCF-1BE9-47F8-AAAA-E61A5251A1C0}"/>
+                <a16:creationId xmlns:a16="http://schemas.microsoft.com/office/drawing/2014/main" id="{1E29D9E2-0608-499B-BFA7-BE12F36FCCA3}"/>
               </a:ext>
             </a:extLst>
           </p:cNvPr>
           <p:cNvPicPr>
-            <a:picLocks noGrp="1" noChangeAspect="1"/>
+            <a:picLocks noChangeAspect="1"/>
           </p:cNvPicPr>
-          <p:nvPr>
-            <p:ph idx="1"/>
-          </p:nvPr>
+          <p:nvPr/>
         </p:nvPicPr>
         <p:blipFill>
           <a:blip r:embed="rId2"/>
@@ -7336,17 +7813,20 @@
         </p:blipFill>
         <p:spPr>
           <a:xfrm>
-            <a:off x="59277" y="4180131"/>
-            <a:ext cx="3992501" cy="2449527"/>
+            <a:off x="6199704" y="2286712"/>
+            <a:ext cx="5642538" cy="3519523"/>
           </a:xfrm>
+          <a:prstGeom prst="rect">
+            <a:avLst/>
+          </a:prstGeom>
         </p:spPr>
       </p:pic>
       <p:pic>
         <p:nvPicPr>
-          <p:cNvPr id="5" name="Picture 4">
+          <p:cNvPr id="17" name="Picture 16">
             <a:extLst>
               <a:ext uri="{FF2B5EF4-FFF2-40B4-BE49-F238E27FC236}">
-                <a16:creationId xmlns:a16="http://schemas.microsoft.com/office/drawing/2014/main" id="{CFDCA03D-E2EA-48E9-B886-492475873189}"/>
+                <a16:creationId xmlns:a16="http://schemas.microsoft.com/office/drawing/2014/main" id="{85239267-7266-4201-9FA5-3B409359A8A1}"/>
               </a:ext>
             </a:extLst>
           </p:cNvPr>
@@ -7363,128 +7843,8 @@
         </p:blipFill>
         <p:spPr>
           <a:xfrm>
-            <a:off x="59278" y="1665268"/>
-            <a:ext cx="3978181" cy="2449528"/>
-          </a:xfrm>
-          <a:prstGeom prst="rect">
-            <a:avLst/>
-          </a:prstGeom>
-        </p:spPr>
-      </p:pic>
-      <p:pic>
-        <p:nvPicPr>
-          <p:cNvPr id="7" name="Picture 6">
-            <a:extLst>
-              <a:ext uri="{FF2B5EF4-FFF2-40B4-BE49-F238E27FC236}">
-                <a16:creationId xmlns:a16="http://schemas.microsoft.com/office/drawing/2014/main" id="{39153F6A-22DD-421B-8678-9B88355ABE7C}"/>
-              </a:ext>
-            </a:extLst>
-          </p:cNvPr>
-          <p:cNvPicPr>
-            <a:picLocks noChangeAspect="1"/>
-          </p:cNvPicPr>
-          <p:nvPr/>
-        </p:nvPicPr>
-        <p:blipFill>
-          <a:blip r:embed="rId4"/>
-          <a:stretch>
-            <a:fillRect/>
-          </a:stretch>
-        </p:blipFill>
-        <p:spPr>
-          <a:xfrm>
-            <a:off x="4203764" y="1665268"/>
-            <a:ext cx="3992501" cy="2456216"/>
-          </a:xfrm>
-          <a:prstGeom prst="rect">
-            <a:avLst/>
-          </a:prstGeom>
-        </p:spPr>
-      </p:pic>
-      <p:pic>
-        <p:nvPicPr>
-          <p:cNvPr id="11" name="Picture 10">
-            <a:extLst>
-              <a:ext uri="{FF2B5EF4-FFF2-40B4-BE49-F238E27FC236}">
-                <a16:creationId xmlns:a16="http://schemas.microsoft.com/office/drawing/2014/main" id="{A91E4C0F-5C35-40D6-98DA-2D1481C67622}"/>
-              </a:ext>
-            </a:extLst>
-          </p:cNvPr>
-          <p:cNvPicPr>
-            <a:picLocks noChangeAspect="1"/>
-          </p:cNvPicPr>
-          <p:nvPr/>
-        </p:nvPicPr>
-        <p:blipFill>
-          <a:blip r:embed="rId5"/>
-          <a:stretch>
-            <a:fillRect/>
-          </a:stretch>
-        </p:blipFill>
-        <p:spPr>
-          <a:xfrm>
-            <a:off x="4203763" y="4180131"/>
-            <a:ext cx="4011335" cy="2478812"/>
-          </a:xfrm>
-          <a:prstGeom prst="rect">
-            <a:avLst/>
-          </a:prstGeom>
-        </p:spPr>
-      </p:pic>
-      <p:pic>
-        <p:nvPicPr>
-          <p:cNvPr id="13" name="Picture 12">
-            <a:extLst>
-              <a:ext uri="{FF2B5EF4-FFF2-40B4-BE49-F238E27FC236}">
-                <a16:creationId xmlns:a16="http://schemas.microsoft.com/office/drawing/2014/main" id="{9D19CABD-80F3-43A6-898F-15F088955EAC}"/>
-              </a:ext>
-            </a:extLst>
-          </p:cNvPr>
-          <p:cNvPicPr>
-            <a:picLocks noChangeAspect="1"/>
-          </p:cNvPicPr>
-          <p:nvPr/>
-        </p:nvPicPr>
-        <p:blipFill>
-          <a:blip r:embed="rId6"/>
-          <a:stretch>
-            <a:fillRect/>
-          </a:stretch>
-        </p:blipFill>
-        <p:spPr>
-          <a:xfrm>
-            <a:off x="8302629" y="2056972"/>
-            <a:ext cx="3830093" cy="2342806"/>
-          </a:xfrm>
-          <a:prstGeom prst="rect">
-            <a:avLst/>
-          </a:prstGeom>
-        </p:spPr>
-      </p:pic>
-      <p:pic>
-        <p:nvPicPr>
-          <p:cNvPr id="15" name="Picture 14">
-            <a:extLst>
-              <a:ext uri="{FF2B5EF4-FFF2-40B4-BE49-F238E27FC236}">
-                <a16:creationId xmlns:a16="http://schemas.microsoft.com/office/drawing/2014/main" id="{FC95E5A5-50A6-440C-A5AF-D691F8AA91E1}"/>
-              </a:ext>
-            </a:extLst>
-          </p:cNvPr>
-          <p:cNvPicPr>
-            <a:picLocks noChangeAspect="1"/>
-          </p:cNvPicPr>
-          <p:nvPr/>
-        </p:nvPicPr>
-        <p:blipFill>
-          <a:blip r:embed="rId7"/>
-          <a:stretch>
-            <a:fillRect/>
-          </a:stretch>
-        </p:blipFill>
-        <p:spPr>
-          <a:xfrm>
-            <a:off x="8302629" y="4595755"/>
-            <a:ext cx="3823585" cy="1058596"/>
+            <a:off x="403132" y="2286711"/>
+            <a:ext cx="5692868" cy="3519523"/>
           </a:xfrm>
           <a:prstGeom prst="rect">
             <a:avLst/>
@@ -7494,7 +7854,7 @@
     </p:spTree>
     <p:extLst>
       <p:ext uri="{BB962C8B-B14F-4D97-AF65-F5344CB8AC3E}">
-        <p14:creationId xmlns:p14="http://schemas.microsoft.com/office/powerpoint/2010/main" val="271426853"/>
+        <p14:creationId xmlns:p14="http://schemas.microsoft.com/office/powerpoint/2010/main" val="1418613357"/>
       </p:ext>
     </p:extLst>
   </p:cSld>
@@ -7989,10 +8349,9 @@
           <a:lstStyle/>
           <a:p>
             <a:r>
-              <a:rPr lang="en-US"/>
-              <a:t>Correlation checking</a:t>
-            </a:r>
-            <a:endParaRPr lang="en-US" dirty="0"/>
+              <a:rPr lang="en-US" dirty="0"/>
+              <a:t>Heatmap For Correlation Checking</a:t>
+            </a:r>
           </a:p>
         </p:txBody>
       </p:sp>
@@ -8043,10 +8402,10 @@
       </p:sp>
       <p:pic>
         <p:nvPicPr>
-          <p:cNvPr id="6" name="Picture 5" descr="Calendar&#10;&#10;Description automatically generated">
+          <p:cNvPr id="8" name="Picture 7">
             <a:extLst>
               <a:ext uri="{FF2B5EF4-FFF2-40B4-BE49-F238E27FC236}">
-                <a16:creationId xmlns:a16="http://schemas.microsoft.com/office/drawing/2014/main" id="{6AC56838-18F4-42BC-B009-004A6FA64DA0}"/>
+                <a16:creationId xmlns:a16="http://schemas.microsoft.com/office/drawing/2014/main" id="{12A1FF45-92DE-440E-9399-42C8B3A3DE1C}"/>
               </a:ext>
             </a:extLst>
           </p:cNvPr>
@@ -8063,8 +8422,8 @@
         </p:blipFill>
         <p:spPr>
           <a:xfrm>
-            <a:off x="1586202" y="1270000"/>
-            <a:ext cx="7296539" cy="5472404"/>
+            <a:off x="970115" y="1270000"/>
+            <a:ext cx="6048872" cy="5515313"/>
           </a:xfrm>
           <a:prstGeom prst="rect">
             <a:avLst/>
@@ -8357,7 +8716,7 @@
           <a:p>
             <a:r>
               <a:rPr lang="en-US" dirty="0"/>
-              <a:t>ANOVA: do the sunlight energy potential per panel per direction diff by region?</a:t>
+              <a:t>ANOVA: do the sunlight energy potential per panel per direction differ by region?</a:t>
             </a:r>
           </a:p>
         </p:txBody>
@@ -9652,7 +10011,7 @@
                 <a:latin typeface="Helvetica" panose="020B0604020202020204" pitchFamily="34" charset="0"/>
                 <a:cs typeface="Helvetica" panose="020B0604020202020204" pitchFamily="34" charset="0"/>
               </a:rPr>
-              <a:t>, contains the number of solar panels, along with the amount of solar energy generated and carbon dioxide abatement in different cities of United States.</a:t>
+              <a:t>, contains the estimated number of solar panels, amount of solar energy generated, and carbon dioxide abatement in cities throughout the United States.</a:t>
             </a:r>
           </a:p>
           <a:p>
@@ -9935,6 +10294,37 @@
               </a:rPr>
               <a:t> the estimated potential carbon offset from solar energy use per region.</a:t>
             </a:r>
+          </a:p>
+          <a:p>
+            <a:pPr algn="just">
+              <a:lnSpc>
+                <a:spcPct val="150000"/>
+              </a:lnSpc>
+            </a:pPr>
+            <a:r>
+              <a:rPr lang="en-US" altLang="zh-CN" sz="2000" dirty="0">
+                <a:solidFill>
+                  <a:schemeClr val="accent1">
+                    <a:lumMod val="40000"/>
+                    <a:lumOff val="60000"/>
+                  </a:schemeClr>
+                </a:solidFill>
+                <a:latin typeface="Helvetica" panose="020B0604020202020204" pitchFamily="34" charset="0"/>
+                <a:cs typeface="Helvetica" panose="020B0604020202020204" pitchFamily="34" charset="0"/>
+              </a:rPr>
+              <a:t>Compare</a:t>
+            </a:r>
+            <a:r>
+              <a:rPr lang="en-US" altLang="zh-CN" sz="2000" dirty="0">
+                <a:latin typeface="Helvetica" panose="020B0604020202020204" pitchFamily="34" charset="0"/>
+                <a:cs typeface="Helvetica" panose="020B0604020202020204" pitchFamily="34" charset="0"/>
+              </a:rPr>
+              <a:t> mean potential solar energy generation per panel by region.</a:t>
+            </a:r>
+            <a:endParaRPr lang="en-US" altLang="zh-CN" sz="2000" b="0" i="0" u="none" strike="noStrike" baseline="0" dirty="0">
+              <a:latin typeface="Helvetica" panose="020B0604020202020204" pitchFamily="34" charset="0"/>
+              <a:cs typeface="Helvetica" panose="020B0604020202020204" pitchFamily="34" charset="0"/>
+            </a:endParaRPr>
           </a:p>
           <a:p>
             <a:pPr marL="0" indent="0">
